--- a/SEP728 Project Frontend Prototype.pptx
+++ b/SEP728 Project Frontend Prototype.pptx
@@ -116,6 +116,11 @@
       </a:defRPr>
     </a:lvl9pPr>
   </p:defaultTextStyle>
+  <p:extLst>
+    <p:ext uri="{EFAFB233-063F-42B5-8137-9DF3F51BA10A}">
+      <p15:sldGuideLst xmlns:p15="http://schemas.microsoft.com/office/powerpoint/2012/main"/>
+    </p:ext>
+  </p:extLst>
 </p:presentation>
 </file>
 
@@ -1293,7 +1298,7 @@
           <a:p>
             <a:fld id="{422CC281-FBD5-4552-9F5B-E96883FEF98C}" type="datetimeFigureOut">
               <a:rPr lang="en-US" smtClean="0"/>
-              <a:t>11/18/2024</a:t>
+              <a:t>11/22/2024</a:t>
             </a:fld>
             <a:endParaRPr lang="en-US"/>
           </a:p>
@@ -1791,7 +1796,7 @@
           <a:p>
             <a:fld id="{8CFD16F9-06FC-4CEA-9644-5588F99E5BEB}" type="datetimeFigureOut">
               <a:rPr lang="en-US" smtClean="0"/>
-              <a:t>11/18/2024</a:t>
+              <a:t>11/22/2024</a:t>
             </a:fld>
             <a:endParaRPr lang="en-US"/>
           </a:p>
@@ -1989,7 +1994,7 @@
           <a:p>
             <a:fld id="{8CFD16F9-06FC-4CEA-9644-5588F99E5BEB}" type="datetimeFigureOut">
               <a:rPr lang="en-US" smtClean="0"/>
-              <a:t>11/18/2024</a:t>
+              <a:t>11/22/2024</a:t>
             </a:fld>
             <a:endParaRPr lang="en-US"/>
           </a:p>
@@ -2197,7 +2202,7 @@
           <a:p>
             <a:fld id="{8CFD16F9-06FC-4CEA-9644-5588F99E5BEB}" type="datetimeFigureOut">
               <a:rPr lang="en-US" smtClean="0"/>
-              <a:t>11/18/2024</a:t>
+              <a:t>11/22/2024</a:t>
             </a:fld>
             <a:endParaRPr lang="en-US"/>
           </a:p>
@@ -2395,7 +2400,7 @@
           <a:p>
             <a:fld id="{8CFD16F9-06FC-4CEA-9644-5588F99E5BEB}" type="datetimeFigureOut">
               <a:rPr lang="en-US" smtClean="0"/>
-              <a:t>11/18/2024</a:t>
+              <a:t>11/22/2024</a:t>
             </a:fld>
             <a:endParaRPr lang="en-US"/>
           </a:p>
@@ -2670,7 +2675,7 @@
           <a:p>
             <a:fld id="{8CFD16F9-06FC-4CEA-9644-5588F99E5BEB}" type="datetimeFigureOut">
               <a:rPr lang="en-US" smtClean="0"/>
-              <a:t>11/18/2024</a:t>
+              <a:t>11/22/2024</a:t>
             </a:fld>
             <a:endParaRPr lang="en-US"/>
           </a:p>
@@ -2935,7 +2940,7 @@
           <a:p>
             <a:fld id="{8CFD16F9-06FC-4CEA-9644-5588F99E5BEB}" type="datetimeFigureOut">
               <a:rPr lang="en-US" smtClean="0"/>
-              <a:t>11/18/2024</a:t>
+              <a:t>11/22/2024</a:t>
             </a:fld>
             <a:endParaRPr lang="en-US"/>
           </a:p>
@@ -3347,7 +3352,7 @@
           <a:p>
             <a:fld id="{8CFD16F9-06FC-4CEA-9644-5588F99E5BEB}" type="datetimeFigureOut">
               <a:rPr lang="en-US" smtClean="0"/>
-              <a:t>11/18/2024</a:t>
+              <a:t>11/22/2024</a:t>
             </a:fld>
             <a:endParaRPr lang="en-US"/>
           </a:p>
@@ -3488,7 +3493,7 @@
           <a:p>
             <a:fld id="{8CFD16F9-06FC-4CEA-9644-5588F99E5BEB}" type="datetimeFigureOut">
               <a:rPr lang="en-US" smtClean="0"/>
-              <a:t>11/18/2024</a:t>
+              <a:t>11/22/2024</a:t>
             </a:fld>
             <a:endParaRPr lang="en-US"/>
           </a:p>
@@ -3601,7 +3606,7 @@
           <a:p>
             <a:fld id="{8CFD16F9-06FC-4CEA-9644-5588F99E5BEB}" type="datetimeFigureOut">
               <a:rPr lang="en-US" smtClean="0"/>
-              <a:t>11/18/2024</a:t>
+              <a:t>11/22/2024</a:t>
             </a:fld>
             <a:endParaRPr lang="en-US"/>
           </a:p>
@@ -3912,7 +3917,7 @@
           <a:p>
             <a:fld id="{8CFD16F9-06FC-4CEA-9644-5588F99E5BEB}" type="datetimeFigureOut">
               <a:rPr lang="en-US" smtClean="0"/>
-              <a:t>11/18/2024</a:t>
+              <a:t>11/22/2024</a:t>
             </a:fld>
             <a:endParaRPr lang="en-US"/>
           </a:p>
@@ -4200,7 +4205,7 @@
           <a:p>
             <a:fld id="{8CFD16F9-06FC-4CEA-9644-5588F99E5BEB}" type="datetimeFigureOut">
               <a:rPr lang="en-US" smtClean="0"/>
-              <a:t>11/18/2024</a:t>
+              <a:t>11/22/2024</a:t>
             </a:fld>
             <a:endParaRPr lang="en-US"/>
           </a:p>
@@ -4441,7 +4446,7 @@
           <a:p>
             <a:fld id="{8CFD16F9-06FC-4CEA-9644-5588F99E5BEB}" type="datetimeFigureOut">
               <a:rPr lang="en-US" smtClean="0"/>
-              <a:t>11/18/2024</a:t>
+              <a:t>11/22/2024</a:t>
             </a:fld>
             <a:endParaRPr lang="en-US"/>
           </a:p>
@@ -4982,7 +4987,7 @@
           <p:nvPr>
             <p:extLst>
               <p:ext uri="{D42A27DB-BD31-4B8C-83A1-F6EECF244321}">
-                <p14:modId xmlns:p14="http://schemas.microsoft.com/office/powerpoint/2010/main" val="3564737727"/>
+                <p14:modId xmlns:p14="http://schemas.microsoft.com/office/powerpoint/2010/main" val="2079957593"/>
               </p:ext>
             </p:extLst>
           </p:nvPr>
@@ -5977,7 +5982,19 @@
                           <a:ea typeface="+mn-ea"/>
                           <a:cs typeface="+mn-cs"/>
                         </a:rPr>
-                        <a:t>Ultrasonic.Distance</a:t>
+                        <a:t>Ultrasonic.</a:t>
+                      </a:r>
+                      <a:r>
+                        <a:rPr lang="en-US" altLang="zh-CN" sz="1200" b="0" kern="1200" dirty="0" err="1">
+                          <a:solidFill>
+                            <a:schemeClr val="dk1"/>
+                          </a:solidFill>
+                          <a:effectLst/>
+                          <a:latin typeface="+mn-lt"/>
+                          <a:ea typeface="+mn-ea"/>
+                          <a:cs typeface="+mn-cs"/>
+                        </a:rPr>
+                        <a:t>Value</a:t>
                       </a:r>
                       <a:endParaRPr lang="en-US" sz="1200" b="0" kern="1200" dirty="0">
                         <a:solidFill>

--- a/SEP728 Project Frontend Prototype.pptx
+++ b/SEP728 Project Frontend Prototype.pptx
@@ -5,7 +5,7 @@
     <p:sldMasterId id="2147483648" r:id="rId1"/>
   </p:sldMasterIdLst>
   <p:notesMasterIdLst>
-    <p:notesMasterId r:id="rId12"/>
+    <p:notesMasterId r:id="rId13"/>
   </p:notesMasterIdLst>
   <p:sldIdLst>
     <p:sldId id="256" r:id="rId2"/>
@@ -13,11 +13,12 @@
     <p:sldId id="258" r:id="rId4"/>
     <p:sldId id="265" r:id="rId5"/>
     <p:sldId id="263" r:id="rId6"/>
-    <p:sldId id="259" r:id="rId7"/>
-    <p:sldId id="261" r:id="rId8"/>
-    <p:sldId id="260" r:id="rId9"/>
-    <p:sldId id="262" r:id="rId10"/>
-    <p:sldId id="264" r:id="rId11"/>
+    <p:sldId id="266" r:id="rId7"/>
+    <p:sldId id="259" r:id="rId8"/>
+    <p:sldId id="261" r:id="rId9"/>
+    <p:sldId id="260" r:id="rId10"/>
+    <p:sldId id="262" r:id="rId11"/>
+    <p:sldId id="264" r:id="rId12"/>
   </p:sldIdLst>
   <p:sldSz cx="12192000" cy="6858000"/>
   <p:notesSz cx="6858000" cy="9144000"/>
@@ -4960,6 +4961,2902 @@
   <p:cSld>
     <p:spTree>
       <p:nvGrpSpPr>
+        <p:cNvPr id="1" name="">
+          <a:extLst>
+            <a:ext uri="{FF2B5EF4-FFF2-40B4-BE49-F238E27FC236}">
+              <a16:creationId xmlns:a16="http://schemas.microsoft.com/office/drawing/2014/main" id="{BFDFEBF6-6123-F23D-E3BA-16294BE10BD2}"/>
+            </a:ext>
+          </a:extLst>
+        </p:cNvPr>
+        <p:cNvGrpSpPr/>
+        <p:nvPr/>
+      </p:nvGrpSpPr>
+      <p:grpSpPr>
+        <a:xfrm>
+          <a:off x="0" y="0"/>
+          <a:ext cx="0" cy="0"/>
+          <a:chOff x="0" y="0"/>
+          <a:chExt cx="0" cy="0"/>
+        </a:xfrm>
+      </p:grpSpPr>
+      <p:sp>
+        <p:nvSpPr>
+          <p:cNvPr id="2" name="Rectangle 1">
+            <a:extLst>
+              <a:ext uri="{FF2B5EF4-FFF2-40B4-BE49-F238E27FC236}">
+                <a16:creationId xmlns:a16="http://schemas.microsoft.com/office/drawing/2014/main" id="{FD129EE1-0034-D0B8-72AC-6281F6A5E473}"/>
+              </a:ext>
+            </a:extLst>
+          </p:cNvPr>
+          <p:cNvSpPr/>
+          <p:nvPr/>
+        </p:nvSpPr>
+        <p:spPr>
+          <a:xfrm>
+            <a:off x="-1" y="0"/>
+            <a:ext cx="846667" cy="6858000"/>
+          </a:xfrm>
+          <a:prstGeom prst="rect">
+            <a:avLst/>
+          </a:prstGeom>
+        </p:spPr>
+        <p:style>
+          <a:lnRef idx="2">
+            <a:schemeClr val="accent1">
+              <a:shade val="15000"/>
+            </a:schemeClr>
+          </a:lnRef>
+          <a:fillRef idx="1">
+            <a:schemeClr val="accent1"/>
+          </a:fillRef>
+          <a:effectRef idx="0">
+            <a:schemeClr val="accent1"/>
+          </a:effectRef>
+          <a:fontRef idx="minor">
+            <a:schemeClr val="lt1"/>
+          </a:fontRef>
+        </p:style>
+        <p:txBody>
+          <a:bodyPr rtlCol="0" anchor="ctr"/>
+          <a:lstStyle/>
+          <a:p>
+            <a:pPr algn="ctr"/>
+            <a:endParaRPr lang="en-US"/>
+          </a:p>
+        </p:txBody>
+      </p:sp>
+      <p:sp>
+        <p:nvSpPr>
+          <p:cNvPr id="3" name="Rectangle 2">
+            <a:extLst>
+              <a:ext uri="{FF2B5EF4-FFF2-40B4-BE49-F238E27FC236}">
+                <a16:creationId xmlns:a16="http://schemas.microsoft.com/office/drawing/2014/main" id="{9EF0A877-A610-CFE8-0FBB-F3465F129A0D}"/>
+              </a:ext>
+            </a:extLst>
+          </p:cNvPr>
+          <p:cNvSpPr/>
+          <p:nvPr/>
+        </p:nvSpPr>
+        <p:spPr>
+          <a:xfrm>
+            <a:off x="846666" y="0"/>
+            <a:ext cx="11345334" cy="566057"/>
+          </a:xfrm>
+          <a:prstGeom prst="rect">
+            <a:avLst/>
+          </a:prstGeom>
+        </p:spPr>
+        <p:style>
+          <a:lnRef idx="2">
+            <a:schemeClr val="accent1">
+              <a:shade val="15000"/>
+            </a:schemeClr>
+          </a:lnRef>
+          <a:fillRef idx="1">
+            <a:schemeClr val="accent1"/>
+          </a:fillRef>
+          <a:effectRef idx="0">
+            <a:schemeClr val="accent1"/>
+          </a:effectRef>
+          <a:fontRef idx="minor">
+            <a:schemeClr val="lt1"/>
+          </a:fontRef>
+        </p:style>
+        <p:txBody>
+          <a:bodyPr rtlCol="0" anchor="ctr"/>
+          <a:lstStyle/>
+          <a:p>
+            <a:pPr algn="ctr"/>
+            <a:endParaRPr lang="en-US"/>
+          </a:p>
+        </p:txBody>
+      </p:sp>
+      <p:sp>
+        <p:nvSpPr>
+          <p:cNvPr id="4" name="home-black-shape_37489">
+            <a:extLst>
+              <a:ext uri="{FF2B5EF4-FFF2-40B4-BE49-F238E27FC236}">
+                <a16:creationId xmlns:a16="http://schemas.microsoft.com/office/drawing/2014/main" id="{37A5937E-8617-3BFA-6C7B-B3D09BF9245E}"/>
+              </a:ext>
+            </a:extLst>
+          </p:cNvPr>
+          <p:cNvSpPr/>
+          <p:nvPr/>
+        </p:nvSpPr>
+        <p:spPr>
+          <a:xfrm>
+            <a:off x="193741" y="794660"/>
+            <a:ext cx="456199" cy="435472"/>
+          </a:xfrm>
+          <a:custGeom>
+            <a:avLst/>
+            <a:gdLst>
+              <a:gd name="T0" fmla="*/ 3512 w 6292"/>
+              <a:gd name="T1" fmla="*/ 203 h 6774"/>
+              <a:gd name="T2" fmla="*/ 2779 w 6292"/>
+              <a:gd name="T3" fmla="*/ 203 h 6774"/>
+              <a:gd name="T4" fmla="*/ 202 w 6292"/>
+              <a:gd name="T5" fmla="*/ 2780 h 6774"/>
+              <a:gd name="T6" fmla="*/ 354 w 6292"/>
+              <a:gd name="T7" fmla="*/ 3146 h 6774"/>
+              <a:gd name="T8" fmla="*/ 548 w 6292"/>
+              <a:gd name="T9" fmla="*/ 3146 h 6774"/>
+              <a:gd name="T10" fmla="*/ 548 w 6292"/>
+              <a:gd name="T11" fmla="*/ 6611 h 6774"/>
+              <a:gd name="T12" fmla="*/ 711 w 6292"/>
+              <a:gd name="T13" fmla="*/ 6774 h 6774"/>
+              <a:gd name="T14" fmla="*/ 2398 w 6292"/>
+              <a:gd name="T15" fmla="*/ 6774 h 6774"/>
+              <a:gd name="T16" fmla="*/ 2398 w 6292"/>
+              <a:gd name="T17" fmla="*/ 4979 h 6774"/>
+              <a:gd name="T18" fmla="*/ 2561 w 6292"/>
+              <a:gd name="T19" fmla="*/ 4816 h 6774"/>
+              <a:gd name="T20" fmla="*/ 3731 w 6292"/>
+              <a:gd name="T21" fmla="*/ 4816 h 6774"/>
+              <a:gd name="T22" fmla="*/ 3894 w 6292"/>
+              <a:gd name="T23" fmla="*/ 4979 h 6774"/>
+              <a:gd name="T24" fmla="*/ 3894 w 6292"/>
+              <a:gd name="T25" fmla="*/ 6774 h 6774"/>
+              <a:gd name="T26" fmla="*/ 5580 w 6292"/>
+              <a:gd name="T27" fmla="*/ 6774 h 6774"/>
+              <a:gd name="T28" fmla="*/ 5743 w 6292"/>
+              <a:gd name="T29" fmla="*/ 6611 h 6774"/>
+              <a:gd name="T30" fmla="*/ 5743 w 6292"/>
+              <a:gd name="T31" fmla="*/ 3146 h 6774"/>
+              <a:gd name="T32" fmla="*/ 5937 w 6292"/>
+              <a:gd name="T33" fmla="*/ 3146 h 6774"/>
+              <a:gd name="T34" fmla="*/ 6089 w 6292"/>
+              <a:gd name="T35" fmla="*/ 2780 h 6774"/>
+              <a:gd name="T36" fmla="*/ 3512 w 6292"/>
+              <a:gd name="T37" fmla="*/ 203 h 6774"/>
+            </a:gdLst>
+            <a:ahLst/>
+            <a:cxnLst>
+              <a:cxn ang="0">
+                <a:pos x="T0" y="T1"/>
+              </a:cxn>
+              <a:cxn ang="0">
+                <a:pos x="T2" y="T3"/>
+              </a:cxn>
+              <a:cxn ang="0">
+                <a:pos x="T4" y="T5"/>
+              </a:cxn>
+              <a:cxn ang="0">
+                <a:pos x="T6" y="T7"/>
+              </a:cxn>
+              <a:cxn ang="0">
+                <a:pos x="T8" y="T9"/>
+              </a:cxn>
+              <a:cxn ang="0">
+                <a:pos x="T10" y="T11"/>
+              </a:cxn>
+              <a:cxn ang="0">
+                <a:pos x="T12" y="T13"/>
+              </a:cxn>
+              <a:cxn ang="0">
+                <a:pos x="T14" y="T15"/>
+              </a:cxn>
+              <a:cxn ang="0">
+                <a:pos x="T16" y="T17"/>
+              </a:cxn>
+              <a:cxn ang="0">
+                <a:pos x="T18" y="T19"/>
+              </a:cxn>
+              <a:cxn ang="0">
+                <a:pos x="T20" y="T21"/>
+              </a:cxn>
+              <a:cxn ang="0">
+                <a:pos x="T22" y="T23"/>
+              </a:cxn>
+              <a:cxn ang="0">
+                <a:pos x="T24" y="T25"/>
+              </a:cxn>
+              <a:cxn ang="0">
+                <a:pos x="T26" y="T27"/>
+              </a:cxn>
+              <a:cxn ang="0">
+                <a:pos x="T28" y="T29"/>
+              </a:cxn>
+              <a:cxn ang="0">
+                <a:pos x="T30" y="T31"/>
+              </a:cxn>
+              <a:cxn ang="0">
+                <a:pos x="T32" y="T33"/>
+              </a:cxn>
+              <a:cxn ang="0">
+                <a:pos x="T34" y="T35"/>
+              </a:cxn>
+              <a:cxn ang="0">
+                <a:pos x="T36" y="T37"/>
+              </a:cxn>
+            </a:cxnLst>
+            <a:rect l="0" t="0" r="r" b="b"/>
+            <a:pathLst>
+              <a:path w="6292" h="6774">
+                <a:moveTo>
+                  <a:pt x="3512" y="203"/>
+                </a:moveTo>
+                <a:cubicBezTo>
+                  <a:pt x="3310" y="0"/>
+                  <a:pt x="2982" y="0"/>
+                  <a:pt x="2779" y="203"/>
+                </a:cubicBezTo>
+                <a:lnTo>
+                  <a:pt x="202" y="2780"/>
+                </a:lnTo>
+                <a:cubicBezTo>
+                  <a:pt x="0" y="2982"/>
+                  <a:pt x="68" y="3146"/>
+                  <a:pt x="354" y="3146"/>
+                </a:cubicBezTo>
+                <a:lnTo>
+                  <a:pt x="548" y="3146"/>
+                </a:lnTo>
+                <a:lnTo>
+                  <a:pt x="548" y="6611"/>
+                </a:lnTo>
+                <a:cubicBezTo>
+                  <a:pt x="548" y="6701"/>
+                  <a:pt x="621" y="6774"/>
+                  <a:pt x="711" y="6774"/>
+                </a:cubicBezTo>
+                <a:lnTo>
+                  <a:pt x="2398" y="6774"/>
+                </a:lnTo>
+                <a:lnTo>
+                  <a:pt x="2398" y="4979"/>
+                </a:lnTo>
+                <a:cubicBezTo>
+                  <a:pt x="2398" y="4889"/>
+                  <a:pt x="2471" y="4816"/>
+                  <a:pt x="2561" y="4816"/>
+                </a:cubicBezTo>
+                <a:lnTo>
+                  <a:pt x="3731" y="4816"/>
+                </a:lnTo>
+                <a:cubicBezTo>
+                  <a:pt x="3821" y="4816"/>
+                  <a:pt x="3894" y="4889"/>
+                  <a:pt x="3894" y="4979"/>
+                </a:cubicBezTo>
+                <a:lnTo>
+                  <a:pt x="3894" y="6774"/>
+                </a:lnTo>
+                <a:lnTo>
+                  <a:pt x="5580" y="6774"/>
+                </a:lnTo>
+                <a:cubicBezTo>
+                  <a:pt x="5670" y="6774"/>
+                  <a:pt x="5743" y="6701"/>
+                  <a:pt x="5743" y="6611"/>
+                </a:cubicBezTo>
+                <a:lnTo>
+                  <a:pt x="5743" y="3146"/>
+                </a:lnTo>
+                <a:lnTo>
+                  <a:pt x="5937" y="3146"/>
+                </a:lnTo>
+                <a:cubicBezTo>
+                  <a:pt x="6224" y="3146"/>
+                  <a:pt x="6292" y="2982"/>
+                  <a:pt x="6089" y="2780"/>
+                </a:cubicBezTo>
+                <a:lnTo>
+                  <a:pt x="3512" y="203"/>
+                </a:lnTo>
+                <a:close/>
+              </a:path>
+            </a:pathLst>
+          </a:custGeom>
+          <a:solidFill>
+            <a:schemeClr val="bg1"/>
+          </a:solidFill>
+          <a:ln>
+            <a:noFill/>
+          </a:ln>
+        </p:spPr>
+        <p:style>
+          <a:lnRef idx="2">
+            <a:schemeClr val="accent1">
+              <a:shade val="50000"/>
+            </a:schemeClr>
+          </a:lnRef>
+          <a:fillRef idx="1">
+            <a:schemeClr val="accent1"/>
+          </a:fillRef>
+          <a:effectRef idx="0">
+            <a:schemeClr val="accent1"/>
+          </a:effectRef>
+          <a:fontRef idx="minor">
+            <a:schemeClr val="lt1"/>
+          </a:fontRef>
+        </p:style>
+        <p:txBody>
+          <a:bodyPr rtlCol="0" anchor="ctr"/>
+          <a:lstStyle/>
+          <a:p>
+            <a:pPr algn="ctr"/>
+            <a:endParaRPr lang="en-US"/>
+          </a:p>
+        </p:txBody>
+      </p:sp>
+      <p:sp>
+        <p:nvSpPr>
+          <p:cNvPr id="5" name="settings_101770">
+            <a:extLst>
+              <a:ext uri="{FF2B5EF4-FFF2-40B4-BE49-F238E27FC236}">
+                <a16:creationId xmlns:a16="http://schemas.microsoft.com/office/drawing/2014/main" id="{A24ED78D-36B0-7BA5-C9A0-CEF2350011CD}"/>
+              </a:ext>
+            </a:extLst>
+          </p:cNvPr>
+          <p:cNvSpPr/>
+          <p:nvPr/>
+        </p:nvSpPr>
+        <p:spPr>
+          <a:xfrm>
+            <a:off x="193741" y="2253729"/>
+            <a:ext cx="456199" cy="435472"/>
+          </a:xfrm>
+          <a:custGeom>
+            <a:avLst/>
+            <a:gdLst>
+              <a:gd name="T0" fmla="*/ 447 w 3046"/>
+              <a:gd name="T1" fmla="*/ 2203 h 3046"/>
+              <a:gd name="T2" fmla="*/ 248 w 3046"/>
+              <a:gd name="T3" fmla="*/ 2402 h 3046"/>
+              <a:gd name="T4" fmla="*/ 644 w 3046"/>
+              <a:gd name="T5" fmla="*/ 2798 h 3046"/>
+              <a:gd name="T6" fmla="*/ 843 w 3046"/>
+              <a:gd name="T7" fmla="*/ 2599 h 3046"/>
+              <a:gd name="T8" fmla="*/ 1243 w 3046"/>
+              <a:gd name="T9" fmla="*/ 2765 h 3046"/>
+              <a:gd name="T10" fmla="*/ 1243 w 3046"/>
+              <a:gd name="T11" fmla="*/ 3046 h 3046"/>
+              <a:gd name="T12" fmla="*/ 1803 w 3046"/>
+              <a:gd name="T13" fmla="*/ 3046 h 3046"/>
+              <a:gd name="T14" fmla="*/ 1803 w 3046"/>
+              <a:gd name="T15" fmla="*/ 2765 h 3046"/>
+              <a:gd name="T16" fmla="*/ 2203 w 3046"/>
+              <a:gd name="T17" fmla="*/ 2599 h 3046"/>
+              <a:gd name="T18" fmla="*/ 2402 w 3046"/>
+              <a:gd name="T19" fmla="*/ 2798 h 3046"/>
+              <a:gd name="T20" fmla="*/ 2798 w 3046"/>
+              <a:gd name="T21" fmla="*/ 2402 h 3046"/>
+              <a:gd name="T22" fmla="*/ 2599 w 3046"/>
+              <a:gd name="T23" fmla="*/ 2203 h 3046"/>
+              <a:gd name="T24" fmla="*/ 2765 w 3046"/>
+              <a:gd name="T25" fmla="*/ 1803 h 3046"/>
+              <a:gd name="T26" fmla="*/ 3046 w 3046"/>
+              <a:gd name="T27" fmla="*/ 1803 h 3046"/>
+              <a:gd name="T28" fmla="*/ 3046 w 3046"/>
+              <a:gd name="T29" fmla="*/ 1243 h 3046"/>
+              <a:gd name="T30" fmla="*/ 2765 w 3046"/>
+              <a:gd name="T31" fmla="*/ 1243 h 3046"/>
+              <a:gd name="T32" fmla="*/ 2599 w 3046"/>
+              <a:gd name="T33" fmla="*/ 843 h 3046"/>
+              <a:gd name="T34" fmla="*/ 2798 w 3046"/>
+              <a:gd name="T35" fmla="*/ 644 h 3046"/>
+              <a:gd name="T36" fmla="*/ 2402 w 3046"/>
+              <a:gd name="T37" fmla="*/ 248 h 3046"/>
+              <a:gd name="T38" fmla="*/ 2203 w 3046"/>
+              <a:gd name="T39" fmla="*/ 447 h 3046"/>
+              <a:gd name="T40" fmla="*/ 1803 w 3046"/>
+              <a:gd name="T41" fmla="*/ 281 h 3046"/>
+              <a:gd name="T42" fmla="*/ 1803 w 3046"/>
+              <a:gd name="T43" fmla="*/ 0 h 3046"/>
+              <a:gd name="T44" fmla="*/ 1243 w 3046"/>
+              <a:gd name="T45" fmla="*/ 0 h 3046"/>
+              <a:gd name="T46" fmla="*/ 1243 w 3046"/>
+              <a:gd name="T47" fmla="*/ 281 h 3046"/>
+              <a:gd name="T48" fmla="*/ 843 w 3046"/>
+              <a:gd name="T49" fmla="*/ 447 h 3046"/>
+              <a:gd name="T50" fmla="*/ 644 w 3046"/>
+              <a:gd name="T51" fmla="*/ 248 h 3046"/>
+              <a:gd name="T52" fmla="*/ 248 w 3046"/>
+              <a:gd name="T53" fmla="*/ 644 h 3046"/>
+              <a:gd name="T54" fmla="*/ 447 w 3046"/>
+              <a:gd name="T55" fmla="*/ 843 h 3046"/>
+              <a:gd name="T56" fmla="*/ 281 w 3046"/>
+              <a:gd name="T57" fmla="*/ 1243 h 3046"/>
+              <a:gd name="T58" fmla="*/ 0 w 3046"/>
+              <a:gd name="T59" fmla="*/ 1243 h 3046"/>
+              <a:gd name="T60" fmla="*/ 0 w 3046"/>
+              <a:gd name="T61" fmla="*/ 1803 h 3046"/>
+              <a:gd name="T62" fmla="*/ 281 w 3046"/>
+              <a:gd name="T63" fmla="*/ 1803 h 3046"/>
+              <a:gd name="T64" fmla="*/ 447 w 3046"/>
+              <a:gd name="T65" fmla="*/ 2203 h 3046"/>
+              <a:gd name="T66" fmla="*/ 1523 w 3046"/>
+              <a:gd name="T67" fmla="*/ 782 h 3046"/>
+              <a:gd name="T68" fmla="*/ 2264 w 3046"/>
+              <a:gd name="T69" fmla="*/ 1523 h 3046"/>
+              <a:gd name="T70" fmla="*/ 1523 w 3046"/>
+              <a:gd name="T71" fmla="*/ 2264 h 3046"/>
+              <a:gd name="T72" fmla="*/ 782 w 3046"/>
+              <a:gd name="T73" fmla="*/ 1523 h 3046"/>
+              <a:gd name="T74" fmla="*/ 1523 w 3046"/>
+              <a:gd name="T75" fmla="*/ 782 h 3046"/>
+            </a:gdLst>
+            <a:ahLst/>
+            <a:cxnLst>
+              <a:cxn ang="0">
+                <a:pos x="T0" y="T1"/>
+              </a:cxn>
+              <a:cxn ang="0">
+                <a:pos x="T2" y="T3"/>
+              </a:cxn>
+              <a:cxn ang="0">
+                <a:pos x="T4" y="T5"/>
+              </a:cxn>
+              <a:cxn ang="0">
+                <a:pos x="T6" y="T7"/>
+              </a:cxn>
+              <a:cxn ang="0">
+                <a:pos x="T8" y="T9"/>
+              </a:cxn>
+              <a:cxn ang="0">
+                <a:pos x="T10" y="T11"/>
+              </a:cxn>
+              <a:cxn ang="0">
+                <a:pos x="T12" y="T13"/>
+              </a:cxn>
+              <a:cxn ang="0">
+                <a:pos x="T14" y="T15"/>
+              </a:cxn>
+              <a:cxn ang="0">
+                <a:pos x="T16" y="T17"/>
+              </a:cxn>
+              <a:cxn ang="0">
+                <a:pos x="T18" y="T19"/>
+              </a:cxn>
+              <a:cxn ang="0">
+                <a:pos x="T20" y="T21"/>
+              </a:cxn>
+              <a:cxn ang="0">
+                <a:pos x="T22" y="T23"/>
+              </a:cxn>
+              <a:cxn ang="0">
+                <a:pos x="T24" y="T25"/>
+              </a:cxn>
+              <a:cxn ang="0">
+                <a:pos x="T26" y="T27"/>
+              </a:cxn>
+              <a:cxn ang="0">
+                <a:pos x="T28" y="T29"/>
+              </a:cxn>
+              <a:cxn ang="0">
+                <a:pos x="T30" y="T31"/>
+              </a:cxn>
+              <a:cxn ang="0">
+                <a:pos x="T32" y="T33"/>
+              </a:cxn>
+              <a:cxn ang="0">
+                <a:pos x="T34" y="T35"/>
+              </a:cxn>
+              <a:cxn ang="0">
+                <a:pos x="T36" y="T37"/>
+              </a:cxn>
+              <a:cxn ang="0">
+                <a:pos x="T38" y="T39"/>
+              </a:cxn>
+              <a:cxn ang="0">
+                <a:pos x="T40" y="T41"/>
+              </a:cxn>
+              <a:cxn ang="0">
+                <a:pos x="T42" y="T43"/>
+              </a:cxn>
+              <a:cxn ang="0">
+                <a:pos x="T44" y="T45"/>
+              </a:cxn>
+              <a:cxn ang="0">
+                <a:pos x="T46" y="T47"/>
+              </a:cxn>
+              <a:cxn ang="0">
+                <a:pos x="T48" y="T49"/>
+              </a:cxn>
+              <a:cxn ang="0">
+                <a:pos x="T50" y="T51"/>
+              </a:cxn>
+              <a:cxn ang="0">
+                <a:pos x="T52" y="T53"/>
+              </a:cxn>
+              <a:cxn ang="0">
+                <a:pos x="T54" y="T55"/>
+              </a:cxn>
+              <a:cxn ang="0">
+                <a:pos x="T56" y="T57"/>
+              </a:cxn>
+              <a:cxn ang="0">
+                <a:pos x="T58" y="T59"/>
+              </a:cxn>
+              <a:cxn ang="0">
+                <a:pos x="T60" y="T61"/>
+              </a:cxn>
+              <a:cxn ang="0">
+                <a:pos x="T62" y="T63"/>
+              </a:cxn>
+              <a:cxn ang="0">
+                <a:pos x="T64" y="T65"/>
+              </a:cxn>
+              <a:cxn ang="0">
+                <a:pos x="T66" y="T67"/>
+              </a:cxn>
+              <a:cxn ang="0">
+                <a:pos x="T68" y="T69"/>
+              </a:cxn>
+              <a:cxn ang="0">
+                <a:pos x="T70" y="T71"/>
+              </a:cxn>
+              <a:cxn ang="0">
+                <a:pos x="T72" y="T73"/>
+              </a:cxn>
+              <a:cxn ang="0">
+                <a:pos x="T74" y="T75"/>
+              </a:cxn>
+            </a:cxnLst>
+            <a:rect l="0" t="0" r="r" b="b"/>
+            <a:pathLst>
+              <a:path w="3046" h="3046">
+                <a:moveTo>
+                  <a:pt x="447" y="2203"/>
+                </a:moveTo>
+                <a:lnTo>
+                  <a:pt x="248" y="2402"/>
+                </a:lnTo>
+                <a:lnTo>
+                  <a:pt x="644" y="2798"/>
+                </a:lnTo>
+                <a:lnTo>
+                  <a:pt x="843" y="2599"/>
+                </a:lnTo>
+                <a:cubicBezTo>
+                  <a:pt x="964" y="2676"/>
+                  <a:pt x="1099" y="2733"/>
+                  <a:pt x="1243" y="2765"/>
+                </a:cubicBezTo>
+                <a:lnTo>
+                  <a:pt x="1243" y="3046"/>
+                </a:lnTo>
+                <a:lnTo>
+                  <a:pt x="1803" y="3046"/>
+                </a:lnTo>
+                <a:lnTo>
+                  <a:pt x="1803" y="2765"/>
+                </a:lnTo>
+                <a:cubicBezTo>
+                  <a:pt x="1947" y="2733"/>
+                  <a:pt x="2082" y="2676"/>
+                  <a:pt x="2203" y="2599"/>
+                </a:cubicBezTo>
+                <a:lnTo>
+                  <a:pt x="2402" y="2798"/>
+                </a:lnTo>
+                <a:lnTo>
+                  <a:pt x="2798" y="2402"/>
+                </a:lnTo>
+                <a:lnTo>
+                  <a:pt x="2599" y="2203"/>
+                </a:lnTo>
+                <a:cubicBezTo>
+                  <a:pt x="2676" y="2082"/>
+                  <a:pt x="2733" y="1947"/>
+                  <a:pt x="2765" y="1803"/>
+                </a:cubicBezTo>
+                <a:lnTo>
+                  <a:pt x="3046" y="1803"/>
+                </a:lnTo>
+                <a:lnTo>
+                  <a:pt x="3046" y="1243"/>
+                </a:lnTo>
+                <a:lnTo>
+                  <a:pt x="2765" y="1243"/>
+                </a:lnTo>
+                <a:cubicBezTo>
+                  <a:pt x="2733" y="1099"/>
+                  <a:pt x="2676" y="964"/>
+                  <a:pt x="2599" y="843"/>
+                </a:cubicBezTo>
+                <a:lnTo>
+                  <a:pt x="2798" y="644"/>
+                </a:lnTo>
+                <a:lnTo>
+                  <a:pt x="2402" y="248"/>
+                </a:lnTo>
+                <a:lnTo>
+                  <a:pt x="2203" y="447"/>
+                </a:lnTo>
+                <a:cubicBezTo>
+                  <a:pt x="2082" y="370"/>
+                  <a:pt x="1947" y="313"/>
+                  <a:pt x="1803" y="281"/>
+                </a:cubicBezTo>
+                <a:lnTo>
+                  <a:pt x="1803" y="0"/>
+                </a:lnTo>
+                <a:lnTo>
+                  <a:pt x="1243" y="0"/>
+                </a:lnTo>
+                <a:lnTo>
+                  <a:pt x="1243" y="281"/>
+                </a:lnTo>
+                <a:cubicBezTo>
+                  <a:pt x="1099" y="313"/>
+                  <a:pt x="964" y="370"/>
+                  <a:pt x="843" y="447"/>
+                </a:cubicBezTo>
+                <a:lnTo>
+                  <a:pt x="644" y="248"/>
+                </a:lnTo>
+                <a:lnTo>
+                  <a:pt x="248" y="644"/>
+                </a:lnTo>
+                <a:lnTo>
+                  <a:pt x="447" y="843"/>
+                </a:lnTo>
+                <a:cubicBezTo>
+                  <a:pt x="370" y="964"/>
+                  <a:pt x="313" y="1099"/>
+                  <a:pt x="281" y="1243"/>
+                </a:cubicBezTo>
+                <a:lnTo>
+                  <a:pt x="0" y="1243"/>
+                </a:lnTo>
+                <a:lnTo>
+                  <a:pt x="0" y="1803"/>
+                </a:lnTo>
+                <a:lnTo>
+                  <a:pt x="281" y="1803"/>
+                </a:lnTo>
+                <a:cubicBezTo>
+                  <a:pt x="313" y="1947"/>
+                  <a:pt x="370" y="2082"/>
+                  <a:pt x="447" y="2203"/>
+                </a:cubicBezTo>
+                <a:close/>
+                <a:moveTo>
+                  <a:pt x="1523" y="782"/>
+                </a:moveTo>
+                <a:cubicBezTo>
+                  <a:pt x="1932" y="782"/>
+                  <a:pt x="2264" y="1114"/>
+                  <a:pt x="2264" y="1523"/>
+                </a:cubicBezTo>
+                <a:cubicBezTo>
+                  <a:pt x="2264" y="1932"/>
+                  <a:pt x="1932" y="2264"/>
+                  <a:pt x="1523" y="2264"/>
+                </a:cubicBezTo>
+                <a:cubicBezTo>
+                  <a:pt x="1114" y="2264"/>
+                  <a:pt x="782" y="1932"/>
+                  <a:pt x="782" y="1523"/>
+                </a:cubicBezTo>
+                <a:cubicBezTo>
+                  <a:pt x="782" y="1114"/>
+                  <a:pt x="1114" y="782"/>
+                  <a:pt x="1523" y="782"/>
+                </a:cubicBezTo>
+                <a:close/>
+              </a:path>
+            </a:pathLst>
+          </a:custGeom>
+          <a:solidFill>
+            <a:schemeClr val="bg1"/>
+          </a:solidFill>
+          <a:ln>
+            <a:noFill/>
+          </a:ln>
+        </p:spPr>
+        <p:style>
+          <a:lnRef idx="2">
+            <a:schemeClr val="accent1">
+              <a:shade val="50000"/>
+            </a:schemeClr>
+          </a:lnRef>
+          <a:fillRef idx="1">
+            <a:schemeClr val="accent1"/>
+          </a:fillRef>
+          <a:effectRef idx="0">
+            <a:schemeClr val="accent1"/>
+          </a:effectRef>
+          <a:fontRef idx="minor">
+            <a:schemeClr val="lt1"/>
+          </a:fontRef>
+        </p:style>
+        <p:txBody>
+          <a:bodyPr rtlCol="0" anchor="ctr"/>
+          <a:lstStyle/>
+          <a:p>
+            <a:pPr algn="ctr"/>
+            <a:endParaRPr lang="en-US"/>
+          </a:p>
+        </p:txBody>
+      </p:sp>
+      <p:sp>
+        <p:nvSpPr>
+          <p:cNvPr id="6" name="iconfont-1091-826620">
+            <a:extLst>
+              <a:ext uri="{FF2B5EF4-FFF2-40B4-BE49-F238E27FC236}">
+                <a16:creationId xmlns:a16="http://schemas.microsoft.com/office/drawing/2014/main" id="{88FA44BB-6A2C-352A-1B8B-EA04CFDE644A}"/>
+              </a:ext>
+            </a:extLst>
+          </p:cNvPr>
+          <p:cNvSpPr/>
+          <p:nvPr/>
+        </p:nvSpPr>
+        <p:spPr>
+          <a:xfrm>
+            <a:off x="193741" y="1524194"/>
+            <a:ext cx="456199" cy="435472"/>
+          </a:xfrm>
+          <a:custGeom>
+            <a:avLst/>
+            <a:gdLst>
+              <a:gd name="T0" fmla="*/ 2800 w 11200"/>
+              <a:gd name="T1" fmla="*/ 3603 h 11200"/>
+              <a:gd name="T2" fmla="*/ 8400 w 11200"/>
+              <a:gd name="T3" fmla="*/ 3603 h 11200"/>
+              <a:gd name="T4" fmla="*/ 8800 w 11200"/>
+              <a:gd name="T5" fmla="*/ 3203 h 11200"/>
+              <a:gd name="T6" fmla="*/ 8400 w 11200"/>
+              <a:gd name="T7" fmla="*/ 2803 h 11200"/>
+              <a:gd name="T8" fmla="*/ 2800 w 11200"/>
+              <a:gd name="T9" fmla="*/ 2803 h 11200"/>
+              <a:gd name="T10" fmla="*/ 2400 w 11200"/>
+              <a:gd name="T11" fmla="*/ 3203 h 11200"/>
+              <a:gd name="T12" fmla="*/ 2800 w 11200"/>
+              <a:gd name="T13" fmla="*/ 3603 h 11200"/>
+              <a:gd name="T14" fmla="*/ 8400 w 11200"/>
+              <a:gd name="T15" fmla="*/ 5197 h 11200"/>
+              <a:gd name="T16" fmla="*/ 2800 w 11200"/>
+              <a:gd name="T17" fmla="*/ 5197 h 11200"/>
+              <a:gd name="T18" fmla="*/ 2400 w 11200"/>
+              <a:gd name="T19" fmla="*/ 5597 h 11200"/>
+              <a:gd name="T20" fmla="*/ 2800 w 11200"/>
+              <a:gd name="T21" fmla="*/ 5997 h 11200"/>
+              <a:gd name="T22" fmla="*/ 8400 w 11200"/>
+              <a:gd name="T23" fmla="*/ 5997 h 11200"/>
+              <a:gd name="T24" fmla="*/ 8800 w 11200"/>
+              <a:gd name="T25" fmla="*/ 5597 h 11200"/>
+              <a:gd name="T26" fmla="*/ 8400 w 11200"/>
+              <a:gd name="T27" fmla="*/ 5197 h 11200"/>
+              <a:gd name="T28" fmla="*/ 8400 w 11200"/>
+              <a:gd name="T29" fmla="*/ 7597 h 11200"/>
+              <a:gd name="T30" fmla="*/ 2800 w 11200"/>
+              <a:gd name="T31" fmla="*/ 7597 h 11200"/>
+              <a:gd name="T32" fmla="*/ 2400 w 11200"/>
+              <a:gd name="T33" fmla="*/ 7997 h 11200"/>
+              <a:gd name="T34" fmla="*/ 2800 w 11200"/>
+              <a:gd name="T35" fmla="*/ 8397 h 11200"/>
+              <a:gd name="T36" fmla="*/ 8400 w 11200"/>
+              <a:gd name="T37" fmla="*/ 8397 h 11200"/>
+              <a:gd name="T38" fmla="*/ 8800 w 11200"/>
+              <a:gd name="T39" fmla="*/ 7997 h 11200"/>
+              <a:gd name="T40" fmla="*/ 8400 w 11200"/>
+              <a:gd name="T41" fmla="*/ 7597 h 11200"/>
+              <a:gd name="T42" fmla="*/ 4434 w 11200"/>
+              <a:gd name="T43" fmla="*/ 1200 h 11200"/>
+              <a:gd name="T44" fmla="*/ 6434 w 11200"/>
+              <a:gd name="T45" fmla="*/ 1200 h 11200"/>
+              <a:gd name="T46" fmla="*/ 7034 w 11200"/>
+              <a:gd name="T47" fmla="*/ 600 h 11200"/>
+              <a:gd name="T48" fmla="*/ 6434 w 11200"/>
+              <a:gd name="T49" fmla="*/ 0 h 11200"/>
+              <a:gd name="T50" fmla="*/ 4434 w 11200"/>
+              <a:gd name="T51" fmla="*/ 0 h 11200"/>
+              <a:gd name="T52" fmla="*/ 3834 w 11200"/>
+              <a:gd name="T53" fmla="*/ 600 h 11200"/>
+              <a:gd name="T54" fmla="*/ 4434 w 11200"/>
+              <a:gd name="T55" fmla="*/ 1200 h 11200"/>
+              <a:gd name="T56" fmla="*/ 9600 w 11200"/>
+              <a:gd name="T57" fmla="*/ 400 h 11200"/>
+              <a:gd name="T58" fmla="*/ 9200 w 11200"/>
+              <a:gd name="T59" fmla="*/ 400 h 11200"/>
+              <a:gd name="T60" fmla="*/ 8800 w 11200"/>
+              <a:gd name="T61" fmla="*/ 800 h 11200"/>
+              <a:gd name="T62" fmla="*/ 9200 w 11200"/>
+              <a:gd name="T63" fmla="*/ 1200 h 11200"/>
+              <a:gd name="T64" fmla="*/ 9600 w 11200"/>
+              <a:gd name="T65" fmla="*/ 1200 h 11200"/>
+              <a:gd name="T66" fmla="*/ 10400 w 11200"/>
+              <a:gd name="T67" fmla="*/ 2000 h 11200"/>
+              <a:gd name="T68" fmla="*/ 10400 w 11200"/>
+              <a:gd name="T69" fmla="*/ 9600 h 11200"/>
+              <a:gd name="T70" fmla="*/ 9600 w 11200"/>
+              <a:gd name="T71" fmla="*/ 10400 h 11200"/>
+              <a:gd name="T72" fmla="*/ 1600 w 11200"/>
+              <a:gd name="T73" fmla="*/ 10400 h 11200"/>
+              <a:gd name="T74" fmla="*/ 800 w 11200"/>
+              <a:gd name="T75" fmla="*/ 9600 h 11200"/>
+              <a:gd name="T76" fmla="*/ 800 w 11200"/>
+              <a:gd name="T77" fmla="*/ 2000 h 11200"/>
+              <a:gd name="T78" fmla="*/ 1600 w 11200"/>
+              <a:gd name="T79" fmla="*/ 1200 h 11200"/>
+              <a:gd name="T80" fmla="*/ 2000 w 11200"/>
+              <a:gd name="T81" fmla="*/ 1200 h 11200"/>
+              <a:gd name="T82" fmla="*/ 2400 w 11200"/>
+              <a:gd name="T83" fmla="*/ 800 h 11200"/>
+              <a:gd name="T84" fmla="*/ 2000 w 11200"/>
+              <a:gd name="T85" fmla="*/ 400 h 11200"/>
+              <a:gd name="T86" fmla="*/ 1600 w 11200"/>
+              <a:gd name="T87" fmla="*/ 400 h 11200"/>
+              <a:gd name="T88" fmla="*/ 0 w 11200"/>
+              <a:gd name="T89" fmla="*/ 2000 h 11200"/>
+              <a:gd name="T90" fmla="*/ 0 w 11200"/>
+              <a:gd name="T91" fmla="*/ 9600 h 11200"/>
+              <a:gd name="T92" fmla="*/ 1600 w 11200"/>
+              <a:gd name="T93" fmla="*/ 11200 h 11200"/>
+              <a:gd name="T94" fmla="*/ 9600 w 11200"/>
+              <a:gd name="T95" fmla="*/ 11200 h 11200"/>
+              <a:gd name="T96" fmla="*/ 11200 w 11200"/>
+              <a:gd name="T97" fmla="*/ 9600 h 11200"/>
+              <a:gd name="T98" fmla="*/ 11200 w 11200"/>
+              <a:gd name="T99" fmla="*/ 2000 h 11200"/>
+              <a:gd name="T100" fmla="*/ 9600 w 11200"/>
+              <a:gd name="T101" fmla="*/ 400 h 11200"/>
+              <a:gd name="T102" fmla="*/ 9600 w 11200"/>
+              <a:gd name="T103" fmla="*/ 400 h 11200"/>
+            </a:gdLst>
+            <a:ahLst/>
+            <a:cxnLst>
+              <a:cxn ang="0">
+                <a:pos x="T0" y="T1"/>
+              </a:cxn>
+              <a:cxn ang="0">
+                <a:pos x="T2" y="T3"/>
+              </a:cxn>
+              <a:cxn ang="0">
+                <a:pos x="T4" y="T5"/>
+              </a:cxn>
+              <a:cxn ang="0">
+                <a:pos x="T6" y="T7"/>
+              </a:cxn>
+              <a:cxn ang="0">
+                <a:pos x="T8" y="T9"/>
+              </a:cxn>
+              <a:cxn ang="0">
+                <a:pos x="T10" y="T11"/>
+              </a:cxn>
+              <a:cxn ang="0">
+                <a:pos x="T12" y="T13"/>
+              </a:cxn>
+              <a:cxn ang="0">
+                <a:pos x="T14" y="T15"/>
+              </a:cxn>
+              <a:cxn ang="0">
+                <a:pos x="T16" y="T17"/>
+              </a:cxn>
+              <a:cxn ang="0">
+                <a:pos x="T18" y="T19"/>
+              </a:cxn>
+              <a:cxn ang="0">
+                <a:pos x="T20" y="T21"/>
+              </a:cxn>
+              <a:cxn ang="0">
+                <a:pos x="T22" y="T23"/>
+              </a:cxn>
+              <a:cxn ang="0">
+                <a:pos x="T24" y="T25"/>
+              </a:cxn>
+              <a:cxn ang="0">
+                <a:pos x="T26" y="T27"/>
+              </a:cxn>
+              <a:cxn ang="0">
+                <a:pos x="T28" y="T29"/>
+              </a:cxn>
+              <a:cxn ang="0">
+                <a:pos x="T30" y="T31"/>
+              </a:cxn>
+              <a:cxn ang="0">
+                <a:pos x="T32" y="T33"/>
+              </a:cxn>
+              <a:cxn ang="0">
+                <a:pos x="T34" y="T35"/>
+              </a:cxn>
+              <a:cxn ang="0">
+                <a:pos x="T36" y="T37"/>
+              </a:cxn>
+              <a:cxn ang="0">
+                <a:pos x="T38" y="T39"/>
+              </a:cxn>
+              <a:cxn ang="0">
+                <a:pos x="T40" y="T41"/>
+              </a:cxn>
+              <a:cxn ang="0">
+                <a:pos x="T42" y="T43"/>
+              </a:cxn>
+              <a:cxn ang="0">
+                <a:pos x="T44" y="T45"/>
+              </a:cxn>
+              <a:cxn ang="0">
+                <a:pos x="T46" y="T47"/>
+              </a:cxn>
+              <a:cxn ang="0">
+                <a:pos x="T48" y="T49"/>
+              </a:cxn>
+              <a:cxn ang="0">
+                <a:pos x="T50" y="T51"/>
+              </a:cxn>
+              <a:cxn ang="0">
+                <a:pos x="T52" y="T53"/>
+              </a:cxn>
+              <a:cxn ang="0">
+                <a:pos x="T54" y="T55"/>
+              </a:cxn>
+              <a:cxn ang="0">
+                <a:pos x="T56" y="T57"/>
+              </a:cxn>
+              <a:cxn ang="0">
+                <a:pos x="T58" y="T59"/>
+              </a:cxn>
+              <a:cxn ang="0">
+                <a:pos x="T60" y="T61"/>
+              </a:cxn>
+              <a:cxn ang="0">
+                <a:pos x="T62" y="T63"/>
+              </a:cxn>
+              <a:cxn ang="0">
+                <a:pos x="T64" y="T65"/>
+              </a:cxn>
+              <a:cxn ang="0">
+                <a:pos x="T66" y="T67"/>
+              </a:cxn>
+              <a:cxn ang="0">
+                <a:pos x="T68" y="T69"/>
+              </a:cxn>
+              <a:cxn ang="0">
+                <a:pos x="T70" y="T71"/>
+              </a:cxn>
+              <a:cxn ang="0">
+                <a:pos x="T72" y="T73"/>
+              </a:cxn>
+              <a:cxn ang="0">
+                <a:pos x="T74" y="T75"/>
+              </a:cxn>
+              <a:cxn ang="0">
+                <a:pos x="T76" y="T77"/>
+              </a:cxn>
+              <a:cxn ang="0">
+                <a:pos x="T78" y="T79"/>
+              </a:cxn>
+              <a:cxn ang="0">
+                <a:pos x="T80" y="T81"/>
+              </a:cxn>
+              <a:cxn ang="0">
+                <a:pos x="T82" y="T83"/>
+              </a:cxn>
+              <a:cxn ang="0">
+                <a:pos x="T84" y="T85"/>
+              </a:cxn>
+              <a:cxn ang="0">
+                <a:pos x="T86" y="T87"/>
+              </a:cxn>
+              <a:cxn ang="0">
+                <a:pos x="T88" y="T89"/>
+              </a:cxn>
+              <a:cxn ang="0">
+                <a:pos x="T90" y="T91"/>
+              </a:cxn>
+              <a:cxn ang="0">
+                <a:pos x="T92" y="T93"/>
+              </a:cxn>
+              <a:cxn ang="0">
+                <a:pos x="T94" y="T95"/>
+              </a:cxn>
+              <a:cxn ang="0">
+                <a:pos x="T96" y="T97"/>
+              </a:cxn>
+              <a:cxn ang="0">
+                <a:pos x="T98" y="T99"/>
+              </a:cxn>
+              <a:cxn ang="0">
+                <a:pos x="T100" y="T101"/>
+              </a:cxn>
+              <a:cxn ang="0">
+                <a:pos x="T102" y="T103"/>
+              </a:cxn>
+            </a:cxnLst>
+            <a:rect l="0" t="0" r="r" b="b"/>
+            <a:pathLst>
+              <a:path w="11200" h="11200">
+                <a:moveTo>
+                  <a:pt x="2800" y="3603"/>
+                </a:moveTo>
+                <a:lnTo>
+                  <a:pt x="8400" y="3603"/>
+                </a:lnTo>
+                <a:cubicBezTo>
+                  <a:pt x="8621" y="3603"/>
+                  <a:pt x="8800" y="3424"/>
+                  <a:pt x="8800" y="3203"/>
+                </a:cubicBezTo>
+                <a:cubicBezTo>
+                  <a:pt x="8800" y="2982"/>
+                  <a:pt x="8621" y="2803"/>
+                  <a:pt x="8400" y="2803"/>
+                </a:cubicBezTo>
+                <a:lnTo>
+                  <a:pt x="2800" y="2803"/>
+                </a:lnTo>
+                <a:cubicBezTo>
+                  <a:pt x="2579" y="2803"/>
+                  <a:pt x="2400" y="2982"/>
+                  <a:pt x="2400" y="3203"/>
+                </a:cubicBezTo>
+                <a:cubicBezTo>
+                  <a:pt x="2400" y="3424"/>
+                  <a:pt x="2579" y="3603"/>
+                  <a:pt x="2800" y="3603"/>
+                </a:cubicBezTo>
+                <a:close/>
+                <a:moveTo>
+                  <a:pt x="8400" y="5197"/>
+                </a:moveTo>
+                <a:lnTo>
+                  <a:pt x="2800" y="5197"/>
+                </a:lnTo>
+                <a:cubicBezTo>
+                  <a:pt x="2579" y="5197"/>
+                  <a:pt x="2400" y="5376"/>
+                  <a:pt x="2400" y="5597"/>
+                </a:cubicBezTo>
+                <a:cubicBezTo>
+                  <a:pt x="2400" y="5818"/>
+                  <a:pt x="2579" y="5997"/>
+                  <a:pt x="2800" y="5997"/>
+                </a:cubicBezTo>
+                <a:lnTo>
+                  <a:pt x="8400" y="5997"/>
+                </a:lnTo>
+                <a:cubicBezTo>
+                  <a:pt x="8621" y="5997"/>
+                  <a:pt x="8800" y="5818"/>
+                  <a:pt x="8800" y="5597"/>
+                </a:cubicBezTo>
+                <a:cubicBezTo>
+                  <a:pt x="8800" y="5376"/>
+                  <a:pt x="8621" y="5197"/>
+                  <a:pt x="8400" y="5197"/>
+                </a:cubicBezTo>
+                <a:close/>
+                <a:moveTo>
+                  <a:pt x="8400" y="7597"/>
+                </a:moveTo>
+                <a:lnTo>
+                  <a:pt x="2800" y="7597"/>
+                </a:lnTo>
+                <a:cubicBezTo>
+                  <a:pt x="2579" y="7597"/>
+                  <a:pt x="2400" y="7776"/>
+                  <a:pt x="2400" y="7997"/>
+                </a:cubicBezTo>
+                <a:cubicBezTo>
+                  <a:pt x="2400" y="8218"/>
+                  <a:pt x="2579" y="8397"/>
+                  <a:pt x="2800" y="8397"/>
+                </a:cubicBezTo>
+                <a:lnTo>
+                  <a:pt x="8400" y="8397"/>
+                </a:lnTo>
+                <a:cubicBezTo>
+                  <a:pt x="8621" y="8397"/>
+                  <a:pt x="8800" y="8218"/>
+                  <a:pt x="8800" y="7997"/>
+                </a:cubicBezTo>
+                <a:cubicBezTo>
+                  <a:pt x="8800" y="7776"/>
+                  <a:pt x="8621" y="7597"/>
+                  <a:pt x="8400" y="7597"/>
+                </a:cubicBezTo>
+                <a:close/>
+                <a:moveTo>
+                  <a:pt x="4434" y="1200"/>
+                </a:moveTo>
+                <a:lnTo>
+                  <a:pt x="6434" y="1200"/>
+                </a:lnTo>
+                <a:cubicBezTo>
+                  <a:pt x="6765" y="1200"/>
+                  <a:pt x="7034" y="931"/>
+                  <a:pt x="7034" y="600"/>
+                </a:cubicBezTo>
+                <a:cubicBezTo>
+                  <a:pt x="7034" y="269"/>
+                  <a:pt x="6765" y="0"/>
+                  <a:pt x="6434" y="0"/>
+                </a:cubicBezTo>
+                <a:lnTo>
+                  <a:pt x="4434" y="0"/>
+                </a:lnTo>
+                <a:cubicBezTo>
+                  <a:pt x="4102" y="0"/>
+                  <a:pt x="3834" y="269"/>
+                  <a:pt x="3834" y="600"/>
+                </a:cubicBezTo>
+                <a:cubicBezTo>
+                  <a:pt x="3834" y="931"/>
+                  <a:pt x="4102" y="1200"/>
+                  <a:pt x="4434" y="1200"/>
+                </a:cubicBezTo>
+                <a:close/>
+                <a:moveTo>
+                  <a:pt x="9600" y="400"/>
+                </a:moveTo>
+                <a:lnTo>
+                  <a:pt x="9200" y="400"/>
+                </a:lnTo>
+                <a:cubicBezTo>
+                  <a:pt x="8979" y="400"/>
+                  <a:pt x="8800" y="579"/>
+                  <a:pt x="8800" y="800"/>
+                </a:cubicBezTo>
+                <a:cubicBezTo>
+                  <a:pt x="8800" y="1021"/>
+                  <a:pt x="8979" y="1200"/>
+                  <a:pt x="9200" y="1200"/>
+                </a:cubicBezTo>
+                <a:lnTo>
+                  <a:pt x="9600" y="1200"/>
+                </a:lnTo>
+                <a:cubicBezTo>
+                  <a:pt x="10041" y="1200"/>
+                  <a:pt x="10400" y="1559"/>
+                  <a:pt x="10400" y="2000"/>
+                </a:cubicBezTo>
+                <a:lnTo>
+                  <a:pt x="10400" y="9600"/>
+                </a:lnTo>
+                <a:cubicBezTo>
+                  <a:pt x="10400" y="10041"/>
+                  <a:pt x="10041" y="10400"/>
+                  <a:pt x="9600" y="10400"/>
+                </a:cubicBezTo>
+                <a:lnTo>
+                  <a:pt x="1600" y="10400"/>
+                </a:lnTo>
+                <a:cubicBezTo>
+                  <a:pt x="1159" y="10400"/>
+                  <a:pt x="800" y="10041"/>
+                  <a:pt x="800" y="9600"/>
+                </a:cubicBezTo>
+                <a:lnTo>
+                  <a:pt x="800" y="2000"/>
+                </a:lnTo>
+                <a:cubicBezTo>
+                  <a:pt x="800" y="1559"/>
+                  <a:pt x="1159" y="1200"/>
+                  <a:pt x="1600" y="1200"/>
+                </a:cubicBezTo>
+                <a:lnTo>
+                  <a:pt x="2000" y="1200"/>
+                </a:lnTo>
+                <a:cubicBezTo>
+                  <a:pt x="2221" y="1200"/>
+                  <a:pt x="2400" y="1021"/>
+                  <a:pt x="2400" y="800"/>
+                </a:cubicBezTo>
+                <a:cubicBezTo>
+                  <a:pt x="2400" y="579"/>
+                  <a:pt x="2221" y="400"/>
+                  <a:pt x="2000" y="400"/>
+                </a:cubicBezTo>
+                <a:lnTo>
+                  <a:pt x="1600" y="400"/>
+                </a:lnTo>
+                <a:cubicBezTo>
+                  <a:pt x="716" y="400"/>
+                  <a:pt x="0" y="1116"/>
+                  <a:pt x="0" y="2000"/>
+                </a:cubicBezTo>
+                <a:lnTo>
+                  <a:pt x="0" y="9600"/>
+                </a:lnTo>
+                <a:cubicBezTo>
+                  <a:pt x="0" y="10484"/>
+                  <a:pt x="716" y="11200"/>
+                  <a:pt x="1600" y="11200"/>
+                </a:cubicBezTo>
+                <a:lnTo>
+                  <a:pt x="9600" y="11200"/>
+                </a:lnTo>
+                <a:cubicBezTo>
+                  <a:pt x="10484" y="11200"/>
+                  <a:pt x="11200" y="10484"/>
+                  <a:pt x="11200" y="9600"/>
+                </a:cubicBezTo>
+                <a:lnTo>
+                  <a:pt x="11200" y="2000"/>
+                </a:lnTo>
+                <a:cubicBezTo>
+                  <a:pt x="11200" y="1116"/>
+                  <a:pt x="10484" y="400"/>
+                  <a:pt x="9600" y="400"/>
+                </a:cubicBezTo>
+                <a:close/>
+                <a:moveTo>
+                  <a:pt x="9600" y="400"/>
+                </a:moveTo>
+                <a:close/>
+              </a:path>
+            </a:pathLst>
+          </a:custGeom>
+          <a:solidFill>
+            <a:schemeClr val="bg1"/>
+          </a:solidFill>
+          <a:ln>
+            <a:noFill/>
+          </a:ln>
+        </p:spPr>
+        <p:style>
+          <a:lnRef idx="2">
+            <a:schemeClr val="accent1">
+              <a:shade val="50000"/>
+            </a:schemeClr>
+          </a:lnRef>
+          <a:fillRef idx="1">
+            <a:schemeClr val="accent1"/>
+          </a:fillRef>
+          <a:effectRef idx="0">
+            <a:schemeClr val="accent1"/>
+          </a:effectRef>
+          <a:fontRef idx="minor">
+            <a:schemeClr val="lt1"/>
+          </a:fontRef>
+        </p:style>
+        <p:txBody>
+          <a:bodyPr rtlCol="0" anchor="ctr"/>
+          <a:lstStyle/>
+          <a:p>
+            <a:pPr algn="ctr"/>
+            <a:endParaRPr lang="en-US"/>
+          </a:p>
+        </p:txBody>
+      </p:sp>
+      <p:sp>
+        <p:nvSpPr>
+          <p:cNvPr id="7" name="person-shape_44463">
+            <a:extLst>
+              <a:ext uri="{FF2B5EF4-FFF2-40B4-BE49-F238E27FC236}">
+                <a16:creationId xmlns:a16="http://schemas.microsoft.com/office/drawing/2014/main" id="{155AF099-1574-EEB8-EC9D-5DE34A91DEA3}"/>
+              </a:ext>
+            </a:extLst>
+          </p:cNvPr>
+          <p:cNvSpPr/>
+          <p:nvPr/>
+        </p:nvSpPr>
+        <p:spPr>
+          <a:xfrm>
+            <a:off x="11696699" y="67920"/>
+            <a:ext cx="336183" cy="430215"/>
+          </a:xfrm>
+          <a:custGeom>
+            <a:avLst/>
+            <a:gdLst>
+              <a:gd name="connsiteX0" fmla="*/ 118658 w 474552"/>
+              <a:gd name="connsiteY0" fmla="*/ 330881 h 607286"/>
+              <a:gd name="connsiteX1" fmla="*/ 128808 w 474552"/>
+              <a:gd name="connsiteY1" fmla="*/ 330881 h 607286"/>
+              <a:gd name="connsiteX2" fmla="*/ 138880 w 474552"/>
+              <a:gd name="connsiteY2" fmla="*/ 340467 h 607286"/>
+              <a:gd name="connsiteX3" fmla="*/ 237316 w 474552"/>
+              <a:gd name="connsiteY3" fmla="*/ 429642 h 607286"/>
+              <a:gd name="connsiteX4" fmla="*/ 335672 w 474552"/>
+              <a:gd name="connsiteY4" fmla="*/ 340467 h 607286"/>
+              <a:gd name="connsiteX5" fmla="*/ 345823 w 474552"/>
+              <a:gd name="connsiteY5" fmla="*/ 330881 h 607286"/>
+              <a:gd name="connsiteX6" fmla="*/ 355973 w 474552"/>
+              <a:gd name="connsiteY6" fmla="*/ 330881 h 607286"/>
+              <a:gd name="connsiteX7" fmla="*/ 474552 w 474552"/>
+              <a:gd name="connsiteY7" fmla="*/ 449363 h 607286"/>
+              <a:gd name="connsiteX8" fmla="*/ 474552 w 474552"/>
+              <a:gd name="connsiteY8" fmla="*/ 567845 h 607286"/>
+              <a:gd name="connsiteX9" fmla="*/ 435052 w 474552"/>
+              <a:gd name="connsiteY9" fmla="*/ 607286 h 607286"/>
+              <a:gd name="connsiteX10" fmla="*/ 39579 w 474552"/>
+              <a:gd name="connsiteY10" fmla="*/ 607286 h 607286"/>
+              <a:gd name="connsiteX11" fmla="*/ 0 w 474552"/>
+              <a:gd name="connsiteY11" fmla="*/ 567845 h 607286"/>
+              <a:gd name="connsiteX12" fmla="*/ 0 w 474552"/>
+              <a:gd name="connsiteY12" fmla="*/ 449363 h 607286"/>
+              <a:gd name="connsiteX13" fmla="*/ 118658 w 474552"/>
+              <a:gd name="connsiteY13" fmla="*/ 330881 h 607286"/>
+              <a:gd name="connsiteX14" fmla="*/ 315130 w 474552"/>
+              <a:gd name="connsiteY14" fmla="*/ 118095 h 607286"/>
+              <a:gd name="connsiteX15" fmla="*/ 237312 w 474552"/>
+              <a:gd name="connsiteY15" fmla="*/ 162332 h 607286"/>
+              <a:gd name="connsiteX16" fmla="*/ 135653 w 474552"/>
+              <a:gd name="connsiteY16" fmla="*/ 182682 h 607286"/>
+              <a:gd name="connsiteX17" fmla="*/ 237312 w 474552"/>
+              <a:gd name="connsiteY17" fmla="*/ 284120 h 607286"/>
+              <a:gd name="connsiteX18" fmla="*/ 338893 w 474552"/>
+              <a:gd name="connsiteY18" fmla="*/ 182682 h 607286"/>
+              <a:gd name="connsiteX19" fmla="*/ 315130 w 474552"/>
+              <a:gd name="connsiteY19" fmla="*/ 118095 h 607286"/>
+              <a:gd name="connsiteX20" fmla="*/ 237312 w 474552"/>
+              <a:gd name="connsiteY20" fmla="*/ 0 h 607286"/>
+              <a:gd name="connsiteX21" fmla="*/ 379572 w 474552"/>
+              <a:gd name="connsiteY21" fmla="*/ 162332 h 607286"/>
+              <a:gd name="connsiteX22" fmla="*/ 237312 w 474552"/>
+              <a:gd name="connsiteY22" fmla="*/ 324742 h 607286"/>
+              <a:gd name="connsiteX23" fmla="*/ 95052 w 474552"/>
+              <a:gd name="connsiteY23" fmla="*/ 162332 h 607286"/>
+              <a:gd name="connsiteX24" fmla="*/ 237312 w 474552"/>
+              <a:gd name="connsiteY24" fmla="*/ 0 h 607286"/>
+            </a:gdLst>
+            <a:ahLst/>
+            <a:cxnLst>
+              <a:cxn ang="0">
+                <a:pos x="connsiteX0" y="connsiteY0"/>
+              </a:cxn>
+              <a:cxn ang="0">
+                <a:pos x="connsiteX1" y="connsiteY1"/>
+              </a:cxn>
+              <a:cxn ang="0">
+                <a:pos x="connsiteX2" y="connsiteY2"/>
+              </a:cxn>
+              <a:cxn ang="0">
+                <a:pos x="connsiteX3" y="connsiteY3"/>
+              </a:cxn>
+              <a:cxn ang="0">
+                <a:pos x="connsiteX4" y="connsiteY4"/>
+              </a:cxn>
+              <a:cxn ang="0">
+                <a:pos x="connsiteX5" y="connsiteY5"/>
+              </a:cxn>
+              <a:cxn ang="0">
+                <a:pos x="connsiteX6" y="connsiteY6"/>
+              </a:cxn>
+              <a:cxn ang="0">
+                <a:pos x="connsiteX7" y="connsiteY7"/>
+              </a:cxn>
+              <a:cxn ang="0">
+                <a:pos x="connsiteX8" y="connsiteY8"/>
+              </a:cxn>
+              <a:cxn ang="0">
+                <a:pos x="connsiteX9" y="connsiteY9"/>
+              </a:cxn>
+              <a:cxn ang="0">
+                <a:pos x="connsiteX10" y="connsiteY10"/>
+              </a:cxn>
+              <a:cxn ang="0">
+                <a:pos x="connsiteX11" y="connsiteY11"/>
+              </a:cxn>
+              <a:cxn ang="0">
+                <a:pos x="connsiteX12" y="connsiteY12"/>
+              </a:cxn>
+              <a:cxn ang="0">
+                <a:pos x="connsiteX13" y="connsiteY13"/>
+              </a:cxn>
+              <a:cxn ang="0">
+                <a:pos x="connsiteX14" y="connsiteY14"/>
+              </a:cxn>
+              <a:cxn ang="0">
+                <a:pos x="connsiteX15" y="connsiteY15"/>
+              </a:cxn>
+              <a:cxn ang="0">
+                <a:pos x="connsiteX16" y="connsiteY16"/>
+              </a:cxn>
+              <a:cxn ang="0">
+                <a:pos x="connsiteX17" y="connsiteY17"/>
+              </a:cxn>
+              <a:cxn ang="0">
+                <a:pos x="connsiteX18" y="connsiteY18"/>
+              </a:cxn>
+              <a:cxn ang="0">
+                <a:pos x="connsiteX19" y="connsiteY19"/>
+              </a:cxn>
+              <a:cxn ang="0">
+                <a:pos x="connsiteX20" y="connsiteY20"/>
+              </a:cxn>
+              <a:cxn ang="0">
+                <a:pos x="connsiteX21" y="connsiteY21"/>
+              </a:cxn>
+              <a:cxn ang="0">
+                <a:pos x="connsiteX22" y="connsiteY22"/>
+              </a:cxn>
+              <a:cxn ang="0">
+                <a:pos x="connsiteX23" y="connsiteY23"/>
+              </a:cxn>
+              <a:cxn ang="0">
+                <a:pos x="connsiteX24" y="connsiteY24"/>
+              </a:cxn>
+            </a:cxnLst>
+            <a:rect l="l" t="t" r="r" b="b"/>
+            <a:pathLst>
+              <a:path w="474552" h="607286">
+                <a:moveTo>
+                  <a:pt x="118658" y="330881"/>
+                </a:moveTo>
+                <a:lnTo>
+                  <a:pt x="128808" y="330881"/>
+                </a:lnTo>
+                <a:cubicBezTo>
+                  <a:pt x="134080" y="330881"/>
+                  <a:pt x="138329" y="335203"/>
+                  <a:pt x="138880" y="340467"/>
+                </a:cubicBezTo>
+                <a:cubicBezTo>
+                  <a:pt x="143680" y="390515"/>
+                  <a:pt x="185934" y="429642"/>
+                  <a:pt x="237316" y="429642"/>
+                </a:cubicBezTo>
+                <a:cubicBezTo>
+                  <a:pt x="288618" y="429642"/>
+                  <a:pt x="330873" y="390515"/>
+                  <a:pt x="335672" y="340467"/>
+                </a:cubicBezTo>
+                <a:cubicBezTo>
+                  <a:pt x="336223" y="335203"/>
+                  <a:pt x="340472" y="330881"/>
+                  <a:pt x="345823" y="330881"/>
+                </a:cubicBezTo>
+                <a:lnTo>
+                  <a:pt x="355973" y="330881"/>
+                </a:lnTo>
+                <a:cubicBezTo>
+                  <a:pt x="421518" y="330881"/>
+                  <a:pt x="474552" y="383915"/>
+                  <a:pt x="474552" y="449363"/>
+                </a:cubicBezTo>
+                <a:lnTo>
+                  <a:pt x="474552" y="567845"/>
+                </a:lnTo>
+                <a:cubicBezTo>
+                  <a:pt x="474552" y="589687"/>
+                  <a:pt x="456927" y="607286"/>
+                  <a:pt x="435052" y="607286"/>
+                </a:cubicBezTo>
+                <a:lnTo>
+                  <a:pt x="39579" y="607286"/>
+                </a:lnTo>
+                <a:cubicBezTo>
+                  <a:pt x="17704" y="607286"/>
+                  <a:pt x="0" y="589687"/>
+                  <a:pt x="0" y="567845"/>
+                </a:cubicBezTo>
+                <a:lnTo>
+                  <a:pt x="0" y="449363"/>
+                </a:lnTo>
+                <a:cubicBezTo>
+                  <a:pt x="0" y="383915"/>
+                  <a:pt x="53112" y="330881"/>
+                  <a:pt x="118658" y="330881"/>
+                </a:cubicBezTo>
+                <a:close/>
+                <a:moveTo>
+                  <a:pt x="315130" y="118095"/>
+                </a:moveTo>
+                <a:cubicBezTo>
+                  <a:pt x="305374" y="143632"/>
+                  <a:pt x="274372" y="162332"/>
+                  <a:pt x="237312" y="162332"/>
+                </a:cubicBezTo>
+                <a:cubicBezTo>
+                  <a:pt x="200174" y="162332"/>
+                  <a:pt x="135653" y="158010"/>
+                  <a:pt x="135653" y="182682"/>
+                </a:cubicBezTo>
+                <a:cubicBezTo>
+                  <a:pt x="135653" y="238705"/>
+                  <a:pt x="181132" y="284120"/>
+                  <a:pt x="237312" y="284120"/>
+                </a:cubicBezTo>
+                <a:cubicBezTo>
+                  <a:pt x="293335" y="284120"/>
+                  <a:pt x="338893" y="238705"/>
+                  <a:pt x="338893" y="182682"/>
+                </a:cubicBezTo>
+                <a:cubicBezTo>
+                  <a:pt x="338893" y="158010"/>
+                  <a:pt x="329766" y="135696"/>
+                  <a:pt x="315130" y="118095"/>
+                </a:cubicBezTo>
+                <a:close/>
+                <a:moveTo>
+                  <a:pt x="237312" y="0"/>
+                </a:moveTo>
+                <a:cubicBezTo>
+                  <a:pt x="315839" y="0"/>
+                  <a:pt x="379572" y="72680"/>
+                  <a:pt x="379572" y="162332"/>
+                </a:cubicBezTo>
+                <a:cubicBezTo>
+                  <a:pt x="379572" y="251984"/>
+                  <a:pt x="315839" y="324742"/>
+                  <a:pt x="237312" y="324742"/>
+                </a:cubicBezTo>
+                <a:cubicBezTo>
+                  <a:pt x="158707" y="324742"/>
+                  <a:pt x="95052" y="251984"/>
+                  <a:pt x="95052" y="162332"/>
+                </a:cubicBezTo>
+                <a:cubicBezTo>
+                  <a:pt x="95052" y="72680"/>
+                  <a:pt x="158707" y="0"/>
+                  <a:pt x="237312" y="0"/>
+                </a:cubicBezTo>
+                <a:close/>
+              </a:path>
+            </a:pathLst>
+          </a:custGeom>
+          <a:solidFill>
+            <a:schemeClr val="bg1"/>
+          </a:solidFill>
+          <a:ln>
+            <a:noFill/>
+          </a:ln>
+        </p:spPr>
+        <p:style>
+          <a:lnRef idx="2">
+            <a:schemeClr val="accent1">
+              <a:shade val="50000"/>
+            </a:schemeClr>
+          </a:lnRef>
+          <a:fillRef idx="1">
+            <a:schemeClr val="accent1"/>
+          </a:fillRef>
+          <a:effectRef idx="0">
+            <a:schemeClr val="accent1"/>
+          </a:effectRef>
+          <a:fontRef idx="minor">
+            <a:schemeClr val="lt1"/>
+          </a:fontRef>
+        </p:style>
+        <p:txBody>
+          <a:bodyPr rtlCol="0" anchor="ctr"/>
+          <a:lstStyle/>
+          <a:p>
+            <a:pPr algn="ctr"/>
+            <a:endParaRPr lang="en-US"/>
+          </a:p>
+        </p:txBody>
+      </p:sp>
+      <p:sp>
+        <p:nvSpPr>
+          <p:cNvPr id="8" name="Rectangle: Rounded Corners 7">
+            <a:extLst>
+              <a:ext uri="{FF2B5EF4-FFF2-40B4-BE49-F238E27FC236}">
+                <a16:creationId xmlns:a16="http://schemas.microsoft.com/office/drawing/2014/main" id="{D62A4970-50DA-3D6A-A142-FC27D6E56087}"/>
+              </a:ext>
+            </a:extLst>
+          </p:cNvPr>
+          <p:cNvSpPr/>
+          <p:nvPr/>
+        </p:nvSpPr>
+        <p:spPr>
+          <a:xfrm>
+            <a:off x="9889670" y="108857"/>
+            <a:ext cx="1577152" cy="332014"/>
+          </a:xfrm>
+          <a:prstGeom prst="roundRect">
+            <a:avLst/>
+          </a:prstGeom>
+        </p:spPr>
+        <p:style>
+          <a:lnRef idx="2">
+            <a:schemeClr val="accent2">
+              <a:shade val="15000"/>
+            </a:schemeClr>
+          </a:lnRef>
+          <a:fillRef idx="1">
+            <a:schemeClr val="accent2"/>
+          </a:fillRef>
+          <a:effectRef idx="0">
+            <a:schemeClr val="accent2"/>
+          </a:effectRef>
+          <a:fontRef idx="minor">
+            <a:schemeClr val="lt1"/>
+          </a:fontRef>
+        </p:style>
+        <p:txBody>
+          <a:bodyPr rtlCol="0" anchor="ctr"/>
+          <a:lstStyle/>
+          <a:p>
+            <a:pPr algn="ctr"/>
+            <a:r>
+              <a:rPr lang="en-US" sz="1100" dirty="0"/>
+              <a:t>Auto Refreshing: On/Off</a:t>
+            </a:r>
+          </a:p>
+        </p:txBody>
+      </p:sp>
+      <p:grpSp>
+        <p:nvGrpSpPr>
+          <p:cNvPr id="31" name="Group 30">
+            <a:extLst>
+              <a:ext uri="{FF2B5EF4-FFF2-40B4-BE49-F238E27FC236}">
+                <a16:creationId xmlns:a16="http://schemas.microsoft.com/office/drawing/2014/main" id="{CF606B78-8A58-78CC-3C7C-87AD940D00F6}"/>
+              </a:ext>
+            </a:extLst>
+          </p:cNvPr>
+          <p:cNvGrpSpPr/>
+          <p:nvPr/>
+        </p:nvGrpSpPr>
+        <p:grpSpPr>
+          <a:xfrm>
+            <a:off x="5150295" y="6173659"/>
+            <a:ext cx="2117272" cy="375658"/>
+            <a:chOff x="5213046" y="6173659"/>
+            <a:chExt cx="2117272" cy="375658"/>
+          </a:xfrm>
+        </p:grpSpPr>
+        <p:sp>
+          <p:nvSpPr>
+            <p:cNvPr id="11" name="Rectangle: Rounded Corners 10">
+              <a:extLst>
+                <a:ext uri="{FF2B5EF4-FFF2-40B4-BE49-F238E27FC236}">
+                  <a16:creationId xmlns:a16="http://schemas.microsoft.com/office/drawing/2014/main" id="{3ABB0B64-8EB9-B669-E088-4B7F222D5808}"/>
+                </a:ext>
+              </a:extLst>
+            </p:cNvPr>
+            <p:cNvSpPr/>
+            <p:nvPr/>
+          </p:nvSpPr>
+          <p:spPr>
+            <a:xfrm>
+              <a:off x="5213046" y="6173659"/>
+              <a:ext cx="947058" cy="375658"/>
+            </a:xfrm>
+            <a:prstGeom prst="roundRect">
+              <a:avLst/>
+            </a:prstGeom>
+          </p:spPr>
+          <p:style>
+            <a:lnRef idx="2">
+              <a:schemeClr val="accent2">
+                <a:shade val="15000"/>
+              </a:schemeClr>
+            </a:lnRef>
+            <a:fillRef idx="1">
+              <a:schemeClr val="accent2"/>
+            </a:fillRef>
+            <a:effectRef idx="0">
+              <a:schemeClr val="accent2"/>
+            </a:effectRef>
+            <a:fontRef idx="minor">
+              <a:schemeClr val="lt1"/>
+            </a:fontRef>
+          </p:style>
+          <p:txBody>
+            <a:bodyPr rtlCol="0" anchor="ctr"/>
+            <a:lstStyle/>
+            <a:p>
+              <a:pPr algn="ctr"/>
+              <a:r>
+                <a:rPr lang="en-US" altLang="zh-CN" dirty="0"/>
+                <a:t>Save</a:t>
+              </a:r>
+              <a:endParaRPr lang="en-US" dirty="0"/>
+            </a:p>
+          </p:txBody>
+        </p:sp>
+        <p:sp>
+          <p:nvSpPr>
+            <p:cNvPr id="12" name="Rectangle: Rounded Corners 11">
+              <a:extLst>
+                <a:ext uri="{FF2B5EF4-FFF2-40B4-BE49-F238E27FC236}">
+                  <a16:creationId xmlns:a16="http://schemas.microsoft.com/office/drawing/2014/main" id="{FD74393C-D3F0-581D-6308-AC4E4CC27C46}"/>
+                </a:ext>
+              </a:extLst>
+            </p:cNvPr>
+            <p:cNvSpPr/>
+            <p:nvPr/>
+          </p:nvSpPr>
+          <p:spPr>
+            <a:xfrm>
+              <a:off x="6383260" y="6173659"/>
+              <a:ext cx="947058" cy="375658"/>
+            </a:xfrm>
+            <a:prstGeom prst="roundRect">
+              <a:avLst/>
+            </a:prstGeom>
+          </p:spPr>
+          <p:style>
+            <a:lnRef idx="2">
+              <a:schemeClr val="accent5">
+                <a:shade val="15000"/>
+              </a:schemeClr>
+            </a:lnRef>
+            <a:fillRef idx="1">
+              <a:schemeClr val="accent5"/>
+            </a:fillRef>
+            <a:effectRef idx="0">
+              <a:schemeClr val="accent5"/>
+            </a:effectRef>
+            <a:fontRef idx="minor">
+              <a:schemeClr val="lt1"/>
+            </a:fontRef>
+          </p:style>
+          <p:txBody>
+            <a:bodyPr rtlCol="0" anchor="ctr"/>
+            <a:lstStyle/>
+            <a:p>
+              <a:pPr algn="ctr"/>
+              <a:r>
+                <a:rPr lang="en-US" dirty="0"/>
+                <a:t>Cancel</a:t>
+              </a:r>
+            </a:p>
+          </p:txBody>
+        </p:sp>
+      </p:grpSp>
+      <p:sp>
+        <p:nvSpPr>
+          <p:cNvPr id="9" name="TextBox 8">
+            <a:extLst>
+              <a:ext uri="{FF2B5EF4-FFF2-40B4-BE49-F238E27FC236}">
+                <a16:creationId xmlns:a16="http://schemas.microsoft.com/office/drawing/2014/main" id="{FE82888C-484E-8088-DA7D-3C35CD9DDABA}"/>
+              </a:ext>
+            </a:extLst>
+          </p:cNvPr>
+          <p:cNvSpPr txBox="1"/>
+          <p:nvPr/>
+        </p:nvSpPr>
+        <p:spPr>
+          <a:xfrm>
+            <a:off x="2030186" y="794660"/>
+            <a:ext cx="1638590" cy="369332"/>
+          </a:xfrm>
+          <a:prstGeom prst="rect">
+            <a:avLst/>
+          </a:prstGeom>
+          <a:noFill/>
+        </p:spPr>
+        <p:txBody>
+          <a:bodyPr wrap="none" rtlCol="0">
+            <a:spAutoFit/>
+          </a:bodyPr>
+          <a:lstStyle/>
+          <a:p>
+            <a:r>
+              <a:rPr lang="en-US" b="1" dirty="0"/>
+              <a:t>Add New Rule</a:t>
+            </a:r>
+          </a:p>
+        </p:txBody>
+      </p:sp>
+      <p:sp>
+        <p:nvSpPr>
+          <p:cNvPr id="13" name="Arrow: Left 12">
+            <a:extLst>
+              <a:ext uri="{FF2B5EF4-FFF2-40B4-BE49-F238E27FC236}">
+                <a16:creationId xmlns:a16="http://schemas.microsoft.com/office/drawing/2014/main" id="{5FFDF730-711C-BEC2-FC21-41E1CEA97D94}"/>
+              </a:ext>
+            </a:extLst>
+          </p:cNvPr>
+          <p:cNvSpPr/>
+          <p:nvPr/>
+        </p:nvSpPr>
+        <p:spPr>
+          <a:xfrm>
+            <a:off x="1137559" y="794660"/>
+            <a:ext cx="680357" cy="369332"/>
+          </a:xfrm>
+          <a:prstGeom prst="leftArrow">
+            <a:avLst/>
+          </a:prstGeom>
+        </p:spPr>
+        <p:style>
+          <a:lnRef idx="2">
+            <a:schemeClr val="accent1">
+              <a:shade val="15000"/>
+            </a:schemeClr>
+          </a:lnRef>
+          <a:fillRef idx="1">
+            <a:schemeClr val="accent1"/>
+          </a:fillRef>
+          <a:effectRef idx="0">
+            <a:schemeClr val="accent1"/>
+          </a:effectRef>
+          <a:fontRef idx="minor">
+            <a:schemeClr val="lt1"/>
+          </a:fontRef>
+        </p:style>
+        <p:txBody>
+          <a:bodyPr rtlCol="0" anchor="ctr"/>
+          <a:lstStyle/>
+          <a:p>
+            <a:pPr algn="ctr"/>
+            <a:r>
+              <a:rPr lang="en-US" sz="1200" dirty="0"/>
+              <a:t>Back</a:t>
+            </a:r>
+          </a:p>
+        </p:txBody>
+      </p:sp>
+      <p:sp>
+        <p:nvSpPr>
+          <p:cNvPr id="16" name="TextBox 15">
+            <a:extLst>
+              <a:ext uri="{FF2B5EF4-FFF2-40B4-BE49-F238E27FC236}">
+                <a16:creationId xmlns:a16="http://schemas.microsoft.com/office/drawing/2014/main" id="{17D4F5EB-791B-88E2-7677-FAEC3F25BDDF}"/>
+              </a:ext>
+            </a:extLst>
+          </p:cNvPr>
+          <p:cNvSpPr txBox="1"/>
+          <p:nvPr/>
+        </p:nvSpPr>
+        <p:spPr>
+          <a:xfrm>
+            <a:off x="3502761" y="1447800"/>
+            <a:ext cx="1286186" cy="369332"/>
+          </a:xfrm>
+          <a:prstGeom prst="rect">
+            <a:avLst/>
+          </a:prstGeom>
+          <a:noFill/>
+        </p:spPr>
+        <p:txBody>
+          <a:bodyPr wrap="none" rtlCol="0">
+            <a:spAutoFit/>
+          </a:bodyPr>
+          <a:lstStyle/>
+          <a:p>
+            <a:pPr algn="r"/>
+            <a:r>
+              <a:rPr lang="en-US" dirty="0"/>
+              <a:t>Rule Name</a:t>
+            </a:r>
+          </a:p>
+        </p:txBody>
+      </p:sp>
+      <p:sp>
+        <p:nvSpPr>
+          <p:cNvPr id="17" name="Rectangle 16">
+            <a:extLst>
+              <a:ext uri="{FF2B5EF4-FFF2-40B4-BE49-F238E27FC236}">
+                <a16:creationId xmlns:a16="http://schemas.microsoft.com/office/drawing/2014/main" id="{0D5FDE20-D486-D6C4-9857-92A997871EC1}"/>
+              </a:ext>
+            </a:extLst>
+          </p:cNvPr>
+          <p:cNvSpPr/>
+          <p:nvPr/>
+        </p:nvSpPr>
+        <p:spPr>
+          <a:xfrm>
+            <a:off x="4891760" y="1430689"/>
+            <a:ext cx="2634343" cy="386443"/>
+          </a:xfrm>
+          <a:prstGeom prst="rect">
+            <a:avLst/>
+          </a:prstGeom>
+        </p:spPr>
+        <p:style>
+          <a:lnRef idx="2">
+            <a:schemeClr val="accent1">
+              <a:shade val="15000"/>
+            </a:schemeClr>
+          </a:lnRef>
+          <a:fillRef idx="1">
+            <a:schemeClr val="accent1"/>
+          </a:fillRef>
+          <a:effectRef idx="0">
+            <a:schemeClr val="accent1"/>
+          </a:effectRef>
+          <a:fontRef idx="minor">
+            <a:schemeClr val="lt1"/>
+          </a:fontRef>
+        </p:style>
+        <p:txBody>
+          <a:bodyPr rtlCol="0" anchor="ctr"/>
+          <a:lstStyle/>
+          <a:p>
+            <a:pPr algn="ctr"/>
+            <a:r>
+              <a:rPr lang="en-US" dirty="0"/>
+              <a:t>Input Rule Name</a:t>
+            </a:r>
+          </a:p>
+        </p:txBody>
+      </p:sp>
+      <p:sp>
+        <p:nvSpPr>
+          <p:cNvPr id="18" name="TextBox 17">
+            <a:extLst>
+              <a:ext uri="{FF2B5EF4-FFF2-40B4-BE49-F238E27FC236}">
+                <a16:creationId xmlns:a16="http://schemas.microsoft.com/office/drawing/2014/main" id="{8AE7B3E2-E3AD-1438-BE03-009C7BB97032}"/>
+              </a:ext>
+            </a:extLst>
+          </p:cNvPr>
+          <p:cNvSpPr txBox="1"/>
+          <p:nvPr/>
+        </p:nvSpPr>
+        <p:spPr>
+          <a:xfrm>
+            <a:off x="3210502" y="2257991"/>
+            <a:ext cx="1578445" cy="369332"/>
+          </a:xfrm>
+          <a:prstGeom prst="rect">
+            <a:avLst/>
+          </a:prstGeom>
+          <a:noFill/>
+        </p:spPr>
+        <p:txBody>
+          <a:bodyPr wrap="none" rtlCol="0">
+            <a:spAutoFit/>
+          </a:bodyPr>
+          <a:lstStyle/>
+          <a:p>
+            <a:pPr algn="r"/>
+            <a:r>
+              <a:rPr lang="en-US" dirty="0"/>
+              <a:t>Trigger Sensor</a:t>
+            </a:r>
+          </a:p>
+        </p:txBody>
+      </p:sp>
+      <p:sp>
+        <p:nvSpPr>
+          <p:cNvPr id="19" name="TextBox 18">
+            <a:extLst>
+              <a:ext uri="{FF2B5EF4-FFF2-40B4-BE49-F238E27FC236}">
+                <a16:creationId xmlns:a16="http://schemas.microsoft.com/office/drawing/2014/main" id="{9EB19CE4-4F7A-71E1-62FF-DB83EC419514}"/>
+              </a:ext>
+            </a:extLst>
+          </p:cNvPr>
+          <p:cNvSpPr txBox="1"/>
+          <p:nvPr/>
+        </p:nvSpPr>
+        <p:spPr>
+          <a:xfrm>
+            <a:off x="4145949" y="3085294"/>
+            <a:ext cx="642998" cy="369332"/>
+          </a:xfrm>
+          <a:prstGeom prst="rect">
+            <a:avLst/>
+          </a:prstGeom>
+          <a:noFill/>
+        </p:spPr>
+        <p:txBody>
+          <a:bodyPr wrap="none" rtlCol="0">
+            <a:spAutoFit/>
+          </a:bodyPr>
+          <a:lstStyle/>
+          <a:p>
+            <a:pPr algn="r"/>
+            <a:r>
+              <a:rPr lang="en-US" altLang="zh-CN" dirty="0"/>
+              <a:t>Type</a:t>
+            </a:r>
+            <a:endParaRPr lang="en-US" dirty="0"/>
+          </a:p>
+        </p:txBody>
+      </p:sp>
+      <p:sp>
+        <p:nvSpPr>
+          <p:cNvPr id="21" name="TextBox 20">
+            <a:extLst>
+              <a:ext uri="{FF2B5EF4-FFF2-40B4-BE49-F238E27FC236}">
+                <a16:creationId xmlns:a16="http://schemas.microsoft.com/office/drawing/2014/main" id="{D0A2898B-86C0-FA86-9AD1-17801FE977E3}"/>
+              </a:ext>
+            </a:extLst>
+          </p:cNvPr>
+          <p:cNvSpPr txBox="1"/>
+          <p:nvPr/>
+        </p:nvSpPr>
+        <p:spPr>
+          <a:xfrm>
+            <a:off x="2896120" y="4705675"/>
+            <a:ext cx="1892827" cy="369332"/>
+          </a:xfrm>
+          <a:prstGeom prst="rect">
+            <a:avLst/>
+          </a:prstGeom>
+          <a:noFill/>
+        </p:spPr>
+        <p:txBody>
+          <a:bodyPr wrap="none" rtlCol="0">
+            <a:spAutoFit/>
+          </a:bodyPr>
+          <a:lstStyle/>
+          <a:p>
+            <a:pPr algn="r"/>
+            <a:r>
+              <a:rPr lang="en-US" dirty="0"/>
+              <a:t>Linked Controller</a:t>
+            </a:r>
+          </a:p>
+        </p:txBody>
+      </p:sp>
+      <p:sp>
+        <p:nvSpPr>
+          <p:cNvPr id="22" name="Rectangle 21">
+            <a:extLst>
+              <a:ext uri="{FF2B5EF4-FFF2-40B4-BE49-F238E27FC236}">
+                <a16:creationId xmlns:a16="http://schemas.microsoft.com/office/drawing/2014/main" id="{ED180787-8226-AC57-D81B-41F47EA3EA3F}"/>
+              </a:ext>
+            </a:extLst>
+          </p:cNvPr>
+          <p:cNvSpPr/>
+          <p:nvPr/>
+        </p:nvSpPr>
+        <p:spPr>
+          <a:xfrm>
+            <a:off x="4891760" y="3068183"/>
+            <a:ext cx="2634343" cy="386443"/>
+          </a:xfrm>
+          <a:prstGeom prst="rect">
+            <a:avLst/>
+          </a:prstGeom>
+        </p:spPr>
+        <p:style>
+          <a:lnRef idx="2">
+            <a:schemeClr val="accent1">
+              <a:shade val="15000"/>
+            </a:schemeClr>
+          </a:lnRef>
+          <a:fillRef idx="1">
+            <a:schemeClr val="accent1"/>
+          </a:fillRef>
+          <a:effectRef idx="0">
+            <a:schemeClr val="accent1"/>
+          </a:effectRef>
+          <a:fontRef idx="minor">
+            <a:schemeClr val="lt1"/>
+          </a:fontRef>
+        </p:style>
+        <p:txBody>
+          <a:bodyPr rtlCol="0" anchor="ctr"/>
+          <a:lstStyle/>
+          <a:p>
+            <a:pPr algn="ctr"/>
+            <a:r>
+              <a:rPr lang="en-US" dirty="0"/>
+              <a:t>Threshold</a:t>
+            </a:r>
+          </a:p>
+        </p:txBody>
+      </p:sp>
+      <p:sp>
+        <p:nvSpPr>
+          <p:cNvPr id="23" name="Rectangle 22">
+            <a:extLst>
+              <a:ext uri="{FF2B5EF4-FFF2-40B4-BE49-F238E27FC236}">
+                <a16:creationId xmlns:a16="http://schemas.microsoft.com/office/drawing/2014/main" id="{28981B0F-4656-D2C6-595C-119CF2073CCF}"/>
+              </a:ext>
+            </a:extLst>
+          </p:cNvPr>
+          <p:cNvSpPr/>
+          <p:nvPr/>
+        </p:nvSpPr>
+        <p:spPr>
+          <a:xfrm>
+            <a:off x="4894639" y="3886929"/>
+            <a:ext cx="1201361" cy="386443"/>
+          </a:xfrm>
+          <a:prstGeom prst="rect">
+            <a:avLst/>
+          </a:prstGeom>
+        </p:spPr>
+        <p:style>
+          <a:lnRef idx="2">
+            <a:schemeClr val="accent1">
+              <a:shade val="15000"/>
+            </a:schemeClr>
+          </a:lnRef>
+          <a:fillRef idx="1">
+            <a:schemeClr val="accent1"/>
+          </a:fillRef>
+          <a:effectRef idx="0">
+            <a:schemeClr val="accent1"/>
+          </a:effectRef>
+          <a:fontRef idx="minor">
+            <a:schemeClr val="lt1"/>
+          </a:fontRef>
+        </p:style>
+        <p:txBody>
+          <a:bodyPr rtlCol="0" anchor="ctr"/>
+          <a:lstStyle/>
+          <a:p>
+            <a:pPr algn="ctr"/>
+            <a:r>
+              <a:rPr lang="en-US" dirty="0"/>
+              <a:t>OP</a:t>
+            </a:r>
+          </a:p>
+        </p:txBody>
+      </p:sp>
+      <p:sp>
+        <p:nvSpPr>
+          <p:cNvPr id="24" name="Rectangle 23">
+            <a:extLst>
+              <a:ext uri="{FF2B5EF4-FFF2-40B4-BE49-F238E27FC236}">
+                <a16:creationId xmlns:a16="http://schemas.microsoft.com/office/drawing/2014/main" id="{440EB541-CF5C-DF4D-C9FB-F78793F1286F}"/>
+              </a:ext>
+            </a:extLst>
+          </p:cNvPr>
+          <p:cNvSpPr/>
+          <p:nvPr/>
+        </p:nvSpPr>
+        <p:spPr>
+          <a:xfrm>
+            <a:off x="4891760" y="4705675"/>
+            <a:ext cx="2634343" cy="386443"/>
+          </a:xfrm>
+          <a:prstGeom prst="rect">
+            <a:avLst/>
+          </a:prstGeom>
+        </p:spPr>
+        <p:style>
+          <a:lnRef idx="2">
+            <a:schemeClr val="accent1">
+              <a:shade val="15000"/>
+            </a:schemeClr>
+          </a:lnRef>
+          <a:fillRef idx="1">
+            <a:schemeClr val="accent1"/>
+          </a:fillRef>
+          <a:effectRef idx="0">
+            <a:schemeClr val="accent1"/>
+          </a:effectRef>
+          <a:fontRef idx="minor">
+            <a:schemeClr val="lt1"/>
+          </a:fontRef>
+        </p:style>
+        <p:txBody>
+          <a:bodyPr rtlCol="0" anchor="ctr"/>
+          <a:lstStyle/>
+          <a:p>
+            <a:pPr algn="ctr"/>
+            <a:r>
+              <a:rPr lang="en-US" dirty="0"/>
+              <a:t>Select Controller</a:t>
+            </a:r>
+          </a:p>
+        </p:txBody>
+      </p:sp>
+      <p:sp>
+        <p:nvSpPr>
+          <p:cNvPr id="25" name="Rectangle 24">
+            <a:extLst>
+              <a:ext uri="{FF2B5EF4-FFF2-40B4-BE49-F238E27FC236}">
+                <a16:creationId xmlns:a16="http://schemas.microsoft.com/office/drawing/2014/main" id="{EB4AD78D-E23B-B82A-A36E-359BD288E1B7}"/>
+              </a:ext>
+            </a:extLst>
+          </p:cNvPr>
+          <p:cNvSpPr/>
+          <p:nvPr/>
+        </p:nvSpPr>
+        <p:spPr>
+          <a:xfrm>
+            <a:off x="4891760" y="2249436"/>
+            <a:ext cx="2634343" cy="386443"/>
+          </a:xfrm>
+          <a:prstGeom prst="rect">
+            <a:avLst/>
+          </a:prstGeom>
+        </p:spPr>
+        <p:style>
+          <a:lnRef idx="2">
+            <a:schemeClr val="accent1">
+              <a:shade val="15000"/>
+            </a:schemeClr>
+          </a:lnRef>
+          <a:fillRef idx="1">
+            <a:schemeClr val="accent1"/>
+          </a:fillRef>
+          <a:effectRef idx="0">
+            <a:schemeClr val="accent1"/>
+          </a:effectRef>
+          <a:fontRef idx="minor">
+            <a:schemeClr val="lt1"/>
+          </a:fontRef>
+        </p:style>
+        <p:txBody>
+          <a:bodyPr rtlCol="0" anchor="ctr"/>
+          <a:lstStyle/>
+          <a:p>
+            <a:pPr algn="ctr"/>
+            <a:r>
+              <a:rPr lang="en-US" dirty="0"/>
+              <a:t>Select Sensor</a:t>
+            </a:r>
+          </a:p>
+        </p:txBody>
+      </p:sp>
+      <p:sp>
+        <p:nvSpPr>
+          <p:cNvPr id="26" name="Isosceles Triangle 25">
+            <a:extLst>
+              <a:ext uri="{FF2B5EF4-FFF2-40B4-BE49-F238E27FC236}">
+                <a16:creationId xmlns:a16="http://schemas.microsoft.com/office/drawing/2014/main" id="{EB94F089-A4B4-5134-2ED2-B5AD0E073FF1}"/>
+              </a:ext>
+            </a:extLst>
+          </p:cNvPr>
+          <p:cNvSpPr/>
+          <p:nvPr/>
+        </p:nvSpPr>
+        <p:spPr>
+          <a:xfrm flipV="1">
+            <a:off x="7206343" y="2350128"/>
+            <a:ext cx="214666" cy="185057"/>
+          </a:xfrm>
+          <a:prstGeom prst="triangle">
+            <a:avLst/>
+          </a:prstGeom>
+          <a:solidFill>
+            <a:schemeClr val="bg1"/>
+          </a:solidFill>
+          <a:ln>
+            <a:noFill/>
+          </a:ln>
+        </p:spPr>
+        <p:style>
+          <a:lnRef idx="2">
+            <a:schemeClr val="accent1">
+              <a:shade val="15000"/>
+            </a:schemeClr>
+          </a:lnRef>
+          <a:fillRef idx="1">
+            <a:schemeClr val="accent1"/>
+          </a:fillRef>
+          <a:effectRef idx="0">
+            <a:schemeClr val="accent1"/>
+          </a:effectRef>
+          <a:fontRef idx="minor">
+            <a:schemeClr val="lt1"/>
+          </a:fontRef>
+        </p:style>
+        <p:txBody>
+          <a:bodyPr rtlCol="0" anchor="ctr"/>
+          <a:lstStyle/>
+          <a:p>
+            <a:pPr algn="ctr"/>
+            <a:endParaRPr lang="en-US"/>
+          </a:p>
+        </p:txBody>
+      </p:sp>
+      <p:sp>
+        <p:nvSpPr>
+          <p:cNvPr id="27" name="Isosceles Triangle 26">
+            <a:extLst>
+              <a:ext uri="{FF2B5EF4-FFF2-40B4-BE49-F238E27FC236}">
+                <a16:creationId xmlns:a16="http://schemas.microsoft.com/office/drawing/2014/main" id="{3B383223-123E-DDE6-1A1A-16D7FDC3F89C}"/>
+              </a:ext>
+            </a:extLst>
+          </p:cNvPr>
+          <p:cNvSpPr/>
+          <p:nvPr/>
+        </p:nvSpPr>
+        <p:spPr>
+          <a:xfrm flipV="1">
+            <a:off x="5785757" y="3987622"/>
+            <a:ext cx="214666" cy="185057"/>
+          </a:xfrm>
+          <a:prstGeom prst="triangle">
+            <a:avLst/>
+          </a:prstGeom>
+          <a:solidFill>
+            <a:schemeClr val="bg1"/>
+          </a:solidFill>
+          <a:ln>
+            <a:noFill/>
+          </a:ln>
+        </p:spPr>
+        <p:style>
+          <a:lnRef idx="2">
+            <a:schemeClr val="accent1">
+              <a:shade val="15000"/>
+            </a:schemeClr>
+          </a:lnRef>
+          <a:fillRef idx="1">
+            <a:schemeClr val="accent1"/>
+          </a:fillRef>
+          <a:effectRef idx="0">
+            <a:schemeClr val="accent1"/>
+          </a:effectRef>
+          <a:fontRef idx="minor">
+            <a:schemeClr val="lt1"/>
+          </a:fontRef>
+        </p:style>
+        <p:txBody>
+          <a:bodyPr rtlCol="0" anchor="ctr"/>
+          <a:lstStyle/>
+          <a:p>
+            <a:pPr algn="ctr"/>
+            <a:endParaRPr lang="en-US"/>
+          </a:p>
+        </p:txBody>
+      </p:sp>
+      <p:sp>
+        <p:nvSpPr>
+          <p:cNvPr id="28" name="Isosceles Triangle 27">
+            <a:extLst>
+              <a:ext uri="{FF2B5EF4-FFF2-40B4-BE49-F238E27FC236}">
+                <a16:creationId xmlns:a16="http://schemas.microsoft.com/office/drawing/2014/main" id="{A376A9B9-3B5F-DF1E-B9CF-770B05CE8289}"/>
+              </a:ext>
+            </a:extLst>
+          </p:cNvPr>
+          <p:cNvSpPr/>
+          <p:nvPr/>
+        </p:nvSpPr>
+        <p:spPr>
+          <a:xfrm flipV="1">
+            <a:off x="7206343" y="4811810"/>
+            <a:ext cx="214666" cy="185057"/>
+          </a:xfrm>
+          <a:prstGeom prst="triangle">
+            <a:avLst/>
+          </a:prstGeom>
+          <a:solidFill>
+            <a:schemeClr val="bg1"/>
+          </a:solidFill>
+          <a:ln>
+            <a:noFill/>
+          </a:ln>
+        </p:spPr>
+        <p:style>
+          <a:lnRef idx="2">
+            <a:schemeClr val="accent1">
+              <a:shade val="15000"/>
+            </a:schemeClr>
+          </a:lnRef>
+          <a:fillRef idx="1">
+            <a:schemeClr val="accent1"/>
+          </a:fillRef>
+          <a:effectRef idx="0">
+            <a:schemeClr val="accent1"/>
+          </a:effectRef>
+          <a:fontRef idx="minor">
+            <a:schemeClr val="lt1"/>
+          </a:fontRef>
+        </p:style>
+        <p:txBody>
+          <a:bodyPr rtlCol="0" anchor="ctr"/>
+          <a:lstStyle/>
+          <a:p>
+            <a:pPr algn="ctr"/>
+            <a:endParaRPr lang="en-US"/>
+          </a:p>
+        </p:txBody>
+      </p:sp>
+      <p:sp>
+        <p:nvSpPr>
+          <p:cNvPr id="29" name="Rectangle 28">
+            <a:extLst>
+              <a:ext uri="{FF2B5EF4-FFF2-40B4-BE49-F238E27FC236}">
+                <a16:creationId xmlns:a16="http://schemas.microsoft.com/office/drawing/2014/main" id="{C0C02BE6-DA37-926D-B61B-D2DBAC77EDD1}"/>
+              </a:ext>
+            </a:extLst>
+          </p:cNvPr>
+          <p:cNvSpPr/>
+          <p:nvPr/>
+        </p:nvSpPr>
+        <p:spPr>
+          <a:xfrm>
+            <a:off x="6324742" y="3886929"/>
+            <a:ext cx="1997387" cy="386443"/>
+          </a:xfrm>
+          <a:prstGeom prst="rect">
+            <a:avLst/>
+          </a:prstGeom>
+        </p:spPr>
+        <p:style>
+          <a:lnRef idx="2">
+            <a:schemeClr val="accent1">
+              <a:shade val="15000"/>
+            </a:schemeClr>
+          </a:lnRef>
+          <a:fillRef idx="1">
+            <a:schemeClr val="accent1"/>
+          </a:fillRef>
+          <a:effectRef idx="0">
+            <a:schemeClr val="accent1"/>
+          </a:effectRef>
+          <a:fontRef idx="minor">
+            <a:schemeClr val="lt1"/>
+          </a:fontRef>
+        </p:style>
+        <p:txBody>
+          <a:bodyPr rtlCol="0" anchor="ctr"/>
+          <a:lstStyle/>
+          <a:p>
+            <a:pPr algn="ctr"/>
+            <a:r>
+              <a:rPr lang="en-US" sz="1400" dirty="0"/>
+              <a:t>Input Threshold Value</a:t>
+            </a:r>
+          </a:p>
+        </p:txBody>
+      </p:sp>
+      <p:sp>
+        <p:nvSpPr>
+          <p:cNvPr id="30" name="Rectangle 29">
+            <a:extLst>
+              <a:ext uri="{FF2B5EF4-FFF2-40B4-BE49-F238E27FC236}">
+                <a16:creationId xmlns:a16="http://schemas.microsoft.com/office/drawing/2014/main" id="{5288E69A-D64E-6A6A-140B-EF78BBD8654D}"/>
+              </a:ext>
+            </a:extLst>
+          </p:cNvPr>
+          <p:cNvSpPr/>
+          <p:nvPr/>
+        </p:nvSpPr>
+        <p:spPr>
+          <a:xfrm>
+            <a:off x="4891760" y="5423728"/>
+            <a:ext cx="2634343" cy="386443"/>
+          </a:xfrm>
+          <a:prstGeom prst="rect">
+            <a:avLst/>
+          </a:prstGeom>
+        </p:spPr>
+        <p:style>
+          <a:lnRef idx="2">
+            <a:schemeClr val="accent1">
+              <a:shade val="15000"/>
+            </a:schemeClr>
+          </a:lnRef>
+          <a:fillRef idx="1">
+            <a:schemeClr val="accent1"/>
+          </a:fillRef>
+          <a:effectRef idx="0">
+            <a:schemeClr val="accent1"/>
+          </a:effectRef>
+          <a:fontRef idx="minor">
+            <a:schemeClr val="lt1"/>
+          </a:fontRef>
+        </p:style>
+        <p:txBody>
+          <a:bodyPr rtlCol="0" anchor="ctr"/>
+          <a:lstStyle/>
+          <a:p>
+            <a:pPr algn="ctr"/>
+            <a:r>
+              <a:rPr lang="en-US" dirty="0"/>
+              <a:t>Select Action</a:t>
+            </a:r>
+          </a:p>
+        </p:txBody>
+      </p:sp>
+      <p:sp>
+        <p:nvSpPr>
+          <p:cNvPr id="32" name="Rectangle 31">
+            <a:extLst>
+              <a:ext uri="{FF2B5EF4-FFF2-40B4-BE49-F238E27FC236}">
+                <a16:creationId xmlns:a16="http://schemas.microsoft.com/office/drawing/2014/main" id="{166BCC63-49A6-E93D-245A-13FB59B80495}"/>
+              </a:ext>
+            </a:extLst>
+          </p:cNvPr>
+          <p:cNvSpPr/>
+          <p:nvPr/>
+        </p:nvSpPr>
+        <p:spPr>
+          <a:xfrm>
+            <a:off x="87086" y="1393371"/>
+            <a:ext cx="674915" cy="674915"/>
+          </a:xfrm>
+          <a:prstGeom prst="rect">
+            <a:avLst/>
+          </a:prstGeom>
+          <a:noFill/>
+          <a:ln>
+            <a:solidFill>
+              <a:srgbClr val="FF0000"/>
+            </a:solidFill>
+          </a:ln>
+        </p:spPr>
+        <p:style>
+          <a:lnRef idx="2">
+            <a:schemeClr val="accent1">
+              <a:shade val="15000"/>
+            </a:schemeClr>
+          </a:lnRef>
+          <a:fillRef idx="1">
+            <a:schemeClr val="accent1"/>
+          </a:fillRef>
+          <a:effectRef idx="0">
+            <a:schemeClr val="accent1"/>
+          </a:effectRef>
+          <a:fontRef idx="minor">
+            <a:schemeClr val="lt1"/>
+          </a:fontRef>
+        </p:style>
+        <p:txBody>
+          <a:bodyPr rtlCol="0" anchor="ctr"/>
+          <a:lstStyle/>
+          <a:p>
+            <a:pPr algn="ctr"/>
+            <a:endParaRPr lang="en-US"/>
+          </a:p>
+        </p:txBody>
+      </p:sp>
+      <p:sp>
+        <p:nvSpPr>
+          <p:cNvPr id="33" name="TextBox 32">
+            <a:extLst>
+              <a:ext uri="{FF2B5EF4-FFF2-40B4-BE49-F238E27FC236}">
+                <a16:creationId xmlns:a16="http://schemas.microsoft.com/office/drawing/2014/main" id="{18D25E66-B5A0-B268-C0AE-405A76282CA7}"/>
+              </a:ext>
+            </a:extLst>
+          </p:cNvPr>
+          <p:cNvSpPr txBox="1"/>
+          <p:nvPr/>
+        </p:nvSpPr>
+        <p:spPr>
+          <a:xfrm>
+            <a:off x="910607" y="173308"/>
+            <a:ext cx="6104164" cy="286360"/>
+          </a:xfrm>
+          <a:prstGeom prst="rect">
+            <a:avLst/>
+          </a:prstGeom>
+          <a:noFill/>
+        </p:spPr>
+        <p:txBody>
+          <a:bodyPr wrap="square">
+            <a:spAutoFit/>
+          </a:bodyPr>
+          <a:lstStyle/>
+          <a:p>
+            <a:pPr>
+              <a:lnSpc>
+                <a:spcPts val="1425"/>
+              </a:lnSpc>
+            </a:pPr>
+            <a:r>
+              <a:rPr lang="en-US" b="1" dirty="0">
+                <a:solidFill>
+                  <a:schemeClr val="bg1"/>
+                </a:solidFill>
+                <a:effectLst/>
+                <a:latin typeface="Consolas" panose="020B0609020204030204" pitchFamily="49" charset="0"/>
+              </a:rPr>
+              <a:t>Intelligent Control System</a:t>
+            </a:r>
+            <a:endParaRPr lang="en-US" b="0" dirty="0">
+              <a:solidFill>
+                <a:schemeClr val="bg1"/>
+              </a:solidFill>
+              <a:effectLst/>
+              <a:latin typeface="Consolas" panose="020B0609020204030204" pitchFamily="49" charset="0"/>
+            </a:endParaRPr>
+          </a:p>
+        </p:txBody>
+      </p:sp>
+      <p:sp>
+        <p:nvSpPr>
+          <p:cNvPr id="34" name="TextBox 33">
+            <a:extLst>
+              <a:ext uri="{FF2B5EF4-FFF2-40B4-BE49-F238E27FC236}">
+                <a16:creationId xmlns:a16="http://schemas.microsoft.com/office/drawing/2014/main" id="{3C58696B-7892-5362-34E7-2E3C899AD1E9}"/>
+              </a:ext>
+            </a:extLst>
+          </p:cNvPr>
+          <p:cNvSpPr txBox="1"/>
+          <p:nvPr/>
+        </p:nvSpPr>
+        <p:spPr>
+          <a:xfrm>
+            <a:off x="8322129" y="1289957"/>
+            <a:ext cx="3483428" cy="3970318"/>
+          </a:xfrm>
+          <a:prstGeom prst="rect">
+            <a:avLst/>
+          </a:prstGeom>
+          <a:noFill/>
+        </p:spPr>
+        <p:txBody>
+          <a:bodyPr wrap="square" rtlCol="0">
+            <a:spAutoFit/>
+          </a:bodyPr>
+          <a:lstStyle/>
+          <a:p>
+            <a:pPr marL="285750" indent="-285750">
+              <a:buFont typeface="Arial" panose="020B0604020202020204" pitchFamily="34" charset="0"/>
+              <a:buChar char="•"/>
+            </a:pPr>
+            <a:r>
+              <a:rPr lang="en-US" dirty="0"/>
+              <a:t>All option/inputs is required on this page</a:t>
+            </a:r>
+          </a:p>
+          <a:p>
+            <a:pPr marL="285750" indent="-285750">
+              <a:buFont typeface="Arial" panose="020B0604020202020204" pitchFamily="34" charset="0"/>
+              <a:buChar char="•"/>
+            </a:pPr>
+            <a:r>
+              <a:rPr lang="en-US" dirty="0"/>
+              <a:t>Box with triangle icon means this is a dropdown list, user must select from a few options instead of typing</a:t>
+            </a:r>
+          </a:p>
+          <a:p>
+            <a:pPr marL="285750" indent="-285750">
+              <a:buFont typeface="Arial" panose="020B0604020202020204" pitchFamily="34" charset="0"/>
+              <a:buChar char="•"/>
+            </a:pPr>
+            <a:r>
+              <a:rPr lang="en-US" dirty="0"/>
+              <a:t>If user selected a trigger sensor, the ‘Type’ will be automatically changed accordingly</a:t>
+            </a:r>
+          </a:p>
+          <a:p>
+            <a:pPr marL="285750" indent="-285750">
+              <a:buFont typeface="Arial" panose="020B0604020202020204" pitchFamily="34" charset="0"/>
+              <a:buChar char="•"/>
+            </a:pPr>
+            <a:r>
+              <a:rPr lang="en-US" dirty="0"/>
+              <a:t>‘Event’ type will have ‘OP’ but no ‘Input Threshold Value’</a:t>
+            </a:r>
+          </a:p>
+          <a:p>
+            <a:pPr marL="285750" indent="-285750">
+              <a:buFont typeface="Arial" panose="020B0604020202020204" pitchFamily="34" charset="0"/>
+              <a:buChar char="•"/>
+            </a:pPr>
+            <a:r>
+              <a:rPr lang="en-US" dirty="0"/>
+              <a:t>Detailed relationship diagram attached in the next slide</a:t>
+            </a:r>
+          </a:p>
+        </p:txBody>
+      </p:sp>
+      <p:sp>
+        <p:nvSpPr>
+          <p:cNvPr id="35" name="Isosceles Triangle 34">
+            <a:extLst>
+              <a:ext uri="{FF2B5EF4-FFF2-40B4-BE49-F238E27FC236}">
+                <a16:creationId xmlns:a16="http://schemas.microsoft.com/office/drawing/2014/main" id="{9AC354B2-FAF1-D12C-6E95-0EE37F65FBE4}"/>
+              </a:ext>
+            </a:extLst>
+          </p:cNvPr>
+          <p:cNvSpPr/>
+          <p:nvPr/>
+        </p:nvSpPr>
+        <p:spPr>
+          <a:xfrm flipV="1">
+            <a:off x="7206343" y="3177431"/>
+            <a:ext cx="214666" cy="185057"/>
+          </a:xfrm>
+          <a:prstGeom prst="triangle">
+            <a:avLst/>
+          </a:prstGeom>
+          <a:solidFill>
+            <a:schemeClr val="bg1"/>
+          </a:solidFill>
+          <a:ln>
+            <a:noFill/>
+          </a:ln>
+        </p:spPr>
+        <p:style>
+          <a:lnRef idx="2">
+            <a:schemeClr val="accent1">
+              <a:shade val="15000"/>
+            </a:schemeClr>
+          </a:lnRef>
+          <a:fillRef idx="1">
+            <a:schemeClr val="accent1"/>
+          </a:fillRef>
+          <a:effectRef idx="0">
+            <a:schemeClr val="accent1"/>
+          </a:effectRef>
+          <a:fontRef idx="minor">
+            <a:schemeClr val="lt1"/>
+          </a:fontRef>
+        </p:style>
+        <p:txBody>
+          <a:bodyPr rtlCol="0" anchor="ctr"/>
+          <a:lstStyle/>
+          <a:p>
+            <a:pPr algn="ctr"/>
+            <a:endParaRPr lang="en-US"/>
+          </a:p>
+        </p:txBody>
+      </p:sp>
+      <p:sp>
+        <p:nvSpPr>
+          <p:cNvPr id="36" name="Isosceles Triangle 35">
+            <a:extLst>
+              <a:ext uri="{FF2B5EF4-FFF2-40B4-BE49-F238E27FC236}">
+                <a16:creationId xmlns:a16="http://schemas.microsoft.com/office/drawing/2014/main" id="{1A890D22-35F0-D117-3698-8F729898B8D7}"/>
+              </a:ext>
+            </a:extLst>
+          </p:cNvPr>
+          <p:cNvSpPr/>
+          <p:nvPr/>
+        </p:nvSpPr>
+        <p:spPr>
+          <a:xfrm flipV="1">
+            <a:off x="7206343" y="5524420"/>
+            <a:ext cx="214666" cy="185057"/>
+          </a:xfrm>
+          <a:prstGeom prst="triangle">
+            <a:avLst/>
+          </a:prstGeom>
+          <a:solidFill>
+            <a:schemeClr val="bg1"/>
+          </a:solidFill>
+          <a:ln>
+            <a:noFill/>
+          </a:ln>
+        </p:spPr>
+        <p:style>
+          <a:lnRef idx="2">
+            <a:schemeClr val="accent1">
+              <a:shade val="15000"/>
+            </a:schemeClr>
+          </a:lnRef>
+          <a:fillRef idx="1">
+            <a:schemeClr val="accent1"/>
+          </a:fillRef>
+          <a:effectRef idx="0">
+            <a:schemeClr val="accent1"/>
+          </a:effectRef>
+          <a:fontRef idx="minor">
+            <a:schemeClr val="lt1"/>
+          </a:fontRef>
+        </p:style>
+        <p:txBody>
+          <a:bodyPr rtlCol="0" anchor="ctr"/>
+          <a:lstStyle/>
+          <a:p>
+            <a:pPr algn="ctr"/>
+            <a:endParaRPr lang="en-US"/>
+          </a:p>
+        </p:txBody>
+      </p:sp>
+      <p:sp>
+        <p:nvSpPr>
+          <p:cNvPr id="10" name="Speech Bubble: Rectangle 9">
+            <a:extLst>
+              <a:ext uri="{FF2B5EF4-FFF2-40B4-BE49-F238E27FC236}">
+                <a16:creationId xmlns:a16="http://schemas.microsoft.com/office/drawing/2014/main" id="{FC4575BD-1200-4969-150C-311CB1084BA6}"/>
+              </a:ext>
+            </a:extLst>
+          </p:cNvPr>
+          <p:cNvSpPr/>
+          <p:nvPr/>
+        </p:nvSpPr>
+        <p:spPr>
+          <a:xfrm>
+            <a:off x="1900561" y="5880762"/>
+            <a:ext cx="2865941" cy="747245"/>
+          </a:xfrm>
+          <a:prstGeom prst="wedgeRectCallout">
+            <a:avLst>
+              <a:gd name="adj1" fmla="val 59167"/>
+              <a:gd name="adj2" fmla="val 13760"/>
+            </a:avLst>
+          </a:prstGeom>
+        </p:spPr>
+        <p:style>
+          <a:lnRef idx="2">
+            <a:schemeClr val="accent6">
+              <a:shade val="15000"/>
+            </a:schemeClr>
+          </a:lnRef>
+          <a:fillRef idx="1">
+            <a:schemeClr val="accent6"/>
+          </a:fillRef>
+          <a:effectRef idx="0">
+            <a:schemeClr val="accent6"/>
+          </a:effectRef>
+          <a:fontRef idx="minor">
+            <a:schemeClr val="lt1"/>
+          </a:fontRef>
+        </p:style>
+        <p:txBody>
+          <a:bodyPr rtlCol="0" anchor="ctr"/>
+          <a:lstStyle/>
+          <a:p>
+            <a:pPr>
+              <a:lnSpc>
+                <a:spcPts val="1425"/>
+              </a:lnSpc>
+            </a:pPr>
+            <a:r>
+              <a:rPr lang="en-US" sz="1400" b="0" dirty="0">
+                <a:solidFill>
+                  <a:srgbClr val="D6D6DD"/>
+                </a:solidFill>
+                <a:effectLst/>
+                <a:latin typeface="Consolas" panose="020B0609020204030204" pitchFamily="49" charset="0"/>
+              </a:rPr>
+              <a:t>POST /rules</a:t>
+            </a:r>
+          </a:p>
+          <a:p>
+            <a:pPr>
+              <a:lnSpc>
+                <a:spcPts val="1425"/>
+              </a:lnSpc>
+            </a:pPr>
+            <a:r>
+              <a:rPr lang="en-US" altLang="zh-CN" sz="1400" b="0" dirty="0">
+                <a:solidFill>
+                  <a:srgbClr val="D6D6DD"/>
+                </a:solidFill>
+                <a:effectLst/>
+                <a:latin typeface="Consolas" panose="020B0609020204030204" pitchFamily="49" charset="0"/>
+              </a:rPr>
+              <a:t>OR</a:t>
+            </a:r>
+            <a:endParaRPr lang="en-US" sz="1400" b="0" dirty="0">
+              <a:solidFill>
+                <a:srgbClr val="D6D6DD"/>
+              </a:solidFill>
+              <a:effectLst/>
+              <a:latin typeface="Consolas" panose="020B0609020204030204" pitchFamily="49" charset="0"/>
+            </a:endParaRPr>
+          </a:p>
+          <a:p>
+            <a:pPr>
+              <a:lnSpc>
+                <a:spcPts val="1425"/>
+              </a:lnSpc>
+            </a:pPr>
+            <a:r>
+              <a:rPr lang="en-US" sz="1400" b="0" dirty="0">
+                <a:solidFill>
+                  <a:srgbClr val="D6D6DD"/>
+                </a:solidFill>
+                <a:effectLst/>
+                <a:latin typeface="Consolas" panose="020B0609020204030204" pitchFamily="49" charset="0"/>
+              </a:rPr>
+              <a:t>PUT /rules/{</a:t>
+            </a:r>
+            <a:r>
+              <a:rPr lang="en-US" sz="1400" b="0" dirty="0" err="1">
+                <a:solidFill>
+                  <a:srgbClr val="D6D6DD"/>
+                </a:solidFill>
+                <a:effectLst/>
+                <a:latin typeface="Consolas" panose="020B0609020204030204" pitchFamily="49" charset="0"/>
+              </a:rPr>
+              <a:t>rule_id</a:t>
+            </a:r>
+            <a:r>
+              <a:rPr lang="en-US" sz="1400" b="0" dirty="0">
+                <a:solidFill>
+                  <a:srgbClr val="D6D6DD"/>
+                </a:solidFill>
+                <a:effectLst/>
+                <a:latin typeface="Consolas" panose="020B0609020204030204" pitchFamily="49" charset="0"/>
+              </a:rPr>
+              <a:t>}</a:t>
+            </a:r>
+          </a:p>
+        </p:txBody>
+      </p:sp>
+    </p:spTree>
+    <p:extLst>
+      <p:ext uri="{BB962C8B-B14F-4D97-AF65-F5344CB8AC3E}">
+        <p14:creationId xmlns:p14="http://schemas.microsoft.com/office/powerpoint/2010/main" val="3014797150"/>
+      </p:ext>
+    </p:extLst>
+  </p:cSld>
+  <p:clrMapOvr>
+    <a:masterClrMapping/>
+  </p:clrMapOvr>
+</p:sld>
+</file>
+
+<file path=ppt/slides/slide11.xml><?xml version="1.0" encoding="utf-8"?>
+<p:sld xmlns:a="http://schemas.openxmlformats.org/drawingml/2006/main" xmlns:r="http://schemas.openxmlformats.org/officeDocument/2006/relationships" xmlns:p="http://schemas.openxmlformats.org/presentationml/2006/main">
+  <p:cSld>
+    <p:spTree>
+      <p:nvGrpSpPr>
         <p:cNvPr id="1" name=""/>
         <p:cNvGrpSpPr/>
         <p:nvPr/>
@@ -6871,6 +9768,64 @@
             <a:r>
               <a:rPr lang="en-US" dirty="0"/>
               <a:t>Also, we don’t have to implement the change password feature.</a:t>
+            </a:r>
+          </a:p>
+        </p:txBody>
+      </p:sp>
+      <p:sp>
+        <p:nvSpPr>
+          <p:cNvPr id="4" name="Speech Bubble: Rectangle 3">
+            <a:extLst>
+              <a:ext uri="{FF2B5EF4-FFF2-40B4-BE49-F238E27FC236}">
+                <a16:creationId xmlns:a16="http://schemas.microsoft.com/office/drawing/2014/main" id="{46271BFE-F6CC-4607-2F80-23EE90CC3C92}"/>
+              </a:ext>
+            </a:extLst>
+          </p:cNvPr>
+          <p:cNvSpPr/>
+          <p:nvPr/>
+        </p:nvSpPr>
+        <p:spPr>
+          <a:xfrm>
+            <a:off x="6912170" y="1564447"/>
+            <a:ext cx="1971811" cy="632713"/>
+          </a:xfrm>
+          <a:prstGeom prst="wedgeRectCallout">
+            <a:avLst>
+              <a:gd name="adj1" fmla="val -21053"/>
+              <a:gd name="adj2" fmla="val 73459"/>
+            </a:avLst>
+          </a:prstGeom>
+        </p:spPr>
+        <p:style>
+          <a:lnRef idx="2">
+            <a:schemeClr val="accent6">
+              <a:shade val="15000"/>
+            </a:schemeClr>
+          </a:lnRef>
+          <a:fillRef idx="1">
+            <a:schemeClr val="accent6"/>
+          </a:fillRef>
+          <a:effectRef idx="0">
+            <a:schemeClr val="accent6"/>
+          </a:effectRef>
+          <a:fontRef idx="minor">
+            <a:schemeClr val="lt1"/>
+          </a:fontRef>
+        </p:style>
+        <p:txBody>
+          <a:bodyPr rtlCol="0" anchor="ctr"/>
+          <a:lstStyle/>
+          <a:p>
+            <a:pPr algn="ctr"/>
+            <a:r>
+              <a:rPr lang="en-US" sz="1400" b="0" dirty="0">
+                <a:solidFill>
+                  <a:srgbClr val="D6D6DD"/>
+                </a:solidFill>
+                <a:effectLst/>
+                <a:latin typeface="Consolas" panose="020B0609020204030204" pitchFamily="49" charset="0"/>
+              </a:rPr>
+              <a:t>POST /auth/login</a:t>
             </a:r>
           </a:p>
         </p:txBody>
@@ -14012,6 +16967,3138 @@
   <p:cSld>
     <p:spTree>
       <p:nvGrpSpPr>
+        <p:cNvPr id="1" name="">
+          <a:extLst>
+            <a:ext uri="{FF2B5EF4-FFF2-40B4-BE49-F238E27FC236}">
+              <a16:creationId xmlns:a16="http://schemas.microsoft.com/office/drawing/2014/main" id="{725E364D-C84C-1A98-B477-759FCE2DEC02}"/>
+            </a:ext>
+          </a:extLst>
+        </p:cNvPr>
+        <p:cNvGrpSpPr/>
+        <p:nvPr/>
+      </p:nvGrpSpPr>
+      <p:grpSpPr>
+        <a:xfrm>
+          <a:off x="0" y="0"/>
+          <a:ext cx="0" cy="0"/>
+          <a:chOff x="0" y="0"/>
+          <a:chExt cx="0" cy="0"/>
+        </a:xfrm>
+      </p:grpSpPr>
+      <p:sp>
+        <p:nvSpPr>
+          <p:cNvPr id="2" name="Rectangle 1">
+            <a:extLst>
+              <a:ext uri="{FF2B5EF4-FFF2-40B4-BE49-F238E27FC236}">
+                <a16:creationId xmlns:a16="http://schemas.microsoft.com/office/drawing/2014/main" id="{3B619F05-7405-4CE3-C676-F09FB256A2C6}"/>
+              </a:ext>
+            </a:extLst>
+          </p:cNvPr>
+          <p:cNvSpPr/>
+          <p:nvPr/>
+        </p:nvSpPr>
+        <p:spPr>
+          <a:xfrm>
+            <a:off x="-1" y="0"/>
+            <a:ext cx="846667" cy="6858000"/>
+          </a:xfrm>
+          <a:prstGeom prst="rect">
+            <a:avLst/>
+          </a:prstGeom>
+        </p:spPr>
+        <p:style>
+          <a:lnRef idx="2">
+            <a:schemeClr val="accent1">
+              <a:shade val="15000"/>
+            </a:schemeClr>
+          </a:lnRef>
+          <a:fillRef idx="1">
+            <a:schemeClr val="accent1"/>
+          </a:fillRef>
+          <a:effectRef idx="0">
+            <a:schemeClr val="accent1"/>
+          </a:effectRef>
+          <a:fontRef idx="minor">
+            <a:schemeClr val="lt1"/>
+          </a:fontRef>
+        </p:style>
+        <p:txBody>
+          <a:bodyPr rtlCol="0" anchor="ctr"/>
+          <a:lstStyle/>
+          <a:p>
+            <a:pPr algn="ctr"/>
+            <a:endParaRPr lang="en-US"/>
+          </a:p>
+        </p:txBody>
+      </p:sp>
+      <p:sp>
+        <p:nvSpPr>
+          <p:cNvPr id="3" name="Rectangle 2">
+            <a:extLst>
+              <a:ext uri="{FF2B5EF4-FFF2-40B4-BE49-F238E27FC236}">
+                <a16:creationId xmlns:a16="http://schemas.microsoft.com/office/drawing/2014/main" id="{EDFA51BA-2A81-BD07-644E-3DEAA95B3D5C}"/>
+              </a:ext>
+            </a:extLst>
+          </p:cNvPr>
+          <p:cNvSpPr/>
+          <p:nvPr/>
+        </p:nvSpPr>
+        <p:spPr>
+          <a:xfrm>
+            <a:off x="846666" y="0"/>
+            <a:ext cx="11345334" cy="566057"/>
+          </a:xfrm>
+          <a:prstGeom prst="rect">
+            <a:avLst/>
+          </a:prstGeom>
+        </p:spPr>
+        <p:style>
+          <a:lnRef idx="2">
+            <a:schemeClr val="accent1">
+              <a:shade val="15000"/>
+            </a:schemeClr>
+          </a:lnRef>
+          <a:fillRef idx="1">
+            <a:schemeClr val="accent1"/>
+          </a:fillRef>
+          <a:effectRef idx="0">
+            <a:schemeClr val="accent1"/>
+          </a:effectRef>
+          <a:fontRef idx="minor">
+            <a:schemeClr val="lt1"/>
+          </a:fontRef>
+        </p:style>
+        <p:txBody>
+          <a:bodyPr rtlCol="0" anchor="ctr"/>
+          <a:lstStyle/>
+          <a:p>
+            <a:pPr algn="ctr"/>
+            <a:endParaRPr lang="en-US"/>
+          </a:p>
+        </p:txBody>
+      </p:sp>
+      <p:sp>
+        <p:nvSpPr>
+          <p:cNvPr id="4" name="TextBox 3">
+            <a:extLst>
+              <a:ext uri="{FF2B5EF4-FFF2-40B4-BE49-F238E27FC236}">
+                <a16:creationId xmlns:a16="http://schemas.microsoft.com/office/drawing/2014/main" id="{9CA0D051-B663-C6AE-D4C5-C8E5199C28A2}"/>
+              </a:ext>
+            </a:extLst>
+          </p:cNvPr>
+          <p:cNvSpPr txBox="1"/>
+          <p:nvPr/>
+        </p:nvSpPr>
+        <p:spPr>
+          <a:xfrm>
+            <a:off x="1040190" y="696686"/>
+            <a:ext cx="1422400" cy="369332"/>
+          </a:xfrm>
+          <a:prstGeom prst="rect">
+            <a:avLst/>
+          </a:prstGeom>
+          <a:noFill/>
+        </p:spPr>
+        <p:txBody>
+          <a:bodyPr wrap="square" rtlCol="0">
+            <a:spAutoFit/>
+          </a:bodyPr>
+          <a:lstStyle/>
+          <a:p>
+            <a:r>
+              <a:rPr lang="en-US" altLang="zh-CN" b="1" dirty="0"/>
+              <a:t>Sensors</a:t>
+            </a:r>
+            <a:endParaRPr lang="en-US" b="1" dirty="0"/>
+          </a:p>
+        </p:txBody>
+      </p:sp>
+      <p:sp>
+        <p:nvSpPr>
+          <p:cNvPr id="10" name="TextBox 9">
+            <a:extLst>
+              <a:ext uri="{FF2B5EF4-FFF2-40B4-BE49-F238E27FC236}">
+                <a16:creationId xmlns:a16="http://schemas.microsoft.com/office/drawing/2014/main" id="{87EC2C61-9CE7-2C81-1BE8-1A1DDCDCA11F}"/>
+              </a:ext>
+            </a:extLst>
+          </p:cNvPr>
+          <p:cNvSpPr txBox="1"/>
+          <p:nvPr/>
+        </p:nvSpPr>
+        <p:spPr>
+          <a:xfrm>
+            <a:off x="1040190" y="3473325"/>
+            <a:ext cx="1422400" cy="369332"/>
+          </a:xfrm>
+          <a:prstGeom prst="rect">
+            <a:avLst/>
+          </a:prstGeom>
+          <a:noFill/>
+        </p:spPr>
+        <p:txBody>
+          <a:bodyPr wrap="square" rtlCol="0">
+            <a:spAutoFit/>
+          </a:bodyPr>
+          <a:lstStyle/>
+          <a:p>
+            <a:r>
+              <a:rPr lang="en-US" altLang="zh-CN" b="1" dirty="0"/>
+              <a:t>Controller</a:t>
+            </a:r>
+            <a:endParaRPr lang="en-US" b="1" dirty="0"/>
+          </a:p>
+        </p:txBody>
+      </p:sp>
+      <p:pic>
+        <p:nvPicPr>
+          <p:cNvPr id="1030" name="Picture 6" descr="Horizontally stacked cards">
+            <a:extLst>
+              <a:ext uri="{FF2B5EF4-FFF2-40B4-BE49-F238E27FC236}">
+                <a16:creationId xmlns:a16="http://schemas.microsoft.com/office/drawing/2014/main" id="{DF3B05C0-1A43-F358-977B-52CA2C220D05}"/>
+              </a:ext>
+            </a:extLst>
+          </p:cNvPr>
+          <p:cNvPicPr>
+            <a:picLocks noChangeAspect="1" noChangeArrowheads="1"/>
+          </p:cNvPicPr>
+          <p:nvPr/>
+        </p:nvPicPr>
+        <p:blipFill>
+          <a:blip r:embed="rId2">
+            <a:extLst>
+              <a:ext uri="{28A0092B-C50C-407E-A947-70E740481C1C}">
+                <a14:useLocalDpi xmlns:a14="http://schemas.microsoft.com/office/drawing/2010/main" val="0"/>
+              </a:ext>
+            </a:extLst>
+          </a:blip>
+          <a:srcRect/>
+          <a:stretch>
+            <a:fillRect/>
+          </a:stretch>
+        </p:blipFill>
+        <p:spPr bwMode="auto">
+          <a:xfrm>
+            <a:off x="1161685" y="1196647"/>
+            <a:ext cx="4762500" cy="1438275"/>
+          </a:xfrm>
+          <a:prstGeom prst="rect">
+            <a:avLst/>
+          </a:prstGeom>
+          <a:noFill/>
+          <a:extLst>
+            <a:ext uri="{909E8E84-426E-40DD-AFC4-6F175D3DCCD1}">
+              <a14:hiddenFill xmlns:a14="http://schemas.microsoft.com/office/drawing/2010/main">
+                <a:solidFill>
+                  <a:srgbClr val="FFFFFF"/>
+                </a:solidFill>
+              </a14:hiddenFill>
+            </a:ext>
+          </a:extLst>
+        </p:spPr>
+      </p:pic>
+      <p:sp>
+        <p:nvSpPr>
+          <p:cNvPr id="14" name="home-black-shape_37489">
+            <a:extLst>
+              <a:ext uri="{FF2B5EF4-FFF2-40B4-BE49-F238E27FC236}">
+                <a16:creationId xmlns:a16="http://schemas.microsoft.com/office/drawing/2014/main" id="{C6E72479-D5E1-BE56-BC85-2D7060E3B76C}"/>
+              </a:ext>
+            </a:extLst>
+          </p:cNvPr>
+          <p:cNvSpPr/>
+          <p:nvPr/>
+        </p:nvSpPr>
+        <p:spPr>
+          <a:xfrm>
+            <a:off x="193741" y="794660"/>
+            <a:ext cx="456199" cy="435472"/>
+          </a:xfrm>
+          <a:custGeom>
+            <a:avLst/>
+            <a:gdLst>
+              <a:gd name="T0" fmla="*/ 3512 w 6292"/>
+              <a:gd name="T1" fmla="*/ 203 h 6774"/>
+              <a:gd name="T2" fmla="*/ 2779 w 6292"/>
+              <a:gd name="T3" fmla="*/ 203 h 6774"/>
+              <a:gd name="T4" fmla="*/ 202 w 6292"/>
+              <a:gd name="T5" fmla="*/ 2780 h 6774"/>
+              <a:gd name="T6" fmla="*/ 354 w 6292"/>
+              <a:gd name="T7" fmla="*/ 3146 h 6774"/>
+              <a:gd name="T8" fmla="*/ 548 w 6292"/>
+              <a:gd name="T9" fmla="*/ 3146 h 6774"/>
+              <a:gd name="T10" fmla="*/ 548 w 6292"/>
+              <a:gd name="T11" fmla="*/ 6611 h 6774"/>
+              <a:gd name="T12" fmla="*/ 711 w 6292"/>
+              <a:gd name="T13" fmla="*/ 6774 h 6774"/>
+              <a:gd name="T14" fmla="*/ 2398 w 6292"/>
+              <a:gd name="T15" fmla="*/ 6774 h 6774"/>
+              <a:gd name="T16" fmla="*/ 2398 w 6292"/>
+              <a:gd name="T17" fmla="*/ 4979 h 6774"/>
+              <a:gd name="T18" fmla="*/ 2561 w 6292"/>
+              <a:gd name="T19" fmla="*/ 4816 h 6774"/>
+              <a:gd name="T20" fmla="*/ 3731 w 6292"/>
+              <a:gd name="T21" fmla="*/ 4816 h 6774"/>
+              <a:gd name="T22" fmla="*/ 3894 w 6292"/>
+              <a:gd name="T23" fmla="*/ 4979 h 6774"/>
+              <a:gd name="T24" fmla="*/ 3894 w 6292"/>
+              <a:gd name="T25" fmla="*/ 6774 h 6774"/>
+              <a:gd name="T26" fmla="*/ 5580 w 6292"/>
+              <a:gd name="T27" fmla="*/ 6774 h 6774"/>
+              <a:gd name="T28" fmla="*/ 5743 w 6292"/>
+              <a:gd name="T29" fmla="*/ 6611 h 6774"/>
+              <a:gd name="T30" fmla="*/ 5743 w 6292"/>
+              <a:gd name="T31" fmla="*/ 3146 h 6774"/>
+              <a:gd name="T32" fmla="*/ 5937 w 6292"/>
+              <a:gd name="T33" fmla="*/ 3146 h 6774"/>
+              <a:gd name="T34" fmla="*/ 6089 w 6292"/>
+              <a:gd name="T35" fmla="*/ 2780 h 6774"/>
+              <a:gd name="T36" fmla="*/ 3512 w 6292"/>
+              <a:gd name="T37" fmla="*/ 203 h 6774"/>
+            </a:gdLst>
+            <a:ahLst/>
+            <a:cxnLst>
+              <a:cxn ang="0">
+                <a:pos x="T0" y="T1"/>
+              </a:cxn>
+              <a:cxn ang="0">
+                <a:pos x="T2" y="T3"/>
+              </a:cxn>
+              <a:cxn ang="0">
+                <a:pos x="T4" y="T5"/>
+              </a:cxn>
+              <a:cxn ang="0">
+                <a:pos x="T6" y="T7"/>
+              </a:cxn>
+              <a:cxn ang="0">
+                <a:pos x="T8" y="T9"/>
+              </a:cxn>
+              <a:cxn ang="0">
+                <a:pos x="T10" y="T11"/>
+              </a:cxn>
+              <a:cxn ang="0">
+                <a:pos x="T12" y="T13"/>
+              </a:cxn>
+              <a:cxn ang="0">
+                <a:pos x="T14" y="T15"/>
+              </a:cxn>
+              <a:cxn ang="0">
+                <a:pos x="T16" y="T17"/>
+              </a:cxn>
+              <a:cxn ang="0">
+                <a:pos x="T18" y="T19"/>
+              </a:cxn>
+              <a:cxn ang="0">
+                <a:pos x="T20" y="T21"/>
+              </a:cxn>
+              <a:cxn ang="0">
+                <a:pos x="T22" y="T23"/>
+              </a:cxn>
+              <a:cxn ang="0">
+                <a:pos x="T24" y="T25"/>
+              </a:cxn>
+              <a:cxn ang="0">
+                <a:pos x="T26" y="T27"/>
+              </a:cxn>
+              <a:cxn ang="0">
+                <a:pos x="T28" y="T29"/>
+              </a:cxn>
+              <a:cxn ang="0">
+                <a:pos x="T30" y="T31"/>
+              </a:cxn>
+              <a:cxn ang="0">
+                <a:pos x="T32" y="T33"/>
+              </a:cxn>
+              <a:cxn ang="0">
+                <a:pos x="T34" y="T35"/>
+              </a:cxn>
+              <a:cxn ang="0">
+                <a:pos x="T36" y="T37"/>
+              </a:cxn>
+            </a:cxnLst>
+            <a:rect l="0" t="0" r="r" b="b"/>
+            <a:pathLst>
+              <a:path w="6292" h="6774">
+                <a:moveTo>
+                  <a:pt x="3512" y="203"/>
+                </a:moveTo>
+                <a:cubicBezTo>
+                  <a:pt x="3310" y="0"/>
+                  <a:pt x="2982" y="0"/>
+                  <a:pt x="2779" y="203"/>
+                </a:cubicBezTo>
+                <a:lnTo>
+                  <a:pt x="202" y="2780"/>
+                </a:lnTo>
+                <a:cubicBezTo>
+                  <a:pt x="0" y="2982"/>
+                  <a:pt x="68" y="3146"/>
+                  <a:pt x="354" y="3146"/>
+                </a:cubicBezTo>
+                <a:lnTo>
+                  <a:pt x="548" y="3146"/>
+                </a:lnTo>
+                <a:lnTo>
+                  <a:pt x="548" y="6611"/>
+                </a:lnTo>
+                <a:cubicBezTo>
+                  <a:pt x="548" y="6701"/>
+                  <a:pt x="621" y="6774"/>
+                  <a:pt x="711" y="6774"/>
+                </a:cubicBezTo>
+                <a:lnTo>
+                  <a:pt x="2398" y="6774"/>
+                </a:lnTo>
+                <a:lnTo>
+                  <a:pt x="2398" y="4979"/>
+                </a:lnTo>
+                <a:cubicBezTo>
+                  <a:pt x="2398" y="4889"/>
+                  <a:pt x="2471" y="4816"/>
+                  <a:pt x="2561" y="4816"/>
+                </a:cubicBezTo>
+                <a:lnTo>
+                  <a:pt x="3731" y="4816"/>
+                </a:lnTo>
+                <a:cubicBezTo>
+                  <a:pt x="3821" y="4816"/>
+                  <a:pt x="3894" y="4889"/>
+                  <a:pt x="3894" y="4979"/>
+                </a:cubicBezTo>
+                <a:lnTo>
+                  <a:pt x="3894" y="6774"/>
+                </a:lnTo>
+                <a:lnTo>
+                  <a:pt x="5580" y="6774"/>
+                </a:lnTo>
+                <a:cubicBezTo>
+                  <a:pt x="5670" y="6774"/>
+                  <a:pt x="5743" y="6701"/>
+                  <a:pt x="5743" y="6611"/>
+                </a:cubicBezTo>
+                <a:lnTo>
+                  <a:pt x="5743" y="3146"/>
+                </a:lnTo>
+                <a:lnTo>
+                  <a:pt x="5937" y="3146"/>
+                </a:lnTo>
+                <a:cubicBezTo>
+                  <a:pt x="6224" y="3146"/>
+                  <a:pt x="6292" y="2982"/>
+                  <a:pt x="6089" y="2780"/>
+                </a:cubicBezTo>
+                <a:lnTo>
+                  <a:pt x="3512" y="203"/>
+                </a:lnTo>
+                <a:close/>
+              </a:path>
+            </a:pathLst>
+          </a:custGeom>
+          <a:solidFill>
+            <a:schemeClr val="bg1"/>
+          </a:solidFill>
+          <a:ln>
+            <a:noFill/>
+          </a:ln>
+        </p:spPr>
+        <p:style>
+          <a:lnRef idx="2">
+            <a:schemeClr val="accent1">
+              <a:shade val="50000"/>
+            </a:schemeClr>
+          </a:lnRef>
+          <a:fillRef idx="1">
+            <a:schemeClr val="accent1"/>
+          </a:fillRef>
+          <a:effectRef idx="0">
+            <a:schemeClr val="accent1"/>
+          </a:effectRef>
+          <a:fontRef idx="minor">
+            <a:schemeClr val="lt1"/>
+          </a:fontRef>
+        </p:style>
+        <p:txBody>
+          <a:bodyPr rtlCol="0" anchor="ctr"/>
+          <a:lstStyle/>
+          <a:p>
+            <a:pPr algn="ctr"/>
+            <a:endParaRPr lang="en-US"/>
+          </a:p>
+        </p:txBody>
+      </p:sp>
+      <p:sp>
+        <p:nvSpPr>
+          <p:cNvPr id="15" name="settings_101770">
+            <a:extLst>
+              <a:ext uri="{FF2B5EF4-FFF2-40B4-BE49-F238E27FC236}">
+                <a16:creationId xmlns:a16="http://schemas.microsoft.com/office/drawing/2014/main" id="{422AC731-F381-7797-38AB-51FA7D297B9C}"/>
+              </a:ext>
+            </a:extLst>
+          </p:cNvPr>
+          <p:cNvSpPr/>
+          <p:nvPr/>
+        </p:nvSpPr>
+        <p:spPr>
+          <a:xfrm>
+            <a:off x="193741" y="2253729"/>
+            <a:ext cx="456199" cy="435472"/>
+          </a:xfrm>
+          <a:custGeom>
+            <a:avLst/>
+            <a:gdLst>
+              <a:gd name="T0" fmla="*/ 447 w 3046"/>
+              <a:gd name="T1" fmla="*/ 2203 h 3046"/>
+              <a:gd name="T2" fmla="*/ 248 w 3046"/>
+              <a:gd name="T3" fmla="*/ 2402 h 3046"/>
+              <a:gd name="T4" fmla="*/ 644 w 3046"/>
+              <a:gd name="T5" fmla="*/ 2798 h 3046"/>
+              <a:gd name="T6" fmla="*/ 843 w 3046"/>
+              <a:gd name="T7" fmla="*/ 2599 h 3046"/>
+              <a:gd name="T8" fmla="*/ 1243 w 3046"/>
+              <a:gd name="T9" fmla="*/ 2765 h 3046"/>
+              <a:gd name="T10" fmla="*/ 1243 w 3046"/>
+              <a:gd name="T11" fmla="*/ 3046 h 3046"/>
+              <a:gd name="T12" fmla="*/ 1803 w 3046"/>
+              <a:gd name="T13" fmla="*/ 3046 h 3046"/>
+              <a:gd name="T14" fmla="*/ 1803 w 3046"/>
+              <a:gd name="T15" fmla="*/ 2765 h 3046"/>
+              <a:gd name="T16" fmla="*/ 2203 w 3046"/>
+              <a:gd name="T17" fmla="*/ 2599 h 3046"/>
+              <a:gd name="T18" fmla="*/ 2402 w 3046"/>
+              <a:gd name="T19" fmla="*/ 2798 h 3046"/>
+              <a:gd name="T20" fmla="*/ 2798 w 3046"/>
+              <a:gd name="T21" fmla="*/ 2402 h 3046"/>
+              <a:gd name="T22" fmla="*/ 2599 w 3046"/>
+              <a:gd name="T23" fmla="*/ 2203 h 3046"/>
+              <a:gd name="T24" fmla="*/ 2765 w 3046"/>
+              <a:gd name="T25" fmla="*/ 1803 h 3046"/>
+              <a:gd name="T26" fmla="*/ 3046 w 3046"/>
+              <a:gd name="T27" fmla="*/ 1803 h 3046"/>
+              <a:gd name="T28" fmla="*/ 3046 w 3046"/>
+              <a:gd name="T29" fmla="*/ 1243 h 3046"/>
+              <a:gd name="T30" fmla="*/ 2765 w 3046"/>
+              <a:gd name="T31" fmla="*/ 1243 h 3046"/>
+              <a:gd name="T32" fmla="*/ 2599 w 3046"/>
+              <a:gd name="T33" fmla="*/ 843 h 3046"/>
+              <a:gd name="T34" fmla="*/ 2798 w 3046"/>
+              <a:gd name="T35" fmla="*/ 644 h 3046"/>
+              <a:gd name="T36" fmla="*/ 2402 w 3046"/>
+              <a:gd name="T37" fmla="*/ 248 h 3046"/>
+              <a:gd name="T38" fmla="*/ 2203 w 3046"/>
+              <a:gd name="T39" fmla="*/ 447 h 3046"/>
+              <a:gd name="T40" fmla="*/ 1803 w 3046"/>
+              <a:gd name="T41" fmla="*/ 281 h 3046"/>
+              <a:gd name="T42" fmla="*/ 1803 w 3046"/>
+              <a:gd name="T43" fmla="*/ 0 h 3046"/>
+              <a:gd name="T44" fmla="*/ 1243 w 3046"/>
+              <a:gd name="T45" fmla="*/ 0 h 3046"/>
+              <a:gd name="T46" fmla="*/ 1243 w 3046"/>
+              <a:gd name="T47" fmla="*/ 281 h 3046"/>
+              <a:gd name="T48" fmla="*/ 843 w 3046"/>
+              <a:gd name="T49" fmla="*/ 447 h 3046"/>
+              <a:gd name="T50" fmla="*/ 644 w 3046"/>
+              <a:gd name="T51" fmla="*/ 248 h 3046"/>
+              <a:gd name="T52" fmla="*/ 248 w 3046"/>
+              <a:gd name="T53" fmla="*/ 644 h 3046"/>
+              <a:gd name="T54" fmla="*/ 447 w 3046"/>
+              <a:gd name="T55" fmla="*/ 843 h 3046"/>
+              <a:gd name="T56" fmla="*/ 281 w 3046"/>
+              <a:gd name="T57" fmla="*/ 1243 h 3046"/>
+              <a:gd name="T58" fmla="*/ 0 w 3046"/>
+              <a:gd name="T59" fmla="*/ 1243 h 3046"/>
+              <a:gd name="T60" fmla="*/ 0 w 3046"/>
+              <a:gd name="T61" fmla="*/ 1803 h 3046"/>
+              <a:gd name="T62" fmla="*/ 281 w 3046"/>
+              <a:gd name="T63" fmla="*/ 1803 h 3046"/>
+              <a:gd name="T64" fmla="*/ 447 w 3046"/>
+              <a:gd name="T65" fmla="*/ 2203 h 3046"/>
+              <a:gd name="T66" fmla="*/ 1523 w 3046"/>
+              <a:gd name="T67" fmla="*/ 782 h 3046"/>
+              <a:gd name="T68" fmla="*/ 2264 w 3046"/>
+              <a:gd name="T69" fmla="*/ 1523 h 3046"/>
+              <a:gd name="T70" fmla="*/ 1523 w 3046"/>
+              <a:gd name="T71" fmla="*/ 2264 h 3046"/>
+              <a:gd name="T72" fmla="*/ 782 w 3046"/>
+              <a:gd name="T73" fmla="*/ 1523 h 3046"/>
+              <a:gd name="T74" fmla="*/ 1523 w 3046"/>
+              <a:gd name="T75" fmla="*/ 782 h 3046"/>
+            </a:gdLst>
+            <a:ahLst/>
+            <a:cxnLst>
+              <a:cxn ang="0">
+                <a:pos x="T0" y="T1"/>
+              </a:cxn>
+              <a:cxn ang="0">
+                <a:pos x="T2" y="T3"/>
+              </a:cxn>
+              <a:cxn ang="0">
+                <a:pos x="T4" y="T5"/>
+              </a:cxn>
+              <a:cxn ang="0">
+                <a:pos x="T6" y="T7"/>
+              </a:cxn>
+              <a:cxn ang="0">
+                <a:pos x="T8" y="T9"/>
+              </a:cxn>
+              <a:cxn ang="0">
+                <a:pos x="T10" y="T11"/>
+              </a:cxn>
+              <a:cxn ang="0">
+                <a:pos x="T12" y="T13"/>
+              </a:cxn>
+              <a:cxn ang="0">
+                <a:pos x="T14" y="T15"/>
+              </a:cxn>
+              <a:cxn ang="0">
+                <a:pos x="T16" y="T17"/>
+              </a:cxn>
+              <a:cxn ang="0">
+                <a:pos x="T18" y="T19"/>
+              </a:cxn>
+              <a:cxn ang="0">
+                <a:pos x="T20" y="T21"/>
+              </a:cxn>
+              <a:cxn ang="0">
+                <a:pos x="T22" y="T23"/>
+              </a:cxn>
+              <a:cxn ang="0">
+                <a:pos x="T24" y="T25"/>
+              </a:cxn>
+              <a:cxn ang="0">
+                <a:pos x="T26" y="T27"/>
+              </a:cxn>
+              <a:cxn ang="0">
+                <a:pos x="T28" y="T29"/>
+              </a:cxn>
+              <a:cxn ang="0">
+                <a:pos x="T30" y="T31"/>
+              </a:cxn>
+              <a:cxn ang="0">
+                <a:pos x="T32" y="T33"/>
+              </a:cxn>
+              <a:cxn ang="0">
+                <a:pos x="T34" y="T35"/>
+              </a:cxn>
+              <a:cxn ang="0">
+                <a:pos x="T36" y="T37"/>
+              </a:cxn>
+              <a:cxn ang="0">
+                <a:pos x="T38" y="T39"/>
+              </a:cxn>
+              <a:cxn ang="0">
+                <a:pos x="T40" y="T41"/>
+              </a:cxn>
+              <a:cxn ang="0">
+                <a:pos x="T42" y="T43"/>
+              </a:cxn>
+              <a:cxn ang="0">
+                <a:pos x="T44" y="T45"/>
+              </a:cxn>
+              <a:cxn ang="0">
+                <a:pos x="T46" y="T47"/>
+              </a:cxn>
+              <a:cxn ang="0">
+                <a:pos x="T48" y="T49"/>
+              </a:cxn>
+              <a:cxn ang="0">
+                <a:pos x="T50" y="T51"/>
+              </a:cxn>
+              <a:cxn ang="0">
+                <a:pos x="T52" y="T53"/>
+              </a:cxn>
+              <a:cxn ang="0">
+                <a:pos x="T54" y="T55"/>
+              </a:cxn>
+              <a:cxn ang="0">
+                <a:pos x="T56" y="T57"/>
+              </a:cxn>
+              <a:cxn ang="0">
+                <a:pos x="T58" y="T59"/>
+              </a:cxn>
+              <a:cxn ang="0">
+                <a:pos x="T60" y="T61"/>
+              </a:cxn>
+              <a:cxn ang="0">
+                <a:pos x="T62" y="T63"/>
+              </a:cxn>
+              <a:cxn ang="0">
+                <a:pos x="T64" y="T65"/>
+              </a:cxn>
+              <a:cxn ang="0">
+                <a:pos x="T66" y="T67"/>
+              </a:cxn>
+              <a:cxn ang="0">
+                <a:pos x="T68" y="T69"/>
+              </a:cxn>
+              <a:cxn ang="0">
+                <a:pos x="T70" y="T71"/>
+              </a:cxn>
+              <a:cxn ang="0">
+                <a:pos x="T72" y="T73"/>
+              </a:cxn>
+              <a:cxn ang="0">
+                <a:pos x="T74" y="T75"/>
+              </a:cxn>
+            </a:cxnLst>
+            <a:rect l="0" t="0" r="r" b="b"/>
+            <a:pathLst>
+              <a:path w="3046" h="3046">
+                <a:moveTo>
+                  <a:pt x="447" y="2203"/>
+                </a:moveTo>
+                <a:lnTo>
+                  <a:pt x="248" y="2402"/>
+                </a:lnTo>
+                <a:lnTo>
+                  <a:pt x="644" y="2798"/>
+                </a:lnTo>
+                <a:lnTo>
+                  <a:pt x="843" y="2599"/>
+                </a:lnTo>
+                <a:cubicBezTo>
+                  <a:pt x="964" y="2676"/>
+                  <a:pt x="1099" y="2733"/>
+                  <a:pt x="1243" y="2765"/>
+                </a:cubicBezTo>
+                <a:lnTo>
+                  <a:pt x="1243" y="3046"/>
+                </a:lnTo>
+                <a:lnTo>
+                  <a:pt x="1803" y="3046"/>
+                </a:lnTo>
+                <a:lnTo>
+                  <a:pt x="1803" y="2765"/>
+                </a:lnTo>
+                <a:cubicBezTo>
+                  <a:pt x="1947" y="2733"/>
+                  <a:pt x="2082" y="2676"/>
+                  <a:pt x="2203" y="2599"/>
+                </a:cubicBezTo>
+                <a:lnTo>
+                  <a:pt x="2402" y="2798"/>
+                </a:lnTo>
+                <a:lnTo>
+                  <a:pt x="2798" y="2402"/>
+                </a:lnTo>
+                <a:lnTo>
+                  <a:pt x="2599" y="2203"/>
+                </a:lnTo>
+                <a:cubicBezTo>
+                  <a:pt x="2676" y="2082"/>
+                  <a:pt x="2733" y="1947"/>
+                  <a:pt x="2765" y="1803"/>
+                </a:cubicBezTo>
+                <a:lnTo>
+                  <a:pt x="3046" y="1803"/>
+                </a:lnTo>
+                <a:lnTo>
+                  <a:pt x="3046" y="1243"/>
+                </a:lnTo>
+                <a:lnTo>
+                  <a:pt x="2765" y="1243"/>
+                </a:lnTo>
+                <a:cubicBezTo>
+                  <a:pt x="2733" y="1099"/>
+                  <a:pt x="2676" y="964"/>
+                  <a:pt x="2599" y="843"/>
+                </a:cubicBezTo>
+                <a:lnTo>
+                  <a:pt x="2798" y="644"/>
+                </a:lnTo>
+                <a:lnTo>
+                  <a:pt x="2402" y="248"/>
+                </a:lnTo>
+                <a:lnTo>
+                  <a:pt x="2203" y="447"/>
+                </a:lnTo>
+                <a:cubicBezTo>
+                  <a:pt x="2082" y="370"/>
+                  <a:pt x="1947" y="313"/>
+                  <a:pt x="1803" y="281"/>
+                </a:cubicBezTo>
+                <a:lnTo>
+                  <a:pt x="1803" y="0"/>
+                </a:lnTo>
+                <a:lnTo>
+                  <a:pt x="1243" y="0"/>
+                </a:lnTo>
+                <a:lnTo>
+                  <a:pt x="1243" y="281"/>
+                </a:lnTo>
+                <a:cubicBezTo>
+                  <a:pt x="1099" y="313"/>
+                  <a:pt x="964" y="370"/>
+                  <a:pt x="843" y="447"/>
+                </a:cubicBezTo>
+                <a:lnTo>
+                  <a:pt x="644" y="248"/>
+                </a:lnTo>
+                <a:lnTo>
+                  <a:pt x="248" y="644"/>
+                </a:lnTo>
+                <a:lnTo>
+                  <a:pt x="447" y="843"/>
+                </a:lnTo>
+                <a:cubicBezTo>
+                  <a:pt x="370" y="964"/>
+                  <a:pt x="313" y="1099"/>
+                  <a:pt x="281" y="1243"/>
+                </a:cubicBezTo>
+                <a:lnTo>
+                  <a:pt x="0" y="1243"/>
+                </a:lnTo>
+                <a:lnTo>
+                  <a:pt x="0" y="1803"/>
+                </a:lnTo>
+                <a:lnTo>
+                  <a:pt x="281" y="1803"/>
+                </a:lnTo>
+                <a:cubicBezTo>
+                  <a:pt x="313" y="1947"/>
+                  <a:pt x="370" y="2082"/>
+                  <a:pt x="447" y="2203"/>
+                </a:cubicBezTo>
+                <a:close/>
+                <a:moveTo>
+                  <a:pt x="1523" y="782"/>
+                </a:moveTo>
+                <a:cubicBezTo>
+                  <a:pt x="1932" y="782"/>
+                  <a:pt x="2264" y="1114"/>
+                  <a:pt x="2264" y="1523"/>
+                </a:cubicBezTo>
+                <a:cubicBezTo>
+                  <a:pt x="2264" y="1932"/>
+                  <a:pt x="1932" y="2264"/>
+                  <a:pt x="1523" y="2264"/>
+                </a:cubicBezTo>
+                <a:cubicBezTo>
+                  <a:pt x="1114" y="2264"/>
+                  <a:pt x="782" y="1932"/>
+                  <a:pt x="782" y="1523"/>
+                </a:cubicBezTo>
+                <a:cubicBezTo>
+                  <a:pt x="782" y="1114"/>
+                  <a:pt x="1114" y="782"/>
+                  <a:pt x="1523" y="782"/>
+                </a:cubicBezTo>
+                <a:close/>
+              </a:path>
+            </a:pathLst>
+          </a:custGeom>
+          <a:solidFill>
+            <a:schemeClr val="bg1"/>
+          </a:solidFill>
+          <a:ln>
+            <a:noFill/>
+          </a:ln>
+        </p:spPr>
+        <p:style>
+          <a:lnRef idx="2">
+            <a:schemeClr val="accent1">
+              <a:shade val="50000"/>
+            </a:schemeClr>
+          </a:lnRef>
+          <a:fillRef idx="1">
+            <a:schemeClr val="accent1"/>
+          </a:fillRef>
+          <a:effectRef idx="0">
+            <a:schemeClr val="accent1"/>
+          </a:effectRef>
+          <a:fontRef idx="minor">
+            <a:schemeClr val="lt1"/>
+          </a:fontRef>
+        </p:style>
+        <p:txBody>
+          <a:bodyPr rtlCol="0" anchor="ctr"/>
+          <a:lstStyle/>
+          <a:p>
+            <a:pPr algn="ctr"/>
+            <a:endParaRPr lang="en-US"/>
+          </a:p>
+        </p:txBody>
+      </p:sp>
+      <p:sp>
+        <p:nvSpPr>
+          <p:cNvPr id="16" name="iconfont-1091-826620">
+            <a:extLst>
+              <a:ext uri="{FF2B5EF4-FFF2-40B4-BE49-F238E27FC236}">
+                <a16:creationId xmlns:a16="http://schemas.microsoft.com/office/drawing/2014/main" id="{6EF5CC37-566C-B079-855A-DEEBA9A07EC8}"/>
+              </a:ext>
+            </a:extLst>
+          </p:cNvPr>
+          <p:cNvSpPr/>
+          <p:nvPr/>
+        </p:nvSpPr>
+        <p:spPr>
+          <a:xfrm>
+            <a:off x="193741" y="1524194"/>
+            <a:ext cx="456199" cy="435472"/>
+          </a:xfrm>
+          <a:custGeom>
+            <a:avLst/>
+            <a:gdLst>
+              <a:gd name="T0" fmla="*/ 2800 w 11200"/>
+              <a:gd name="T1" fmla="*/ 3603 h 11200"/>
+              <a:gd name="T2" fmla="*/ 8400 w 11200"/>
+              <a:gd name="T3" fmla="*/ 3603 h 11200"/>
+              <a:gd name="T4" fmla="*/ 8800 w 11200"/>
+              <a:gd name="T5" fmla="*/ 3203 h 11200"/>
+              <a:gd name="T6" fmla="*/ 8400 w 11200"/>
+              <a:gd name="T7" fmla="*/ 2803 h 11200"/>
+              <a:gd name="T8" fmla="*/ 2800 w 11200"/>
+              <a:gd name="T9" fmla="*/ 2803 h 11200"/>
+              <a:gd name="T10" fmla="*/ 2400 w 11200"/>
+              <a:gd name="T11" fmla="*/ 3203 h 11200"/>
+              <a:gd name="T12" fmla="*/ 2800 w 11200"/>
+              <a:gd name="T13" fmla="*/ 3603 h 11200"/>
+              <a:gd name="T14" fmla="*/ 8400 w 11200"/>
+              <a:gd name="T15" fmla="*/ 5197 h 11200"/>
+              <a:gd name="T16" fmla="*/ 2800 w 11200"/>
+              <a:gd name="T17" fmla="*/ 5197 h 11200"/>
+              <a:gd name="T18" fmla="*/ 2400 w 11200"/>
+              <a:gd name="T19" fmla="*/ 5597 h 11200"/>
+              <a:gd name="T20" fmla="*/ 2800 w 11200"/>
+              <a:gd name="T21" fmla="*/ 5997 h 11200"/>
+              <a:gd name="T22" fmla="*/ 8400 w 11200"/>
+              <a:gd name="T23" fmla="*/ 5997 h 11200"/>
+              <a:gd name="T24" fmla="*/ 8800 w 11200"/>
+              <a:gd name="T25" fmla="*/ 5597 h 11200"/>
+              <a:gd name="T26" fmla="*/ 8400 w 11200"/>
+              <a:gd name="T27" fmla="*/ 5197 h 11200"/>
+              <a:gd name="T28" fmla="*/ 8400 w 11200"/>
+              <a:gd name="T29" fmla="*/ 7597 h 11200"/>
+              <a:gd name="T30" fmla="*/ 2800 w 11200"/>
+              <a:gd name="T31" fmla="*/ 7597 h 11200"/>
+              <a:gd name="T32" fmla="*/ 2400 w 11200"/>
+              <a:gd name="T33" fmla="*/ 7997 h 11200"/>
+              <a:gd name="T34" fmla="*/ 2800 w 11200"/>
+              <a:gd name="T35" fmla="*/ 8397 h 11200"/>
+              <a:gd name="T36" fmla="*/ 8400 w 11200"/>
+              <a:gd name="T37" fmla="*/ 8397 h 11200"/>
+              <a:gd name="T38" fmla="*/ 8800 w 11200"/>
+              <a:gd name="T39" fmla="*/ 7997 h 11200"/>
+              <a:gd name="T40" fmla="*/ 8400 w 11200"/>
+              <a:gd name="T41" fmla="*/ 7597 h 11200"/>
+              <a:gd name="T42" fmla="*/ 4434 w 11200"/>
+              <a:gd name="T43" fmla="*/ 1200 h 11200"/>
+              <a:gd name="T44" fmla="*/ 6434 w 11200"/>
+              <a:gd name="T45" fmla="*/ 1200 h 11200"/>
+              <a:gd name="T46" fmla="*/ 7034 w 11200"/>
+              <a:gd name="T47" fmla="*/ 600 h 11200"/>
+              <a:gd name="T48" fmla="*/ 6434 w 11200"/>
+              <a:gd name="T49" fmla="*/ 0 h 11200"/>
+              <a:gd name="T50" fmla="*/ 4434 w 11200"/>
+              <a:gd name="T51" fmla="*/ 0 h 11200"/>
+              <a:gd name="T52" fmla="*/ 3834 w 11200"/>
+              <a:gd name="T53" fmla="*/ 600 h 11200"/>
+              <a:gd name="T54" fmla="*/ 4434 w 11200"/>
+              <a:gd name="T55" fmla="*/ 1200 h 11200"/>
+              <a:gd name="T56" fmla="*/ 9600 w 11200"/>
+              <a:gd name="T57" fmla="*/ 400 h 11200"/>
+              <a:gd name="T58" fmla="*/ 9200 w 11200"/>
+              <a:gd name="T59" fmla="*/ 400 h 11200"/>
+              <a:gd name="T60" fmla="*/ 8800 w 11200"/>
+              <a:gd name="T61" fmla="*/ 800 h 11200"/>
+              <a:gd name="T62" fmla="*/ 9200 w 11200"/>
+              <a:gd name="T63" fmla="*/ 1200 h 11200"/>
+              <a:gd name="T64" fmla="*/ 9600 w 11200"/>
+              <a:gd name="T65" fmla="*/ 1200 h 11200"/>
+              <a:gd name="T66" fmla="*/ 10400 w 11200"/>
+              <a:gd name="T67" fmla="*/ 2000 h 11200"/>
+              <a:gd name="T68" fmla="*/ 10400 w 11200"/>
+              <a:gd name="T69" fmla="*/ 9600 h 11200"/>
+              <a:gd name="T70" fmla="*/ 9600 w 11200"/>
+              <a:gd name="T71" fmla="*/ 10400 h 11200"/>
+              <a:gd name="T72" fmla="*/ 1600 w 11200"/>
+              <a:gd name="T73" fmla="*/ 10400 h 11200"/>
+              <a:gd name="T74" fmla="*/ 800 w 11200"/>
+              <a:gd name="T75" fmla="*/ 9600 h 11200"/>
+              <a:gd name="T76" fmla="*/ 800 w 11200"/>
+              <a:gd name="T77" fmla="*/ 2000 h 11200"/>
+              <a:gd name="T78" fmla="*/ 1600 w 11200"/>
+              <a:gd name="T79" fmla="*/ 1200 h 11200"/>
+              <a:gd name="T80" fmla="*/ 2000 w 11200"/>
+              <a:gd name="T81" fmla="*/ 1200 h 11200"/>
+              <a:gd name="T82" fmla="*/ 2400 w 11200"/>
+              <a:gd name="T83" fmla="*/ 800 h 11200"/>
+              <a:gd name="T84" fmla="*/ 2000 w 11200"/>
+              <a:gd name="T85" fmla="*/ 400 h 11200"/>
+              <a:gd name="T86" fmla="*/ 1600 w 11200"/>
+              <a:gd name="T87" fmla="*/ 400 h 11200"/>
+              <a:gd name="T88" fmla="*/ 0 w 11200"/>
+              <a:gd name="T89" fmla="*/ 2000 h 11200"/>
+              <a:gd name="T90" fmla="*/ 0 w 11200"/>
+              <a:gd name="T91" fmla="*/ 9600 h 11200"/>
+              <a:gd name="T92" fmla="*/ 1600 w 11200"/>
+              <a:gd name="T93" fmla="*/ 11200 h 11200"/>
+              <a:gd name="T94" fmla="*/ 9600 w 11200"/>
+              <a:gd name="T95" fmla="*/ 11200 h 11200"/>
+              <a:gd name="T96" fmla="*/ 11200 w 11200"/>
+              <a:gd name="T97" fmla="*/ 9600 h 11200"/>
+              <a:gd name="T98" fmla="*/ 11200 w 11200"/>
+              <a:gd name="T99" fmla="*/ 2000 h 11200"/>
+              <a:gd name="T100" fmla="*/ 9600 w 11200"/>
+              <a:gd name="T101" fmla="*/ 400 h 11200"/>
+              <a:gd name="T102" fmla="*/ 9600 w 11200"/>
+              <a:gd name="T103" fmla="*/ 400 h 11200"/>
+            </a:gdLst>
+            <a:ahLst/>
+            <a:cxnLst>
+              <a:cxn ang="0">
+                <a:pos x="T0" y="T1"/>
+              </a:cxn>
+              <a:cxn ang="0">
+                <a:pos x="T2" y="T3"/>
+              </a:cxn>
+              <a:cxn ang="0">
+                <a:pos x="T4" y="T5"/>
+              </a:cxn>
+              <a:cxn ang="0">
+                <a:pos x="T6" y="T7"/>
+              </a:cxn>
+              <a:cxn ang="0">
+                <a:pos x="T8" y="T9"/>
+              </a:cxn>
+              <a:cxn ang="0">
+                <a:pos x="T10" y="T11"/>
+              </a:cxn>
+              <a:cxn ang="0">
+                <a:pos x="T12" y="T13"/>
+              </a:cxn>
+              <a:cxn ang="0">
+                <a:pos x="T14" y="T15"/>
+              </a:cxn>
+              <a:cxn ang="0">
+                <a:pos x="T16" y="T17"/>
+              </a:cxn>
+              <a:cxn ang="0">
+                <a:pos x="T18" y="T19"/>
+              </a:cxn>
+              <a:cxn ang="0">
+                <a:pos x="T20" y="T21"/>
+              </a:cxn>
+              <a:cxn ang="0">
+                <a:pos x="T22" y="T23"/>
+              </a:cxn>
+              <a:cxn ang="0">
+                <a:pos x="T24" y="T25"/>
+              </a:cxn>
+              <a:cxn ang="0">
+                <a:pos x="T26" y="T27"/>
+              </a:cxn>
+              <a:cxn ang="0">
+                <a:pos x="T28" y="T29"/>
+              </a:cxn>
+              <a:cxn ang="0">
+                <a:pos x="T30" y="T31"/>
+              </a:cxn>
+              <a:cxn ang="0">
+                <a:pos x="T32" y="T33"/>
+              </a:cxn>
+              <a:cxn ang="0">
+                <a:pos x="T34" y="T35"/>
+              </a:cxn>
+              <a:cxn ang="0">
+                <a:pos x="T36" y="T37"/>
+              </a:cxn>
+              <a:cxn ang="0">
+                <a:pos x="T38" y="T39"/>
+              </a:cxn>
+              <a:cxn ang="0">
+                <a:pos x="T40" y="T41"/>
+              </a:cxn>
+              <a:cxn ang="0">
+                <a:pos x="T42" y="T43"/>
+              </a:cxn>
+              <a:cxn ang="0">
+                <a:pos x="T44" y="T45"/>
+              </a:cxn>
+              <a:cxn ang="0">
+                <a:pos x="T46" y="T47"/>
+              </a:cxn>
+              <a:cxn ang="0">
+                <a:pos x="T48" y="T49"/>
+              </a:cxn>
+              <a:cxn ang="0">
+                <a:pos x="T50" y="T51"/>
+              </a:cxn>
+              <a:cxn ang="0">
+                <a:pos x="T52" y="T53"/>
+              </a:cxn>
+              <a:cxn ang="0">
+                <a:pos x="T54" y="T55"/>
+              </a:cxn>
+              <a:cxn ang="0">
+                <a:pos x="T56" y="T57"/>
+              </a:cxn>
+              <a:cxn ang="0">
+                <a:pos x="T58" y="T59"/>
+              </a:cxn>
+              <a:cxn ang="0">
+                <a:pos x="T60" y="T61"/>
+              </a:cxn>
+              <a:cxn ang="0">
+                <a:pos x="T62" y="T63"/>
+              </a:cxn>
+              <a:cxn ang="0">
+                <a:pos x="T64" y="T65"/>
+              </a:cxn>
+              <a:cxn ang="0">
+                <a:pos x="T66" y="T67"/>
+              </a:cxn>
+              <a:cxn ang="0">
+                <a:pos x="T68" y="T69"/>
+              </a:cxn>
+              <a:cxn ang="0">
+                <a:pos x="T70" y="T71"/>
+              </a:cxn>
+              <a:cxn ang="0">
+                <a:pos x="T72" y="T73"/>
+              </a:cxn>
+              <a:cxn ang="0">
+                <a:pos x="T74" y="T75"/>
+              </a:cxn>
+              <a:cxn ang="0">
+                <a:pos x="T76" y="T77"/>
+              </a:cxn>
+              <a:cxn ang="0">
+                <a:pos x="T78" y="T79"/>
+              </a:cxn>
+              <a:cxn ang="0">
+                <a:pos x="T80" y="T81"/>
+              </a:cxn>
+              <a:cxn ang="0">
+                <a:pos x="T82" y="T83"/>
+              </a:cxn>
+              <a:cxn ang="0">
+                <a:pos x="T84" y="T85"/>
+              </a:cxn>
+              <a:cxn ang="0">
+                <a:pos x="T86" y="T87"/>
+              </a:cxn>
+              <a:cxn ang="0">
+                <a:pos x="T88" y="T89"/>
+              </a:cxn>
+              <a:cxn ang="0">
+                <a:pos x="T90" y="T91"/>
+              </a:cxn>
+              <a:cxn ang="0">
+                <a:pos x="T92" y="T93"/>
+              </a:cxn>
+              <a:cxn ang="0">
+                <a:pos x="T94" y="T95"/>
+              </a:cxn>
+              <a:cxn ang="0">
+                <a:pos x="T96" y="T97"/>
+              </a:cxn>
+              <a:cxn ang="0">
+                <a:pos x="T98" y="T99"/>
+              </a:cxn>
+              <a:cxn ang="0">
+                <a:pos x="T100" y="T101"/>
+              </a:cxn>
+              <a:cxn ang="0">
+                <a:pos x="T102" y="T103"/>
+              </a:cxn>
+            </a:cxnLst>
+            <a:rect l="0" t="0" r="r" b="b"/>
+            <a:pathLst>
+              <a:path w="11200" h="11200">
+                <a:moveTo>
+                  <a:pt x="2800" y="3603"/>
+                </a:moveTo>
+                <a:lnTo>
+                  <a:pt x="8400" y="3603"/>
+                </a:lnTo>
+                <a:cubicBezTo>
+                  <a:pt x="8621" y="3603"/>
+                  <a:pt x="8800" y="3424"/>
+                  <a:pt x="8800" y="3203"/>
+                </a:cubicBezTo>
+                <a:cubicBezTo>
+                  <a:pt x="8800" y="2982"/>
+                  <a:pt x="8621" y="2803"/>
+                  <a:pt x="8400" y="2803"/>
+                </a:cubicBezTo>
+                <a:lnTo>
+                  <a:pt x="2800" y="2803"/>
+                </a:lnTo>
+                <a:cubicBezTo>
+                  <a:pt x="2579" y="2803"/>
+                  <a:pt x="2400" y="2982"/>
+                  <a:pt x="2400" y="3203"/>
+                </a:cubicBezTo>
+                <a:cubicBezTo>
+                  <a:pt x="2400" y="3424"/>
+                  <a:pt x="2579" y="3603"/>
+                  <a:pt x="2800" y="3603"/>
+                </a:cubicBezTo>
+                <a:close/>
+                <a:moveTo>
+                  <a:pt x="8400" y="5197"/>
+                </a:moveTo>
+                <a:lnTo>
+                  <a:pt x="2800" y="5197"/>
+                </a:lnTo>
+                <a:cubicBezTo>
+                  <a:pt x="2579" y="5197"/>
+                  <a:pt x="2400" y="5376"/>
+                  <a:pt x="2400" y="5597"/>
+                </a:cubicBezTo>
+                <a:cubicBezTo>
+                  <a:pt x="2400" y="5818"/>
+                  <a:pt x="2579" y="5997"/>
+                  <a:pt x="2800" y="5997"/>
+                </a:cubicBezTo>
+                <a:lnTo>
+                  <a:pt x="8400" y="5997"/>
+                </a:lnTo>
+                <a:cubicBezTo>
+                  <a:pt x="8621" y="5997"/>
+                  <a:pt x="8800" y="5818"/>
+                  <a:pt x="8800" y="5597"/>
+                </a:cubicBezTo>
+                <a:cubicBezTo>
+                  <a:pt x="8800" y="5376"/>
+                  <a:pt x="8621" y="5197"/>
+                  <a:pt x="8400" y="5197"/>
+                </a:cubicBezTo>
+                <a:close/>
+                <a:moveTo>
+                  <a:pt x="8400" y="7597"/>
+                </a:moveTo>
+                <a:lnTo>
+                  <a:pt x="2800" y="7597"/>
+                </a:lnTo>
+                <a:cubicBezTo>
+                  <a:pt x="2579" y="7597"/>
+                  <a:pt x="2400" y="7776"/>
+                  <a:pt x="2400" y="7997"/>
+                </a:cubicBezTo>
+                <a:cubicBezTo>
+                  <a:pt x="2400" y="8218"/>
+                  <a:pt x="2579" y="8397"/>
+                  <a:pt x="2800" y="8397"/>
+                </a:cubicBezTo>
+                <a:lnTo>
+                  <a:pt x="8400" y="8397"/>
+                </a:lnTo>
+                <a:cubicBezTo>
+                  <a:pt x="8621" y="8397"/>
+                  <a:pt x="8800" y="8218"/>
+                  <a:pt x="8800" y="7997"/>
+                </a:cubicBezTo>
+                <a:cubicBezTo>
+                  <a:pt x="8800" y="7776"/>
+                  <a:pt x="8621" y="7597"/>
+                  <a:pt x="8400" y="7597"/>
+                </a:cubicBezTo>
+                <a:close/>
+                <a:moveTo>
+                  <a:pt x="4434" y="1200"/>
+                </a:moveTo>
+                <a:lnTo>
+                  <a:pt x="6434" y="1200"/>
+                </a:lnTo>
+                <a:cubicBezTo>
+                  <a:pt x="6765" y="1200"/>
+                  <a:pt x="7034" y="931"/>
+                  <a:pt x="7034" y="600"/>
+                </a:cubicBezTo>
+                <a:cubicBezTo>
+                  <a:pt x="7034" y="269"/>
+                  <a:pt x="6765" y="0"/>
+                  <a:pt x="6434" y="0"/>
+                </a:cubicBezTo>
+                <a:lnTo>
+                  <a:pt x="4434" y="0"/>
+                </a:lnTo>
+                <a:cubicBezTo>
+                  <a:pt x="4102" y="0"/>
+                  <a:pt x="3834" y="269"/>
+                  <a:pt x="3834" y="600"/>
+                </a:cubicBezTo>
+                <a:cubicBezTo>
+                  <a:pt x="3834" y="931"/>
+                  <a:pt x="4102" y="1200"/>
+                  <a:pt x="4434" y="1200"/>
+                </a:cubicBezTo>
+                <a:close/>
+                <a:moveTo>
+                  <a:pt x="9600" y="400"/>
+                </a:moveTo>
+                <a:lnTo>
+                  <a:pt x="9200" y="400"/>
+                </a:lnTo>
+                <a:cubicBezTo>
+                  <a:pt x="8979" y="400"/>
+                  <a:pt x="8800" y="579"/>
+                  <a:pt x="8800" y="800"/>
+                </a:cubicBezTo>
+                <a:cubicBezTo>
+                  <a:pt x="8800" y="1021"/>
+                  <a:pt x="8979" y="1200"/>
+                  <a:pt x="9200" y="1200"/>
+                </a:cubicBezTo>
+                <a:lnTo>
+                  <a:pt x="9600" y="1200"/>
+                </a:lnTo>
+                <a:cubicBezTo>
+                  <a:pt x="10041" y="1200"/>
+                  <a:pt x="10400" y="1559"/>
+                  <a:pt x="10400" y="2000"/>
+                </a:cubicBezTo>
+                <a:lnTo>
+                  <a:pt x="10400" y="9600"/>
+                </a:lnTo>
+                <a:cubicBezTo>
+                  <a:pt x="10400" y="10041"/>
+                  <a:pt x="10041" y="10400"/>
+                  <a:pt x="9600" y="10400"/>
+                </a:cubicBezTo>
+                <a:lnTo>
+                  <a:pt x="1600" y="10400"/>
+                </a:lnTo>
+                <a:cubicBezTo>
+                  <a:pt x="1159" y="10400"/>
+                  <a:pt x="800" y="10041"/>
+                  <a:pt x="800" y="9600"/>
+                </a:cubicBezTo>
+                <a:lnTo>
+                  <a:pt x="800" y="2000"/>
+                </a:lnTo>
+                <a:cubicBezTo>
+                  <a:pt x="800" y="1559"/>
+                  <a:pt x="1159" y="1200"/>
+                  <a:pt x="1600" y="1200"/>
+                </a:cubicBezTo>
+                <a:lnTo>
+                  <a:pt x="2000" y="1200"/>
+                </a:lnTo>
+                <a:cubicBezTo>
+                  <a:pt x="2221" y="1200"/>
+                  <a:pt x="2400" y="1021"/>
+                  <a:pt x="2400" y="800"/>
+                </a:cubicBezTo>
+                <a:cubicBezTo>
+                  <a:pt x="2400" y="579"/>
+                  <a:pt x="2221" y="400"/>
+                  <a:pt x="2000" y="400"/>
+                </a:cubicBezTo>
+                <a:lnTo>
+                  <a:pt x="1600" y="400"/>
+                </a:lnTo>
+                <a:cubicBezTo>
+                  <a:pt x="716" y="400"/>
+                  <a:pt x="0" y="1116"/>
+                  <a:pt x="0" y="2000"/>
+                </a:cubicBezTo>
+                <a:lnTo>
+                  <a:pt x="0" y="9600"/>
+                </a:lnTo>
+                <a:cubicBezTo>
+                  <a:pt x="0" y="10484"/>
+                  <a:pt x="716" y="11200"/>
+                  <a:pt x="1600" y="11200"/>
+                </a:cubicBezTo>
+                <a:lnTo>
+                  <a:pt x="9600" y="11200"/>
+                </a:lnTo>
+                <a:cubicBezTo>
+                  <a:pt x="10484" y="11200"/>
+                  <a:pt x="11200" y="10484"/>
+                  <a:pt x="11200" y="9600"/>
+                </a:cubicBezTo>
+                <a:lnTo>
+                  <a:pt x="11200" y="2000"/>
+                </a:lnTo>
+                <a:cubicBezTo>
+                  <a:pt x="11200" y="1116"/>
+                  <a:pt x="10484" y="400"/>
+                  <a:pt x="9600" y="400"/>
+                </a:cubicBezTo>
+                <a:close/>
+                <a:moveTo>
+                  <a:pt x="9600" y="400"/>
+                </a:moveTo>
+                <a:close/>
+              </a:path>
+            </a:pathLst>
+          </a:custGeom>
+          <a:solidFill>
+            <a:schemeClr val="bg1"/>
+          </a:solidFill>
+          <a:ln>
+            <a:noFill/>
+          </a:ln>
+        </p:spPr>
+        <p:style>
+          <a:lnRef idx="2">
+            <a:schemeClr val="accent1">
+              <a:shade val="50000"/>
+            </a:schemeClr>
+          </a:lnRef>
+          <a:fillRef idx="1">
+            <a:schemeClr val="accent1"/>
+          </a:fillRef>
+          <a:effectRef idx="0">
+            <a:schemeClr val="accent1"/>
+          </a:effectRef>
+          <a:fontRef idx="minor">
+            <a:schemeClr val="lt1"/>
+          </a:fontRef>
+        </p:style>
+        <p:txBody>
+          <a:bodyPr rtlCol="0" anchor="ctr"/>
+          <a:lstStyle/>
+          <a:p>
+            <a:pPr algn="ctr"/>
+            <a:endParaRPr lang="en-US"/>
+          </a:p>
+        </p:txBody>
+      </p:sp>
+      <p:sp>
+        <p:nvSpPr>
+          <p:cNvPr id="17" name="person-shape_44463">
+            <a:extLst>
+              <a:ext uri="{FF2B5EF4-FFF2-40B4-BE49-F238E27FC236}">
+                <a16:creationId xmlns:a16="http://schemas.microsoft.com/office/drawing/2014/main" id="{6EE6C0D1-2494-2470-C0A6-4D5C5D231347}"/>
+              </a:ext>
+            </a:extLst>
+          </p:cNvPr>
+          <p:cNvSpPr/>
+          <p:nvPr/>
+        </p:nvSpPr>
+        <p:spPr>
+          <a:xfrm>
+            <a:off x="11696699" y="67920"/>
+            <a:ext cx="336183" cy="430215"/>
+          </a:xfrm>
+          <a:custGeom>
+            <a:avLst/>
+            <a:gdLst>
+              <a:gd name="connsiteX0" fmla="*/ 118658 w 474552"/>
+              <a:gd name="connsiteY0" fmla="*/ 330881 h 607286"/>
+              <a:gd name="connsiteX1" fmla="*/ 128808 w 474552"/>
+              <a:gd name="connsiteY1" fmla="*/ 330881 h 607286"/>
+              <a:gd name="connsiteX2" fmla="*/ 138880 w 474552"/>
+              <a:gd name="connsiteY2" fmla="*/ 340467 h 607286"/>
+              <a:gd name="connsiteX3" fmla="*/ 237316 w 474552"/>
+              <a:gd name="connsiteY3" fmla="*/ 429642 h 607286"/>
+              <a:gd name="connsiteX4" fmla="*/ 335672 w 474552"/>
+              <a:gd name="connsiteY4" fmla="*/ 340467 h 607286"/>
+              <a:gd name="connsiteX5" fmla="*/ 345823 w 474552"/>
+              <a:gd name="connsiteY5" fmla="*/ 330881 h 607286"/>
+              <a:gd name="connsiteX6" fmla="*/ 355973 w 474552"/>
+              <a:gd name="connsiteY6" fmla="*/ 330881 h 607286"/>
+              <a:gd name="connsiteX7" fmla="*/ 474552 w 474552"/>
+              <a:gd name="connsiteY7" fmla="*/ 449363 h 607286"/>
+              <a:gd name="connsiteX8" fmla="*/ 474552 w 474552"/>
+              <a:gd name="connsiteY8" fmla="*/ 567845 h 607286"/>
+              <a:gd name="connsiteX9" fmla="*/ 435052 w 474552"/>
+              <a:gd name="connsiteY9" fmla="*/ 607286 h 607286"/>
+              <a:gd name="connsiteX10" fmla="*/ 39579 w 474552"/>
+              <a:gd name="connsiteY10" fmla="*/ 607286 h 607286"/>
+              <a:gd name="connsiteX11" fmla="*/ 0 w 474552"/>
+              <a:gd name="connsiteY11" fmla="*/ 567845 h 607286"/>
+              <a:gd name="connsiteX12" fmla="*/ 0 w 474552"/>
+              <a:gd name="connsiteY12" fmla="*/ 449363 h 607286"/>
+              <a:gd name="connsiteX13" fmla="*/ 118658 w 474552"/>
+              <a:gd name="connsiteY13" fmla="*/ 330881 h 607286"/>
+              <a:gd name="connsiteX14" fmla="*/ 315130 w 474552"/>
+              <a:gd name="connsiteY14" fmla="*/ 118095 h 607286"/>
+              <a:gd name="connsiteX15" fmla="*/ 237312 w 474552"/>
+              <a:gd name="connsiteY15" fmla="*/ 162332 h 607286"/>
+              <a:gd name="connsiteX16" fmla="*/ 135653 w 474552"/>
+              <a:gd name="connsiteY16" fmla="*/ 182682 h 607286"/>
+              <a:gd name="connsiteX17" fmla="*/ 237312 w 474552"/>
+              <a:gd name="connsiteY17" fmla="*/ 284120 h 607286"/>
+              <a:gd name="connsiteX18" fmla="*/ 338893 w 474552"/>
+              <a:gd name="connsiteY18" fmla="*/ 182682 h 607286"/>
+              <a:gd name="connsiteX19" fmla="*/ 315130 w 474552"/>
+              <a:gd name="connsiteY19" fmla="*/ 118095 h 607286"/>
+              <a:gd name="connsiteX20" fmla="*/ 237312 w 474552"/>
+              <a:gd name="connsiteY20" fmla="*/ 0 h 607286"/>
+              <a:gd name="connsiteX21" fmla="*/ 379572 w 474552"/>
+              <a:gd name="connsiteY21" fmla="*/ 162332 h 607286"/>
+              <a:gd name="connsiteX22" fmla="*/ 237312 w 474552"/>
+              <a:gd name="connsiteY22" fmla="*/ 324742 h 607286"/>
+              <a:gd name="connsiteX23" fmla="*/ 95052 w 474552"/>
+              <a:gd name="connsiteY23" fmla="*/ 162332 h 607286"/>
+              <a:gd name="connsiteX24" fmla="*/ 237312 w 474552"/>
+              <a:gd name="connsiteY24" fmla="*/ 0 h 607286"/>
+            </a:gdLst>
+            <a:ahLst/>
+            <a:cxnLst>
+              <a:cxn ang="0">
+                <a:pos x="connsiteX0" y="connsiteY0"/>
+              </a:cxn>
+              <a:cxn ang="0">
+                <a:pos x="connsiteX1" y="connsiteY1"/>
+              </a:cxn>
+              <a:cxn ang="0">
+                <a:pos x="connsiteX2" y="connsiteY2"/>
+              </a:cxn>
+              <a:cxn ang="0">
+                <a:pos x="connsiteX3" y="connsiteY3"/>
+              </a:cxn>
+              <a:cxn ang="0">
+                <a:pos x="connsiteX4" y="connsiteY4"/>
+              </a:cxn>
+              <a:cxn ang="0">
+                <a:pos x="connsiteX5" y="connsiteY5"/>
+              </a:cxn>
+              <a:cxn ang="0">
+                <a:pos x="connsiteX6" y="connsiteY6"/>
+              </a:cxn>
+              <a:cxn ang="0">
+                <a:pos x="connsiteX7" y="connsiteY7"/>
+              </a:cxn>
+              <a:cxn ang="0">
+                <a:pos x="connsiteX8" y="connsiteY8"/>
+              </a:cxn>
+              <a:cxn ang="0">
+                <a:pos x="connsiteX9" y="connsiteY9"/>
+              </a:cxn>
+              <a:cxn ang="0">
+                <a:pos x="connsiteX10" y="connsiteY10"/>
+              </a:cxn>
+              <a:cxn ang="0">
+                <a:pos x="connsiteX11" y="connsiteY11"/>
+              </a:cxn>
+              <a:cxn ang="0">
+                <a:pos x="connsiteX12" y="connsiteY12"/>
+              </a:cxn>
+              <a:cxn ang="0">
+                <a:pos x="connsiteX13" y="connsiteY13"/>
+              </a:cxn>
+              <a:cxn ang="0">
+                <a:pos x="connsiteX14" y="connsiteY14"/>
+              </a:cxn>
+              <a:cxn ang="0">
+                <a:pos x="connsiteX15" y="connsiteY15"/>
+              </a:cxn>
+              <a:cxn ang="0">
+                <a:pos x="connsiteX16" y="connsiteY16"/>
+              </a:cxn>
+              <a:cxn ang="0">
+                <a:pos x="connsiteX17" y="connsiteY17"/>
+              </a:cxn>
+              <a:cxn ang="0">
+                <a:pos x="connsiteX18" y="connsiteY18"/>
+              </a:cxn>
+              <a:cxn ang="0">
+                <a:pos x="connsiteX19" y="connsiteY19"/>
+              </a:cxn>
+              <a:cxn ang="0">
+                <a:pos x="connsiteX20" y="connsiteY20"/>
+              </a:cxn>
+              <a:cxn ang="0">
+                <a:pos x="connsiteX21" y="connsiteY21"/>
+              </a:cxn>
+              <a:cxn ang="0">
+                <a:pos x="connsiteX22" y="connsiteY22"/>
+              </a:cxn>
+              <a:cxn ang="0">
+                <a:pos x="connsiteX23" y="connsiteY23"/>
+              </a:cxn>
+              <a:cxn ang="0">
+                <a:pos x="connsiteX24" y="connsiteY24"/>
+              </a:cxn>
+            </a:cxnLst>
+            <a:rect l="l" t="t" r="r" b="b"/>
+            <a:pathLst>
+              <a:path w="474552" h="607286">
+                <a:moveTo>
+                  <a:pt x="118658" y="330881"/>
+                </a:moveTo>
+                <a:lnTo>
+                  <a:pt x="128808" y="330881"/>
+                </a:lnTo>
+                <a:cubicBezTo>
+                  <a:pt x="134080" y="330881"/>
+                  <a:pt x="138329" y="335203"/>
+                  <a:pt x="138880" y="340467"/>
+                </a:cubicBezTo>
+                <a:cubicBezTo>
+                  <a:pt x="143680" y="390515"/>
+                  <a:pt x="185934" y="429642"/>
+                  <a:pt x="237316" y="429642"/>
+                </a:cubicBezTo>
+                <a:cubicBezTo>
+                  <a:pt x="288618" y="429642"/>
+                  <a:pt x="330873" y="390515"/>
+                  <a:pt x="335672" y="340467"/>
+                </a:cubicBezTo>
+                <a:cubicBezTo>
+                  <a:pt x="336223" y="335203"/>
+                  <a:pt x="340472" y="330881"/>
+                  <a:pt x="345823" y="330881"/>
+                </a:cubicBezTo>
+                <a:lnTo>
+                  <a:pt x="355973" y="330881"/>
+                </a:lnTo>
+                <a:cubicBezTo>
+                  <a:pt x="421518" y="330881"/>
+                  <a:pt x="474552" y="383915"/>
+                  <a:pt x="474552" y="449363"/>
+                </a:cubicBezTo>
+                <a:lnTo>
+                  <a:pt x="474552" y="567845"/>
+                </a:lnTo>
+                <a:cubicBezTo>
+                  <a:pt x="474552" y="589687"/>
+                  <a:pt x="456927" y="607286"/>
+                  <a:pt x="435052" y="607286"/>
+                </a:cubicBezTo>
+                <a:lnTo>
+                  <a:pt x="39579" y="607286"/>
+                </a:lnTo>
+                <a:cubicBezTo>
+                  <a:pt x="17704" y="607286"/>
+                  <a:pt x="0" y="589687"/>
+                  <a:pt x="0" y="567845"/>
+                </a:cubicBezTo>
+                <a:lnTo>
+                  <a:pt x="0" y="449363"/>
+                </a:lnTo>
+                <a:cubicBezTo>
+                  <a:pt x="0" y="383915"/>
+                  <a:pt x="53112" y="330881"/>
+                  <a:pt x="118658" y="330881"/>
+                </a:cubicBezTo>
+                <a:close/>
+                <a:moveTo>
+                  <a:pt x="315130" y="118095"/>
+                </a:moveTo>
+                <a:cubicBezTo>
+                  <a:pt x="305374" y="143632"/>
+                  <a:pt x="274372" y="162332"/>
+                  <a:pt x="237312" y="162332"/>
+                </a:cubicBezTo>
+                <a:cubicBezTo>
+                  <a:pt x="200174" y="162332"/>
+                  <a:pt x="135653" y="158010"/>
+                  <a:pt x="135653" y="182682"/>
+                </a:cubicBezTo>
+                <a:cubicBezTo>
+                  <a:pt x="135653" y="238705"/>
+                  <a:pt x="181132" y="284120"/>
+                  <a:pt x="237312" y="284120"/>
+                </a:cubicBezTo>
+                <a:cubicBezTo>
+                  <a:pt x="293335" y="284120"/>
+                  <a:pt x="338893" y="238705"/>
+                  <a:pt x="338893" y="182682"/>
+                </a:cubicBezTo>
+                <a:cubicBezTo>
+                  <a:pt x="338893" y="158010"/>
+                  <a:pt x="329766" y="135696"/>
+                  <a:pt x="315130" y="118095"/>
+                </a:cubicBezTo>
+                <a:close/>
+                <a:moveTo>
+                  <a:pt x="237312" y="0"/>
+                </a:moveTo>
+                <a:cubicBezTo>
+                  <a:pt x="315839" y="0"/>
+                  <a:pt x="379572" y="72680"/>
+                  <a:pt x="379572" y="162332"/>
+                </a:cubicBezTo>
+                <a:cubicBezTo>
+                  <a:pt x="379572" y="251984"/>
+                  <a:pt x="315839" y="324742"/>
+                  <a:pt x="237312" y="324742"/>
+                </a:cubicBezTo>
+                <a:cubicBezTo>
+                  <a:pt x="158707" y="324742"/>
+                  <a:pt x="95052" y="251984"/>
+                  <a:pt x="95052" y="162332"/>
+                </a:cubicBezTo>
+                <a:cubicBezTo>
+                  <a:pt x="95052" y="72680"/>
+                  <a:pt x="158707" y="0"/>
+                  <a:pt x="237312" y="0"/>
+                </a:cubicBezTo>
+                <a:close/>
+              </a:path>
+            </a:pathLst>
+          </a:custGeom>
+          <a:solidFill>
+            <a:schemeClr val="bg1"/>
+          </a:solidFill>
+          <a:ln>
+            <a:noFill/>
+          </a:ln>
+        </p:spPr>
+        <p:style>
+          <a:lnRef idx="2">
+            <a:schemeClr val="accent1">
+              <a:shade val="50000"/>
+            </a:schemeClr>
+          </a:lnRef>
+          <a:fillRef idx="1">
+            <a:schemeClr val="accent1"/>
+          </a:fillRef>
+          <a:effectRef idx="0">
+            <a:schemeClr val="accent1"/>
+          </a:effectRef>
+          <a:fontRef idx="minor">
+            <a:schemeClr val="lt1"/>
+          </a:fontRef>
+        </p:style>
+        <p:txBody>
+          <a:bodyPr rtlCol="0" anchor="ctr"/>
+          <a:lstStyle/>
+          <a:p>
+            <a:pPr algn="ctr"/>
+            <a:endParaRPr lang="en-US"/>
+          </a:p>
+        </p:txBody>
+      </p:sp>
+      <p:sp>
+        <p:nvSpPr>
+          <p:cNvPr id="19" name="Rectangle: Rounded Corners 18">
+            <a:extLst>
+              <a:ext uri="{FF2B5EF4-FFF2-40B4-BE49-F238E27FC236}">
+                <a16:creationId xmlns:a16="http://schemas.microsoft.com/office/drawing/2014/main" id="{87D9B866-9867-F6A1-AD7B-2CF5B6563CBC}"/>
+              </a:ext>
+            </a:extLst>
+          </p:cNvPr>
+          <p:cNvSpPr/>
+          <p:nvPr/>
+        </p:nvSpPr>
+        <p:spPr>
+          <a:xfrm>
+            <a:off x="9889670" y="108857"/>
+            <a:ext cx="1577152" cy="332014"/>
+          </a:xfrm>
+          <a:prstGeom prst="roundRect">
+            <a:avLst/>
+          </a:prstGeom>
+        </p:spPr>
+        <p:style>
+          <a:lnRef idx="2">
+            <a:schemeClr val="accent2">
+              <a:shade val="15000"/>
+            </a:schemeClr>
+          </a:lnRef>
+          <a:fillRef idx="1">
+            <a:schemeClr val="accent2"/>
+          </a:fillRef>
+          <a:effectRef idx="0">
+            <a:schemeClr val="accent2"/>
+          </a:effectRef>
+          <a:fontRef idx="minor">
+            <a:schemeClr val="lt1"/>
+          </a:fontRef>
+        </p:style>
+        <p:txBody>
+          <a:bodyPr rtlCol="0" anchor="ctr"/>
+          <a:lstStyle/>
+          <a:p>
+            <a:pPr algn="ctr"/>
+            <a:r>
+              <a:rPr lang="en-US" sz="1100" dirty="0"/>
+              <a:t>Auto Refreshing: On/Off</a:t>
+            </a:r>
+          </a:p>
+        </p:txBody>
+      </p:sp>
+      <p:grpSp>
+        <p:nvGrpSpPr>
+          <p:cNvPr id="23" name="Group 22">
+            <a:extLst>
+              <a:ext uri="{FF2B5EF4-FFF2-40B4-BE49-F238E27FC236}">
+                <a16:creationId xmlns:a16="http://schemas.microsoft.com/office/drawing/2014/main" id="{768A7209-9C54-40E5-C5C1-A664A9B1C420}"/>
+              </a:ext>
+            </a:extLst>
+          </p:cNvPr>
+          <p:cNvGrpSpPr/>
+          <p:nvPr/>
+        </p:nvGrpSpPr>
+        <p:grpSpPr>
+          <a:xfrm>
+            <a:off x="1161685" y="3997590"/>
+            <a:ext cx="1565186" cy="1385508"/>
+            <a:chOff x="1161685" y="3997590"/>
+            <a:chExt cx="1565186" cy="1385508"/>
+          </a:xfrm>
+        </p:grpSpPr>
+        <p:sp>
+          <p:nvSpPr>
+            <p:cNvPr id="20" name="Rectangle 19">
+              <a:extLst>
+                <a:ext uri="{FF2B5EF4-FFF2-40B4-BE49-F238E27FC236}">
+                  <a16:creationId xmlns:a16="http://schemas.microsoft.com/office/drawing/2014/main" id="{ADEFE094-879F-CCA5-23A5-999B34B37B0C}"/>
+                </a:ext>
+              </a:extLst>
+            </p:cNvPr>
+            <p:cNvSpPr/>
+            <p:nvPr/>
+          </p:nvSpPr>
+          <p:spPr>
+            <a:xfrm>
+              <a:off x="1161685" y="3997590"/>
+              <a:ext cx="1565186" cy="1366939"/>
+            </a:xfrm>
+            <a:prstGeom prst="rect">
+              <a:avLst/>
+            </a:prstGeom>
+          </p:spPr>
+          <p:style>
+            <a:lnRef idx="2">
+              <a:schemeClr val="accent1">
+                <a:shade val="15000"/>
+              </a:schemeClr>
+            </a:lnRef>
+            <a:fillRef idx="1">
+              <a:schemeClr val="accent1"/>
+            </a:fillRef>
+            <a:effectRef idx="0">
+              <a:schemeClr val="accent1"/>
+            </a:effectRef>
+            <a:fontRef idx="minor">
+              <a:schemeClr val="lt1"/>
+            </a:fontRef>
+          </p:style>
+          <p:txBody>
+            <a:bodyPr rtlCol="0" anchor="ctr"/>
+            <a:lstStyle/>
+            <a:p>
+              <a:pPr algn="ctr"/>
+              <a:endParaRPr lang="en-US" dirty="0"/>
+            </a:p>
+          </p:txBody>
+        </p:sp>
+        <p:sp>
+          <p:nvSpPr>
+            <p:cNvPr id="21" name="TextBox 20">
+              <a:extLst>
+                <a:ext uri="{FF2B5EF4-FFF2-40B4-BE49-F238E27FC236}">
+                  <a16:creationId xmlns:a16="http://schemas.microsoft.com/office/drawing/2014/main" id="{DFA24509-6454-AB95-01AB-859833EA942B}"/>
+                </a:ext>
+              </a:extLst>
+            </p:cNvPr>
+            <p:cNvSpPr txBox="1"/>
+            <p:nvPr/>
+          </p:nvSpPr>
+          <p:spPr>
+            <a:xfrm>
+              <a:off x="1220378" y="4034728"/>
+              <a:ext cx="1447800" cy="646331"/>
+            </a:xfrm>
+            <a:prstGeom prst="rect">
+              <a:avLst/>
+            </a:prstGeom>
+            <a:noFill/>
+          </p:spPr>
+          <p:txBody>
+            <a:bodyPr wrap="square" rtlCol="0">
+              <a:spAutoFit/>
+            </a:bodyPr>
+            <a:lstStyle/>
+            <a:p>
+              <a:r>
+                <a:rPr lang="en-US" dirty="0">
+                  <a:solidFill>
+                    <a:schemeClr val="bg1"/>
+                  </a:solidFill>
+                </a:rPr>
+                <a:t>Passive Buzze</a:t>
+              </a:r>
+              <a:r>
+                <a:rPr lang="en-US" altLang="zh-CN" dirty="0">
+                  <a:solidFill>
+                    <a:schemeClr val="bg1"/>
+                  </a:solidFill>
+                </a:rPr>
+                <a:t>r</a:t>
+              </a:r>
+              <a:endParaRPr lang="en-US" dirty="0">
+                <a:solidFill>
+                  <a:schemeClr val="bg1"/>
+                </a:solidFill>
+              </a:endParaRPr>
+            </a:p>
+          </p:txBody>
+        </p:sp>
+        <p:pic>
+          <p:nvPicPr>
+            <p:cNvPr id="1032" name="Picture 8" descr="Disable, disabled, light, off, on, switch icon - Download on Iconfinder">
+              <a:extLst>
+                <a:ext uri="{FF2B5EF4-FFF2-40B4-BE49-F238E27FC236}">
+                  <a16:creationId xmlns:a16="http://schemas.microsoft.com/office/drawing/2014/main" id="{825ADEFD-B0B6-29D9-44C8-1F04F533DE58}"/>
+                </a:ext>
+              </a:extLst>
+            </p:cNvPr>
+            <p:cNvPicPr>
+              <a:picLocks noChangeAspect="1" noChangeArrowheads="1"/>
+            </p:cNvPicPr>
+            <p:nvPr/>
+          </p:nvPicPr>
+          <p:blipFill>
+            <a:blip r:embed="rId3">
+              <a:extLst>
+                <a:ext uri="{28A0092B-C50C-407E-A947-70E740481C1C}">
+                  <a14:useLocalDpi xmlns:a14="http://schemas.microsoft.com/office/drawing/2010/main" val="0"/>
+                </a:ext>
+              </a:extLst>
+            </a:blip>
+            <a:srcRect/>
+            <a:stretch>
+              <a:fillRect/>
+            </a:stretch>
+          </p:blipFill>
+          <p:spPr bwMode="auto">
+            <a:xfrm>
+              <a:off x="1297947" y="4736767"/>
+              <a:ext cx="646331" cy="646331"/>
+            </a:xfrm>
+            <a:prstGeom prst="rect">
+              <a:avLst/>
+            </a:prstGeom>
+            <a:noFill/>
+            <a:extLst>
+              <a:ext uri="{909E8E84-426E-40DD-AFC4-6F175D3DCCD1}">
+                <a14:hiddenFill xmlns:a14="http://schemas.microsoft.com/office/drawing/2010/main">
+                  <a:solidFill>
+                    <a:srgbClr val="FFFFFF"/>
+                  </a:solidFill>
+                </a14:hiddenFill>
+              </a:ext>
+            </a:extLst>
+          </p:spPr>
+        </p:pic>
+        <p:sp>
+          <p:nvSpPr>
+            <p:cNvPr id="22" name="TextBox 21">
+              <a:extLst>
+                <a:ext uri="{FF2B5EF4-FFF2-40B4-BE49-F238E27FC236}">
+                  <a16:creationId xmlns:a16="http://schemas.microsoft.com/office/drawing/2014/main" id="{136AB256-BFC2-2C9B-BA95-9701C4DF4715}"/>
+                </a:ext>
+              </a:extLst>
+            </p:cNvPr>
+            <p:cNvSpPr txBox="1"/>
+            <p:nvPr/>
+          </p:nvSpPr>
+          <p:spPr>
+            <a:xfrm>
+              <a:off x="2077330" y="4875266"/>
+              <a:ext cx="596638" cy="369332"/>
+            </a:xfrm>
+            <a:prstGeom prst="rect">
+              <a:avLst/>
+            </a:prstGeom>
+            <a:noFill/>
+          </p:spPr>
+          <p:txBody>
+            <a:bodyPr wrap="none" rtlCol="0">
+              <a:spAutoFit/>
+            </a:bodyPr>
+            <a:lstStyle/>
+            <a:p>
+              <a:r>
+                <a:rPr lang="en-US" dirty="0">
+                  <a:solidFill>
+                    <a:schemeClr val="bg1"/>
+                  </a:solidFill>
+                </a:rPr>
+                <a:t>OFF</a:t>
+              </a:r>
+            </a:p>
+          </p:txBody>
+        </p:sp>
+      </p:grpSp>
+      <p:grpSp>
+        <p:nvGrpSpPr>
+          <p:cNvPr id="32" name="Group 31">
+            <a:extLst>
+              <a:ext uri="{FF2B5EF4-FFF2-40B4-BE49-F238E27FC236}">
+                <a16:creationId xmlns:a16="http://schemas.microsoft.com/office/drawing/2014/main" id="{AB062E19-D857-68D7-6418-AA8CF516E757}"/>
+              </a:ext>
+            </a:extLst>
+          </p:cNvPr>
+          <p:cNvGrpSpPr/>
+          <p:nvPr/>
+        </p:nvGrpSpPr>
+        <p:grpSpPr>
+          <a:xfrm>
+            <a:off x="2851849" y="3997590"/>
+            <a:ext cx="1565186" cy="1366939"/>
+            <a:chOff x="2843527" y="3997590"/>
+            <a:chExt cx="1565186" cy="1366939"/>
+          </a:xfrm>
+        </p:grpSpPr>
+        <p:sp>
+          <p:nvSpPr>
+            <p:cNvPr id="25" name="Rectangle 24">
+              <a:extLst>
+                <a:ext uri="{FF2B5EF4-FFF2-40B4-BE49-F238E27FC236}">
+                  <a16:creationId xmlns:a16="http://schemas.microsoft.com/office/drawing/2014/main" id="{1C9FFC30-F955-EB0F-6C97-39B7776E0E01}"/>
+                </a:ext>
+              </a:extLst>
+            </p:cNvPr>
+            <p:cNvSpPr/>
+            <p:nvPr/>
+          </p:nvSpPr>
+          <p:spPr>
+            <a:xfrm>
+              <a:off x="2843527" y="3997590"/>
+              <a:ext cx="1565186" cy="1366939"/>
+            </a:xfrm>
+            <a:prstGeom prst="rect">
+              <a:avLst/>
+            </a:prstGeom>
+          </p:spPr>
+          <p:style>
+            <a:lnRef idx="2">
+              <a:schemeClr val="accent1">
+                <a:shade val="15000"/>
+              </a:schemeClr>
+            </a:lnRef>
+            <a:fillRef idx="1">
+              <a:schemeClr val="accent1"/>
+            </a:fillRef>
+            <a:effectRef idx="0">
+              <a:schemeClr val="accent1"/>
+            </a:effectRef>
+            <a:fontRef idx="minor">
+              <a:schemeClr val="lt1"/>
+            </a:fontRef>
+          </p:style>
+          <p:txBody>
+            <a:bodyPr rtlCol="0" anchor="ctr"/>
+            <a:lstStyle/>
+            <a:p>
+              <a:pPr algn="ctr"/>
+              <a:endParaRPr lang="en-US" dirty="0"/>
+            </a:p>
+          </p:txBody>
+        </p:sp>
+        <p:sp>
+          <p:nvSpPr>
+            <p:cNvPr id="26" name="TextBox 25">
+              <a:extLst>
+                <a:ext uri="{FF2B5EF4-FFF2-40B4-BE49-F238E27FC236}">
+                  <a16:creationId xmlns:a16="http://schemas.microsoft.com/office/drawing/2014/main" id="{A3843ED9-2941-5AF3-B475-1D9974A6B872}"/>
+                </a:ext>
+              </a:extLst>
+            </p:cNvPr>
+            <p:cNvSpPr txBox="1"/>
+            <p:nvPr/>
+          </p:nvSpPr>
+          <p:spPr>
+            <a:xfrm>
+              <a:off x="2902220" y="4034728"/>
+              <a:ext cx="1447800" cy="369332"/>
+            </a:xfrm>
+            <a:prstGeom prst="rect">
+              <a:avLst/>
+            </a:prstGeom>
+            <a:noFill/>
+          </p:spPr>
+          <p:txBody>
+            <a:bodyPr wrap="square" rtlCol="0">
+              <a:spAutoFit/>
+            </a:bodyPr>
+            <a:lstStyle/>
+            <a:p>
+              <a:r>
+                <a:rPr lang="en-US" dirty="0">
+                  <a:solidFill>
+                    <a:schemeClr val="bg1"/>
+                  </a:solidFill>
+                </a:rPr>
+                <a:t>Fan</a:t>
+              </a:r>
+            </a:p>
+          </p:txBody>
+        </p:sp>
+        <p:sp>
+          <p:nvSpPr>
+            <p:cNvPr id="29" name="Rectangle 28">
+              <a:extLst>
+                <a:ext uri="{FF2B5EF4-FFF2-40B4-BE49-F238E27FC236}">
+                  <a16:creationId xmlns:a16="http://schemas.microsoft.com/office/drawing/2014/main" id="{F1BE4132-BAC2-3C49-32FB-6EEA3D9AC92D}"/>
+                </a:ext>
+              </a:extLst>
+            </p:cNvPr>
+            <p:cNvSpPr/>
+            <p:nvPr/>
+          </p:nvSpPr>
+          <p:spPr>
+            <a:xfrm>
+              <a:off x="3018876" y="5022598"/>
+              <a:ext cx="1163594" cy="114300"/>
+            </a:xfrm>
+            <a:prstGeom prst="rect">
+              <a:avLst/>
+            </a:prstGeom>
+            <a:solidFill>
+              <a:schemeClr val="bg1"/>
+            </a:solidFill>
+          </p:spPr>
+          <p:style>
+            <a:lnRef idx="2">
+              <a:schemeClr val="accent1">
+                <a:shade val="15000"/>
+              </a:schemeClr>
+            </a:lnRef>
+            <a:fillRef idx="1">
+              <a:schemeClr val="accent1"/>
+            </a:fillRef>
+            <a:effectRef idx="0">
+              <a:schemeClr val="accent1"/>
+            </a:effectRef>
+            <a:fontRef idx="minor">
+              <a:schemeClr val="lt1"/>
+            </a:fontRef>
+          </p:style>
+          <p:txBody>
+            <a:bodyPr rtlCol="0" anchor="ctr"/>
+            <a:lstStyle/>
+            <a:p>
+              <a:pPr algn="ctr"/>
+              <a:endParaRPr lang="en-US"/>
+            </a:p>
+          </p:txBody>
+        </p:sp>
+        <p:sp>
+          <p:nvSpPr>
+            <p:cNvPr id="30" name="Oval 29">
+              <a:extLst>
+                <a:ext uri="{FF2B5EF4-FFF2-40B4-BE49-F238E27FC236}">
+                  <a16:creationId xmlns:a16="http://schemas.microsoft.com/office/drawing/2014/main" id="{A8579144-FD33-C0CC-9910-EE43CC4F759C}"/>
+                </a:ext>
+              </a:extLst>
+            </p:cNvPr>
+            <p:cNvSpPr/>
+            <p:nvPr/>
+          </p:nvSpPr>
+          <p:spPr>
+            <a:xfrm>
+              <a:off x="3418114" y="4931228"/>
+              <a:ext cx="297041" cy="297041"/>
+            </a:xfrm>
+            <a:prstGeom prst="ellipse">
+              <a:avLst/>
+            </a:prstGeom>
+          </p:spPr>
+          <p:style>
+            <a:lnRef idx="2">
+              <a:schemeClr val="accent4">
+                <a:shade val="15000"/>
+              </a:schemeClr>
+            </a:lnRef>
+            <a:fillRef idx="1">
+              <a:schemeClr val="accent4"/>
+            </a:fillRef>
+            <a:effectRef idx="0">
+              <a:schemeClr val="accent4"/>
+            </a:effectRef>
+            <a:fontRef idx="minor">
+              <a:schemeClr val="lt1"/>
+            </a:fontRef>
+          </p:style>
+          <p:txBody>
+            <a:bodyPr rtlCol="0" anchor="ctr"/>
+            <a:lstStyle/>
+            <a:p>
+              <a:pPr algn="ctr"/>
+              <a:endParaRPr lang="en-US"/>
+            </a:p>
+          </p:txBody>
+        </p:sp>
+        <p:sp>
+          <p:nvSpPr>
+            <p:cNvPr id="31" name="TextBox 30">
+              <a:extLst>
+                <a:ext uri="{FF2B5EF4-FFF2-40B4-BE49-F238E27FC236}">
+                  <a16:creationId xmlns:a16="http://schemas.microsoft.com/office/drawing/2014/main" id="{0BC5F4E9-6F3B-C5F0-AC10-473C3700FBFC}"/>
+                </a:ext>
+              </a:extLst>
+            </p:cNvPr>
+            <p:cNvSpPr txBox="1"/>
+            <p:nvPr/>
+          </p:nvSpPr>
+          <p:spPr>
+            <a:xfrm>
+              <a:off x="3337620" y="4641078"/>
+              <a:ext cx="526106" cy="307777"/>
+            </a:xfrm>
+            <a:prstGeom prst="rect">
+              <a:avLst/>
+            </a:prstGeom>
+            <a:noFill/>
+          </p:spPr>
+          <p:txBody>
+            <a:bodyPr wrap="none" rtlCol="0">
+              <a:spAutoFit/>
+            </a:bodyPr>
+            <a:lstStyle/>
+            <a:p>
+              <a:r>
+                <a:rPr lang="en-US" sz="1400" dirty="0">
+                  <a:solidFill>
+                    <a:schemeClr val="bg1"/>
+                  </a:solidFill>
+                </a:rPr>
+                <a:t>45%</a:t>
+              </a:r>
+            </a:p>
+          </p:txBody>
+        </p:sp>
+      </p:grpSp>
+      <p:grpSp>
+        <p:nvGrpSpPr>
+          <p:cNvPr id="33" name="Group 32">
+            <a:extLst>
+              <a:ext uri="{FF2B5EF4-FFF2-40B4-BE49-F238E27FC236}">
+                <a16:creationId xmlns:a16="http://schemas.microsoft.com/office/drawing/2014/main" id="{694BE24D-4B30-74DC-C791-18C82D0E1C55}"/>
+              </a:ext>
+            </a:extLst>
+          </p:cNvPr>
+          <p:cNvGrpSpPr/>
+          <p:nvPr/>
+        </p:nvGrpSpPr>
+        <p:grpSpPr>
+          <a:xfrm>
+            <a:off x="4542013" y="3997590"/>
+            <a:ext cx="1565186" cy="1385508"/>
+            <a:chOff x="1161685" y="3997590"/>
+            <a:chExt cx="1565186" cy="1385508"/>
+          </a:xfrm>
+        </p:grpSpPr>
+        <p:sp>
+          <p:nvSpPr>
+            <p:cNvPr id="34" name="Rectangle 33">
+              <a:extLst>
+                <a:ext uri="{FF2B5EF4-FFF2-40B4-BE49-F238E27FC236}">
+                  <a16:creationId xmlns:a16="http://schemas.microsoft.com/office/drawing/2014/main" id="{F0CBAD77-D175-692F-F32E-07019C88BCCE}"/>
+                </a:ext>
+              </a:extLst>
+            </p:cNvPr>
+            <p:cNvSpPr/>
+            <p:nvPr/>
+          </p:nvSpPr>
+          <p:spPr>
+            <a:xfrm>
+              <a:off x="1161685" y="3997590"/>
+              <a:ext cx="1565186" cy="1366939"/>
+            </a:xfrm>
+            <a:prstGeom prst="rect">
+              <a:avLst/>
+            </a:prstGeom>
+          </p:spPr>
+          <p:style>
+            <a:lnRef idx="2">
+              <a:schemeClr val="accent1">
+                <a:shade val="15000"/>
+              </a:schemeClr>
+            </a:lnRef>
+            <a:fillRef idx="1">
+              <a:schemeClr val="accent1"/>
+            </a:fillRef>
+            <a:effectRef idx="0">
+              <a:schemeClr val="accent1"/>
+            </a:effectRef>
+            <a:fontRef idx="minor">
+              <a:schemeClr val="lt1"/>
+            </a:fontRef>
+          </p:style>
+          <p:txBody>
+            <a:bodyPr rtlCol="0" anchor="ctr"/>
+            <a:lstStyle/>
+            <a:p>
+              <a:pPr algn="ctr"/>
+              <a:endParaRPr lang="en-US" dirty="0"/>
+            </a:p>
+          </p:txBody>
+        </p:sp>
+        <p:sp>
+          <p:nvSpPr>
+            <p:cNvPr id="35" name="TextBox 34">
+              <a:extLst>
+                <a:ext uri="{FF2B5EF4-FFF2-40B4-BE49-F238E27FC236}">
+                  <a16:creationId xmlns:a16="http://schemas.microsoft.com/office/drawing/2014/main" id="{3CFB75A5-A4EB-4591-970F-33853644CACF}"/>
+                </a:ext>
+              </a:extLst>
+            </p:cNvPr>
+            <p:cNvSpPr txBox="1"/>
+            <p:nvPr/>
+          </p:nvSpPr>
+          <p:spPr>
+            <a:xfrm>
+              <a:off x="1220378" y="4034728"/>
+              <a:ext cx="1447800" cy="646331"/>
+            </a:xfrm>
+            <a:prstGeom prst="rect">
+              <a:avLst/>
+            </a:prstGeom>
+            <a:noFill/>
+          </p:spPr>
+          <p:txBody>
+            <a:bodyPr wrap="square" rtlCol="0">
+              <a:spAutoFit/>
+            </a:bodyPr>
+            <a:lstStyle/>
+            <a:p>
+              <a:r>
+                <a:rPr lang="en-US" altLang="zh-CN" dirty="0">
+                  <a:solidFill>
+                    <a:schemeClr val="bg1"/>
+                  </a:solidFill>
+                </a:rPr>
+                <a:t>Relay</a:t>
+              </a:r>
+            </a:p>
+            <a:p>
+              <a:r>
+                <a:rPr lang="en-US" dirty="0">
+                  <a:solidFill>
+                    <a:schemeClr val="bg1"/>
+                  </a:solidFill>
+                </a:rPr>
+                <a:t>Module</a:t>
+              </a:r>
+            </a:p>
+          </p:txBody>
+        </p:sp>
+        <p:pic>
+          <p:nvPicPr>
+            <p:cNvPr id="36" name="Picture 8" descr="Disable, disabled, light, off, on, switch icon - Download on Iconfinder">
+              <a:extLst>
+                <a:ext uri="{FF2B5EF4-FFF2-40B4-BE49-F238E27FC236}">
+                  <a16:creationId xmlns:a16="http://schemas.microsoft.com/office/drawing/2014/main" id="{D1DAB7E1-E9D6-18D0-81F6-78B411590578}"/>
+                </a:ext>
+              </a:extLst>
+            </p:cNvPr>
+            <p:cNvPicPr>
+              <a:picLocks noChangeAspect="1" noChangeArrowheads="1"/>
+            </p:cNvPicPr>
+            <p:nvPr/>
+          </p:nvPicPr>
+          <p:blipFill>
+            <a:blip r:embed="rId3">
+              <a:extLst>
+                <a:ext uri="{28A0092B-C50C-407E-A947-70E740481C1C}">
+                  <a14:useLocalDpi xmlns:a14="http://schemas.microsoft.com/office/drawing/2010/main" val="0"/>
+                </a:ext>
+              </a:extLst>
+            </a:blip>
+            <a:srcRect/>
+            <a:stretch>
+              <a:fillRect/>
+            </a:stretch>
+          </p:blipFill>
+          <p:spPr bwMode="auto">
+            <a:xfrm flipH="1">
+              <a:off x="1297947" y="4736767"/>
+              <a:ext cx="646331" cy="646331"/>
+            </a:xfrm>
+            <a:prstGeom prst="rect">
+              <a:avLst/>
+            </a:prstGeom>
+            <a:noFill/>
+            <a:extLst>
+              <a:ext uri="{909E8E84-426E-40DD-AFC4-6F175D3DCCD1}">
+                <a14:hiddenFill xmlns:a14="http://schemas.microsoft.com/office/drawing/2010/main">
+                  <a:solidFill>
+                    <a:srgbClr val="FFFFFF"/>
+                  </a:solidFill>
+                </a14:hiddenFill>
+              </a:ext>
+            </a:extLst>
+          </p:spPr>
+        </p:pic>
+        <p:sp>
+          <p:nvSpPr>
+            <p:cNvPr id="37" name="TextBox 36">
+              <a:extLst>
+                <a:ext uri="{FF2B5EF4-FFF2-40B4-BE49-F238E27FC236}">
+                  <a16:creationId xmlns:a16="http://schemas.microsoft.com/office/drawing/2014/main" id="{6A2BAC3A-FDBD-C99D-B642-6701BA218810}"/>
+                </a:ext>
+              </a:extLst>
+            </p:cNvPr>
+            <p:cNvSpPr txBox="1"/>
+            <p:nvPr/>
+          </p:nvSpPr>
+          <p:spPr>
+            <a:xfrm>
+              <a:off x="2077330" y="4875266"/>
+              <a:ext cx="516488" cy="369332"/>
+            </a:xfrm>
+            <a:prstGeom prst="rect">
+              <a:avLst/>
+            </a:prstGeom>
+            <a:noFill/>
+          </p:spPr>
+          <p:txBody>
+            <a:bodyPr wrap="none" rtlCol="0">
+              <a:spAutoFit/>
+            </a:bodyPr>
+            <a:lstStyle/>
+            <a:p>
+              <a:r>
+                <a:rPr lang="en-US" dirty="0">
+                  <a:solidFill>
+                    <a:schemeClr val="bg1"/>
+                  </a:solidFill>
+                </a:rPr>
+                <a:t>ON</a:t>
+              </a:r>
+            </a:p>
+          </p:txBody>
+        </p:sp>
+      </p:grpSp>
+      <p:grpSp>
+        <p:nvGrpSpPr>
+          <p:cNvPr id="38" name="Group 37">
+            <a:extLst>
+              <a:ext uri="{FF2B5EF4-FFF2-40B4-BE49-F238E27FC236}">
+                <a16:creationId xmlns:a16="http://schemas.microsoft.com/office/drawing/2014/main" id="{009417C4-C9D4-CE8C-63D4-6E3F16DC9C6B}"/>
+              </a:ext>
+            </a:extLst>
+          </p:cNvPr>
+          <p:cNvGrpSpPr/>
+          <p:nvPr/>
+        </p:nvGrpSpPr>
+        <p:grpSpPr>
+          <a:xfrm>
+            <a:off x="6037307" y="1230132"/>
+            <a:ext cx="1565186" cy="1366939"/>
+            <a:chOff x="1161685" y="3997590"/>
+            <a:chExt cx="1565186" cy="1366939"/>
+          </a:xfrm>
+        </p:grpSpPr>
+        <p:sp>
+          <p:nvSpPr>
+            <p:cNvPr id="39" name="Rectangle 38">
+              <a:extLst>
+                <a:ext uri="{FF2B5EF4-FFF2-40B4-BE49-F238E27FC236}">
+                  <a16:creationId xmlns:a16="http://schemas.microsoft.com/office/drawing/2014/main" id="{A96804EE-3D86-392D-B65E-46EA856BEABA}"/>
+                </a:ext>
+              </a:extLst>
+            </p:cNvPr>
+            <p:cNvSpPr/>
+            <p:nvPr/>
+          </p:nvSpPr>
+          <p:spPr>
+            <a:xfrm>
+              <a:off x="1161685" y="3997590"/>
+              <a:ext cx="1565186" cy="1366939"/>
+            </a:xfrm>
+            <a:prstGeom prst="rect">
+              <a:avLst/>
+            </a:prstGeom>
+          </p:spPr>
+          <p:style>
+            <a:lnRef idx="2">
+              <a:schemeClr val="accent1">
+                <a:shade val="15000"/>
+              </a:schemeClr>
+            </a:lnRef>
+            <a:fillRef idx="1">
+              <a:schemeClr val="accent1"/>
+            </a:fillRef>
+            <a:effectRef idx="0">
+              <a:schemeClr val="accent1"/>
+            </a:effectRef>
+            <a:fontRef idx="minor">
+              <a:schemeClr val="lt1"/>
+            </a:fontRef>
+          </p:style>
+          <p:txBody>
+            <a:bodyPr rtlCol="0" anchor="ctr"/>
+            <a:lstStyle/>
+            <a:p>
+              <a:pPr algn="ctr"/>
+              <a:endParaRPr lang="en-US" dirty="0"/>
+            </a:p>
+          </p:txBody>
+        </p:sp>
+        <p:sp>
+          <p:nvSpPr>
+            <p:cNvPr id="40" name="TextBox 39">
+              <a:extLst>
+                <a:ext uri="{FF2B5EF4-FFF2-40B4-BE49-F238E27FC236}">
+                  <a16:creationId xmlns:a16="http://schemas.microsoft.com/office/drawing/2014/main" id="{DD1E4AB7-FA9B-58C5-480A-C0ECD988EEF5}"/>
+                </a:ext>
+              </a:extLst>
+            </p:cNvPr>
+            <p:cNvSpPr txBox="1"/>
+            <p:nvPr/>
+          </p:nvSpPr>
+          <p:spPr>
+            <a:xfrm>
+              <a:off x="1220378" y="4034728"/>
+              <a:ext cx="1447800" cy="369332"/>
+            </a:xfrm>
+            <a:prstGeom prst="rect">
+              <a:avLst/>
+            </a:prstGeom>
+            <a:noFill/>
+          </p:spPr>
+          <p:txBody>
+            <a:bodyPr wrap="square" rtlCol="0">
+              <a:spAutoFit/>
+            </a:bodyPr>
+            <a:lstStyle/>
+            <a:p>
+              <a:r>
+                <a:rPr lang="en-US" altLang="zh-CN" dirty="0">
+                  <a:solidFill>
+                    <a:schemeClr val="bg1"/>
+                  </a:solidFill>
+                </a:rPr>
+                <a:t>Button</a:t>
+              </a:r>
+            </a:p>
+          </p:txBody>
+        </p:sp>
+        <p:sp>
+          <p:nvSpPr>
+            <p:cNvPr id="42" name="TextBox 41">
+              <a:extLst>
+                <a:ext uri="{FF2B5EF4-FFF2-40B4-BE49-F238E27FC236}">
+                  <a16:creationId xmlns:a16="http://schemas.microsoft.com/office/drawing/2014/main" id="{4A631F59-3AB0-BC8D-9F4E-06A1817A0F05}"/>
+                </a:ext>
+              </a:extLst>
+            </p:cNvPr>
+            <p:cNvSpPr txBox="1"/>
+            <p:nvPr/>
+          </p:nvSpPr>
+          <p:spPr>
+            <a:xfrm>
+              <a:off x="1220378" y="4950431"/>
+              <a:ext cx="620683" cy="307777"/>
+            </a:xfrm>
+            <a:prstGeom prst="rect">
+              <a:avLst/>
+            </a:prstGeom>
+            <a:noFill/>
+          </p:spPr>
+          <p:txBody>
+            <a:bodyPr wrap="none" rtlCol="0">
+              <a:spAutoFit/>
+            </a:bodyPr>
+            <a:lstStyle/>
+            <a:p>
+              <a:r>
+                <a:rPr lang="en-US" sz="1400" dirty="0">
+                  <a:solidFill>
+                    <a:schemeClr val="bg1"/>
+                  </a:solidFill>
+                </a:rPr>
+                <a:t>12:39</a:t>
+              </a:r>
+            </a:p>
+          </p:txBody>
+        </p:sp>
+        <p:sp>
+          <p:nvSpPr>
+            <p:cNvPr id="43" name="TextBox 42">
+              <a:extLst>
+                <a:ext uri="{FF2B5EF4-FFF2-40B4-BE49-F238E27FC236}">
+                  <a16:creationId xmlns:a16="http://schemas.microsoft.com/office/drawing/2014/main" id="{2EF4E839-D3C0-6023-4AF4-14D747071B61}"/>
+                </a:ext>
+              </a:extLst>
+            </p:cNvPr>
+            <p:cNvSpPr txBox="1"/>
+            <p:nvPr/>
+          </p:nvSpPr>
+          <p:spPr>
+            <a:xfrm>
+              <a:off x="1899754" y="4950431"/>
+              <a:ext cx="807272" cy="307777"/>
+            </a:xfrm>
+            <a:prstGeom prst="rect">
+              <a:avLst/>
+            </a:prstGeom>
+            <a:noFill/>
+          </p:spPr>
+          <p:txBody>
+            <a:bodyPr wrap="none" rtlCol="0">
+              <a:spAutoFit/>
+            </a:bodyPr>
+            <a:lstStyle/>
+            <a:p>
+              <a:r>
+                <a:rPr lang="en-US" sz="1400" dirty="0">
+                  <a:solidFill>
+                    <a:schemeClr val="bg1"/>
+                  </a:solidFill>
+                </a:rPr>
+                <a:t>Pressed</a:t>
+              </a:r>
+            </a:p>
+          </p:txBody>
+        </p:sp>
+      </p:grpSp>
+      <p:grpSp>
+        <p:nvGrpSpPr>
+          <p:cNvPr id="44" name="Group 43">
+            <a:extLst>
+              <a:ext uri="{FF2B5EF4-FFF2-40B4-BE49-F238E27FC236}">
+                <a16:creationId xmlns:a16="http://schemas.microsoft.com/office/drawing/2014/main" id="{09D39987-A458-8E9A-4020-4EB5C4BD4CB4}"/>
+              </a:ext>
+            </a:extLst>
+          </p:cNvPr>
+          <p:cNvGrpSpPr/>
+          <p:nvPr/>
+        </p:nvGrpSpPr>
+        <p:grpSpPr>
+          <a:xfrm>
+            <a:off x="6232178" y="3997590"/>
+            <a:ext cx="1565186" cy="1385508"/>
+            <a:chOff x="1161685" y="3997590"/>
+            <a:chExt cx="1565186" cy="1385508"/>
+          </a:xfrm>
+        </p:grpSpPr>
+        <p:sp>
+          <p:nvSpPr>
+            <p:cNvPr id="45" name="Rectangle 44">
+              <a:extLst>
+                <a:ext uri="{FF2B5EF4-FFF2-40B4-BE49-F238E27FC236}">
+                  <a16:creationId xmlns:a16="http://schemas.microsoft.com/office/drawing/2014/main" id="{6C4B82F8-89AE-C558-5FB7-308CC3EB6CA9}"/>
+                </a:ext>
+              </a:extLst>
+            </p:cNvPr>
+            <p:cNvSpPr/>
+            <p:nvPr/>
+          </p:nvSpPr>
+          <p:spPr>
+            <a:xfrm>
+              <a:off x="1161685" y="3997590"/>
+              <a:ext cx="1565186" cy="1366939"/>
+            </a:xfrm>
+            <a:prstGeom prst="rect">
+              <a:avLst/>
+            </a:prstGeom>
+          </p:spPr>
+          <p:style>
+            <a:lnRef idx="2">
+              <a:schemeClr val="accent1">
+                <a:shade val="15000"/>
+              </a:schemeClr>
+            </a:lnRef>
+            <a:fillRef idx="1">
+              <a:schemeClr val="accent1"/>
+            </a:fillRef>
+            <a:effectRef idx="0">
+              <a:schemeClr val="accent1"/>
+            </a:effectRef>
+            <a:fontRef idx="minor">
+              <a:schemeClr val="lt1"/>
+            </a:fontRef>
+          </p:style>
+          <p:txBody>
+            <a:bodyPr rtlCol="0" anchor="ctr"/>
+            <a:lstStyle/>
+            <a:p>
+              <a:pPr algn="ctr"/>
+              <a:endParaRPr lang="en-US" dirty="0"/>
+            </a:p>
+          </p:txBody>
+        </p:sp>
+        <p:sp>
+          <p:nvSpPr>
+            <p:cNvPr id="46" name="TextBox 45">
+              <a:extLst>
+                <a:ext uri="{FF2B5EF4-FFF2-40B4-BE49-F238E27FC236}">
+                  <a16:creationId xmlns:a16="http://schemas.microsoft.com/office/drawing/2014/main" id="{254A9D65-3958-B7CB-E2D2-B75B06613234}"/>
+                </a:ext>
+              </a:extLst>
+            </p:cNvPr>
+            <p:cNvSpPr txBox="1"/>
+            <p:nvPr/>
+          </p:nvSpPr>
+          <p:spPr>
+            <a:xfrm>
+              <a:off x="1220378" y="4034728"/>
+              <a:ext cx="1447800" cy="369332"/>
+            </a:xfrm>
+            <a:prstGeom prst="rect">
+              <a:avLst/>
+            </a:prstGeom>
+            <a:noFill/>
+          </p:spPr>
+          <p:txBody>
+            <a:bodyPr wrap="square" rtlCol="0">
+              <a:spAutoFit/>
+            </a:bodyPr>
+            <a:lstStyle/>
+            <a:p>
+              <a:r>
+                <a:rPr lang="en-US" dirty="0">
+                  <a:solidFill>
+                    <a:schemeClr val="bg1"/>
+                  </a:solidFill>
+                </a:rPr>
+                <a:t>LED</a:t>
+              </a:r>
+            </a:p>
+          </p:txBody>
+        </p:sp>
+        <p:pic>
+          <p:nvPicPr>
+            <p:cNvPr id="47" name="Picture 8" descr="Disable, disabled, light, off, on, switch icon - Download on Iconfinder">
+              <a:extLst>
+                <a:ext uri="{FF2B5EF4-FFF2-40B4-BE49-F238E27FC236}">
+                  <a16:creationId xmlns:a16="http://schemas.microsoft.com/office/drawing/2014/main" id="{211F4096-2D0D-4CE9-F281-5E55FE44A4F3}"/>
+                </a:ext>
+              </a:extLst>
+            </p:cNvPr>
+            <p:cNvPicPr>
+              <a:picLocks noChangeAspect="1" noChangeArrowheads="1"/>
+            </p:cNvPicPr>
+            <p:nvPr/>
+          </p:nvPicPr>
+          <p:blipFill>
+            <a:blip r:embed="rId3">
+              <a:extLst>
+                <a:ext uri="{28A0092B-C50C-407E-A947-70E740481C1C}">
+                  <a14:useLocalDpi xmlns:a14="http://schemas.microsoft.com/office/drawing/2010/main" val="0"/>
+                </a:ext>
+              </a:extLst>
+            </a:blip>
+            <a:srcRect/>
+            <a:stretch>
+              <a:fillRect/>
+            </a:stretch>
+          </p:blipFill>
+          <p:spPr bwMode="auto">
+            <a:xfrm>
+              <a:off x="1297947" y="4736767"/>
+              <a:ext cx="646331" cy="646331"/>
+            </a:xfrm>
+            <a:prstGeom prst="rect">
+              <a:avLst/>
+            </a:prstGeom>
+            <a:noFill/>
+            <a:extLst>
+              <a:ext uri="{909E8E84-426E-40DD-AFC4-6F175D3DCCD1}">
+                <a14:hiddenFill xmlns:a14="http://schemas.microsoft.com/office/drawing/2010/main">
+                  <a:solidFill>
+                    <a:srgbClr val="FFFFFF"/>
+                  </a:solidFill>
+                </a14:hiddenFill>
+              </a:ext>
+            </a:extLst>
+          </p:spPr>
+        </p:pic>
+        <p:sp>
+          <p:nvSpPr>
+            <p:cNvPr id="48" name="TextBox 47">
+              <a:extLst>
+                <a:ext uri="{FF2B5EF4-FFF2-40B4-BE49-F238E27FC236}">
+                  <a16:creationId xmlns:a16="http://schemas.microsoft.com/office/drawing/2014/main" id="{E3E38EFC-F30C-A830-00CE-5EED6F4B3C8E}"/>
+                </a:ext>
+              </a:extLst>
+            </p:cNvPr>
+            <p:cNvSpPr txBox="1"/>
+            <p:nvPr/>
+          </p:nvSpPr>
+          <p:spPr>
+            <a:xfrm>
+              <a:off x="2077330" y="4875266"/>
+              <a:ext cx="596638" cy="369332"/>
+            </a:xfrm>
+            <a:prstGeom prst="rect">
+              <a:avLst/>
+            </a:prstGeom>
+            <a:noFill/>
+          </p:spPr>
+          <p:txBody>
+            <a:bodyPr wrap="none" rtlCol="0">
+              <a:spAutoFit/>
+            </a:bodyPr>
+            <a:lstStyle/>
+            <a:p>
+              <a:r>
+                <a:rPr lang="en-US" dirty="0">
+                  <a:solidFill>
+                    <a:schemeClr val="bg1"/>
+                  </a:solidFill>
+                </a:rPr>
+                <a:t>OFF</a:t>
+              </a:r>
+            </a:p>
+          </p:txBody>
+        </p:sp>
+      </p:grpSp>
+      <p:sp>
+        <p:nvSpPr>
+          <p:cNvPr id="11" name="Rectangle 10">
+            <a:extLst>
+              <a:ext uri="{FF2B5EF4-FFF2-40B4-BE49-F238E27FC236}">
+                <a16:creationId xmlns:a16="http://schemas.microsoft.com/office/drawing/2014/main" id="{AA346214-C92A-06EB-459B-B16296247B4E}"/>
+              </a:ext>
+            </a:extLst>
+          </p:cNvPr>
+          <p:cNvSpPr/>
+          <p:nvPr/>
+        </p:nvSpPr>
+        <p:spPr>
+          <a:xfrm>
+            <a:off x="87086" y="691237"/>
+            <a:ext cx="674915" cy="674915"/>
+          </a:xfrm>
+          <a:prstGeom prst="rect">
+            <a:avLst/>
+          </a:prstGeom>
+          <a:noFill/>
+          <a:ln>
+            <a:solidFill>
+              <a:srgbClr val="FF0000"/>
+            </a:solidFill>
+          </a:ln>
+        </p:spPr>
+        <p:style>
+          <a:lnRef idx="2">
+            <a:schemeClr val="accent1">
+              <a:shade val="15000"/>
+            </a:schemeClr>
+          </a:lnRef>
+          <a:fillRef idx="1">
+            <a:schemeClr val="accent1"/>
+          </a:fillRef>
+          <a:effectRef idx="0">
+            <a:schemeClr val="accent1"/>
+          </a:effectRef>
+          <a:fontRef idx="minor">
+            <a:schemeClr val="lt1"/>
+          </a:fontRef>
+        </p:style>
+        <p:txBody>
+          <a:bodyPr rtlCol="0" anchor="ctr"/>
+          <a:lstStyle/>
+          <a:p>
+            <a:pPr algn="ctr"/>
+            <a:endParaRPr lang="en-US"/>
+          </a:p>
+        </p:txBody>
+      </p:sp>
+      <p:sp>
+        <p:nvSpPr>
+          <p:cNvPr id="12" name="TextBox 11">
+            <a:extLst>
+              <a:ext uri="{FF2B5EF4-FFF2-40B4-BE49-F238E27FC236}">
+                <a16:creationId xmlns:a16="http://schemas.microsoft.com/office/drawing/2014/main" id="{9116F2C1-EC21-1EF1-6326-24DC7A2FA3C3}"/>
+              </a:ext>
+            </a:extLst>
+          </p:cNvPr>
+          <p:cNvSpPr txBox="1"/>
+          <p:nvPr/>
+        </p:nvSpPr>
+        <p:spPr>
+          <a:xfrm>
+            <a:off x="910607" y="173308"/>
+            <a:ext cx="6104164" cy="286360"/>
+          </a:xfrm>
+          <a:prstGeom prst="rect">
+            <a:avLst/>
+          </a:prstGeom>
+          <a:noFill/>
+        </p:spPr>
+        <p:txBody>
+          <a:bodyPr wrap="square">
+            <a:spAutoFit/>
+          </a:bodyPr>
+          <a:lstStyle/>
+          <a:p>
+            <a:pPr>
+              <a:lnSpc>
+                <a:spcPts val="1425"/>
+              </a:lnSpc>
+            </a:pPr>
+            <a:r>
+              <a:rPr lang="en-US" b="1" dirty="0">
+                <a:solidFill>
+                  <a:schemeClr val="bg1"/>
+                </a:solidFill>
+                <a:effectLst/>
+                <a:latin typeface="Consolas" panose="020B0609020204030204" pitchFamily="49" charset="0"/>
+              </a:rPr>
+              <a:t>Intelligent Control System</a:t>
+            </a:r>
+            <a:endParaRPr lang="en-US" b="0" dirty="0">
+              <a:solidFill>
+                <a:schemeClr val="bg1"/>
+              </a:solidFill>
+              <a:effectLst/>
+              <a:latin typeface="Consolas" panose="020B0609020204030204" pitchFamily="49" charset="0"/>
+            </a:endParaRPr>
+          </a:p>
+        </p:txBody>
+      </p:sp>
+      <p:sp>
+        <p:nvSpPr>
+          <p:cNvPr id="7" name="Speech Bubble: Rectangle 6">
+            <a:extLst>
+              <a:ext uri="{FF2B5EF4-FFF2-40B4-BE49-F238E27FC236}">
+                <a16:creationId xmlns:a16="http://schemas.microsoft.com/office/drawing/2014/main" id="{991CD33A-3BA2-7B52-5512-0CC203DBAEC2}"/>
+              </a:ext>
+            </a:extLst>
+          </p:cNvPr>
+          <p:cNvSpPr/>
+          <p:nvPr/>
+        </p:nvSpPr>
+        <p:spPr>
+          <a:xfrm>
+            <a:off x="9932723" y="846509"/>
+            <a:ext cx="1971811" cy="632713"/>
+          </a:xfrm>
+          <a:prstGeom prst="wedgeRectCallout">
+            <a:avLst>
+              <a:gd name="adj1" fmla="val 39387"/>
+              <a:gd name="adj2" fmla="val -78596"/>
+            </a:avLst>
+          </a:prstGeom>
+        </p:spPr>
+        <p:style>
+          <a:lnRef idx="2">
+            <a:schemeClr val="accent6">
+              <a:shade val="15000"/>
+            </a:schemeClr>
+          </a:lnRef>
+          <a:fillRef idx="1">
+            <a:schemeClr val="accent6"/>
+          </a:fillRef>
+          <a:effectRef idx="0">
+            <a:schemeClr val="accent6"/>
+          </a:effectRef>
+          <a:fontRef idx="minor">
+            <a:schemeClr val="lt1"/>
+          </a:fontRef>
+        </p:style>
+        <p:txBody>
+          <a:bodyPr rtlCol="0" anchor="ctr"/>
+          <a:lstStyle/>
+          <a:p>
+            <a:pPr>
+              <a:lnSpc>
+                <a:spcPts val="1425"/>
+              </a:lnSpc>
+            </a:pPr>
+            <a:r>
+              <a:rPr lang="en-US" sz="1400" b="0" dirty="0">
+                <a:solidFill>
+                  <a:srgbClr val="D6D6DD"/>
+                </a:solidFill>
+                <a:effectLst/>
+                <a:latin typeface="Consolas" panose="020B0609020204030204" pitchFamily="49" charset="0"/>
+              </a:rPr>
+              <a:t>POST /auth/logout</a:t>
+            </a:r>
+          </a:p>
+        </p:txBody>
+      </p:sp>
+      <p:sp>
+        <p:nvSpPr>
+          <p:cNvPr id="13" name="Speech Bubble: Rectangle 12">
+            <a:extLst>
+              <a:ext uri="{FF2B5EF4-FFF2-40B4-BE49-F238E27FC236}">
+                <a16:creationId xmlns:a16="http://schemas.microsoft.com/office/drawing/2014/main" id="{671B214D-5CEC-C63E-E43F-19CF8C85C5B4}"/>
+              </a:ext>
+            </a:extLst>
+          </p:cNvPr>
+          <p:cNvSpPr/>
+          <p:nvPr/>
+        </p:nvSpPr>
+        <p:spPr>
+          <a:xfrm>
+            <a:off x="3784633" y="691237"/>
+            <a:ext cx="1971811" cy="632713"/>
+          </a:xfrm>
+          <a:prstGeom prst="wedgeRectCallout">
+            <a:avLst>
+              <a:gd name="adj1" fmla="val 9717"/>
+              <a:gd name="adj2" fmla="val 105651"/>
+            </a:avLst>
+          </a:prstGeom>
+        </p:spPr>
+        <p:style>
+          <a:lnRef idx="2">
+            <a:schemeClr val="accent6">
+              <a:shade val="15000"/>
+            </a:schemeClr>
+          </a:lnRef>
+          <a:fillRef idx="1">
+            <a:schemeClr val="accent6"/>
+          </a:fillRef>
+          <a:effectRef idx="0">
+            <a:schemeClr val="accent6"/>
+          </a:effectRef>
+          <a:fontRef idx="minor">
+            <a:schemeClr val="lt1"/>
+          </a:fontRef>
+        </p:style>
+        <p:txBody>
+          <a:bodyPr rtlCol="0" anchor="ctr"/>
+          <a:lstStyle/>
+          <a:p>
+            <a:pPr>
+              <a:lnSpc>
+                <a:spcPts val="1425"/>
+              </a:lnSpc>
+            </a:pPr>
+            <a:r>
+              <a:rPr lang="en-US" sz="1400" b="0" dirty="0">
+                <a:solidFill>
+                  <a:srgbClr val="D6D6DD"/>
+                </a:solidFill>
+                <a:effectLst/>
+                <a:latin typeface="Consolas" panose="020B0609020204030204" pitchFamily="49" charset="0"/>
+              </a:rPr>
+              <a:t>GET /sensors/*/preview</a:t>
+            </a:r>
+          </a:p>
+        </p:txBody>
+      </p:sp>
+      <p:sp>
+        <p:nvSpPr>
+          <p:cNvPr id="27" name="Speech Bubble: Rectangle 26">
+            <a:extLst>
+              <a:ext uri="{FF2B5EF4-FFF2-40B4-BE49-F238E27FC236}">
+                <a16:creationId xmlns:a16="http://schemas.microsoft.com/office/drawing/2014/main" id="{B1934F9B-EB60-3144-CABB-AB206FEF51FD}"/>
+              </a:ext>
+            </a:extLst>
+          </p:cNvPr>
+          <p:cNvSpPr/>
+          <p:nvPr/>
+        </p:nvSpPr>
+        <p:spPr>
+          <a:xfrm>
+            <a:off x="3784633" y="2889182"/>
+            <a:ext cx="1971811" cy="632713"/>
+          </a:xfrm>
+          <a:prstGeom prst="wedgeRectCallout">
+            <a:avLst>
+              <a:gd name="adj1" fmla="val 23563"/>
+              <a:gd name="adj2" fmla="val -114897"/>
+            </a:avLst>
+          </a:prstGeom>
+        </p:spPr>
+        <p:style>
+          <a:lnRef idx="2">
+            <a:schemeClr val="accent6">
+              <a:shade val="15000"/>
+            </a:schemeClr>
+          </a:lnRef>
+          <a:fillRef idx="1">
+            <a:schemeClr val="accent6"/>
+          </a:fillRef>
+          <a:effectRef idx="0">
+            <a:schemeClr val="accent6"/>
+          </a:effectRef>
+          <a:fontRef idx="minor">
+            <a:schemeClr val="lt1"/>
+          </a:fontRef>
+        </p:style>
+        <p:txBody>
+          <a:bodyPr rtlCol="0" anchor="ctr"/>
+          <a:lstStyle/>
+          <a:p>
+            <a:pPr>
+              <a:lnSpc>
+                <a:spcPts val="1425"/>
+              </a:lnSpc>
+            </a:pPr>
+            <a:r>
+              <a:rPr lang="en-US" sz="1400" b="0" dirty="0">
+                <a:solidFill>
+                  <a:srgbClr val="D6D6DD"/>
+                </a:solidFill>
+                <a:effectLst/>
+                <a:latin typeface="Consolas" panose="020B0609020204030204" pitchFamily="49" charset="0"/>
+              </a:rPr>
+              <a:t>GET /sensors/light/chart</a:t>
+            </a:r>
+          </a:p>
+        </p:txBody>
+      </p:sp>
+      <p:sp>
+        <p:nvSpPr>
+          <p:cNvPr id="28" name="Speech Bubble: Rectangle 27">
+            <a:extLst>
+              <a:ext uri="{FF2B5EF4-FFF2-40B4-BE49-F238E27FC236}">
+                <a16:creationId xmlns:a16="http://schemas.microsoft.com/office/drawing/2014/main" id="{CE5F5657-F601-3EBE-7521-98D7B461EEBE}"/>
+              </a:ext>
+            </a:extLst>
+          </p:cNvPr>
+          <p:cNvSpPr/>
+          <p:nvPr/>
+        </p:nvSpPr>
+        <p:spPr>
+          <a:xfrm>
+            <a:off x="3614800" y="5685279"/>
+            <a:ext cx="1971811" cy="632713"/>
+          </a:xfrm>
+          <a:prstGeom prst="wedgeRectCallout">
+            <a:avLst>
+              <a:gd name="adj1" fmla="val 23563"/>
+              <a:gd name="adj2" fmla="val -114897"/>
+            </a:avLst>
+          </a:prstGeom>
+        </p:spPr>
+        <p:style>
+          <a:lnRef idx="2">
+            <a:schemeClr val="accent6">
+              <a:shade val="15000"/>
+            </a:schemeClr>
+          </a:lnRef>
+          <a:fillRef idx="1">
+            <a:schemeClr val="accent6"/>
+          </a:fillRef>
+          <a:effectRef idx="0">
+            <a:schemeClr val="accent6"/>
+          </a:effectRef>
+          <a:fontRef idx="minor">
+            <a:schemeClr val="lt1"/>
+          </a:fontRef>
+        </p:style>
+        <p:txBody>
+          <a:bodyPr rtlCol="0" anchor="ctr"/>
+          <a:lstStyle/>
+          <a:p>
+            <a:pPr>
+              <a:lnSpc>
+                <a:spcPts val="1425"/>
+              </a:lnSpc>
+            </a:pPr>
+            <a:r>
+              <a:rPr lang="en-US" sz="1400" b="0" dirty="0">
+                <a:solidFill>
+                  <a:srgbClr val="D6D6DD"/>
+                </a:solidFill>
+                <a:effectLst/>
+                <a:latin typeface="Consolas" panose="020B0609020204030204" pitchFamily="49" charset="0"/>
+              </a:rPr>
+              <a:t>POST /controllers/*</a:t>
+            </a:r>
+          </a:p>
+        </p:txBody>
+      </p:sp>
+    </p:spTree>
+    <p:extLst>
+      <p:ext uri="{BB962C8B-B14F-4D97-AF65-F5344CB8AC3E}">
+        <p14:creationId xmlns:p14="http://schemas.microsoft.com/office/powerpoint/2010/main" val="1507463479"/>
+      </p:ext>
+    </p:extLst>
+  </p:cSld>
+  <p:clrMapOvr>
+    <a:masterClrMapping/>
+  </p:clrMapOvr>
+</p:sld>
+</file>
+
+<file path=ppt/slides/slide7.xml><?xml version="1.0" encoding="utf-8"?>
+<p:sld xmlns:a="http://schemas.openxmlformats.org/drawingml/2006/main" xmlns:r="http://schemas.openxmlformats.org/officeDocument/2006/relationships" xmlns:p="http://schemas.openxmlformats.org/presentationml/2006/main">
+  <p:cSld>
+    <p:spTree>
+      <p:nvGrpSpPr>
         <p:cNvPr id="1" name=""/>
         <p:cNvGrpSpPr/>
         <p:nvPr/>
@@ -16281,6 +22368,68 @@
           </a:p>
         </p:txBody>
       </p:sp>
+      <p:sp>
+        <p:nvSpPr>
+          <p:cNvPr id="22" name="Speech Bubble: Rectangle 21">
+            <a:extLst>
+              <a:ext uri="{FF2B5EF4-FFF2-40B4-BE49-F238E27FC236}">
+                <a16:creationId xmlns:a16="http://schemas.microsoft.com/office/drawing/2014/main" id="{9DE7856E-1D6E-FCDB-83C4-47BBA4AB1AF6}"/>
+              </a:ext>
+            </a:extLst>
+          </p:cNvPr>
+          <p:cNvSpPr/>
+          <p:nvPr/>
+        </p:nvSpPr>
+        <p:spPr>
+          <a:xfrm>
+            <a:off x="3889684" y="6139419"/>
+            <a:ext cx="1971811" cy="632713"/>
+          </a:xfrm>
+          <a:prstGeom prst="wedgeRectCallout">
+            <a:avLst>
+              <a:gd name="adj1" fmla="val 21805"/>
+              <a:gd name="adj2" fmla="val -79966"/>
+            </a:avLst>
+          </a:prstGeom>
+        </p:spPr>
+        <p:style>
+          <a:lnRef idx="2">
+            <a:schemeClr val="accent6">
+              <a:shade val="15000"/>
+            </a:schemeClr>
+          </a:lnRef>
+          <a:fillRef idx="1">
+            <a:schemeClr val="accent6"/>
+          </a:fillRef>
+          <a:effectRef idx="0">
+            <a:schemeClr val="accent6"/>
+          </a:effectRef>
+          <a:fontRef idx="minor">
+            <a:schemeClr val="lt1"/>
+          </a:fontRef>
+        </p:style>
+        <p:txBody>
+          <a:bodyPr rtlCol="0" anchor="ctr"/>
+          <a:lstStyle/>
+          <a:p>
+            <a:pPr>
+              <a:lnSpc>
+                <a:spcPts val="1425"/>
+              </a:lnSpc>
+            </a:pPr>
+            <a:r>
+              <a:rPr lang="en-US" sz="1400" b="0" dirty="0">
+                <a:solidFill>
+                  <a:srgbClr val="D6D6DD"/>
+                </a:solidFill>
+                <a:effectLst/>
+                <a:latin typeface="Consolas" panose="020B0609020204030204" pitchFamily="49" charset="0"/>
+              </a:rPr>
+              <a:t>GET /sensors/light/chart</a:t>
+            </a:r>
+          </a:p>
+        </p:txBody>
+      </p:sp>
     </p:spTree>
     <p:extLst>
       <p:ext uri="{BB962C8B-B14F-4D97-AF65-F5344CB8AC3E}">
@@ -16294,7 +22443,7 @@
 </p:sld>
 </file>
 
-<file path=ppt/slides/slide7.xml><?xml version="1.0" encoding="utf-8"?>
+<file path=ppt/slides/slide8.xml><?xml version="1.0" encoding="utf-8"?>
 <p:sld xmlns:a="http://schemas.openxmlformats.org/drawingml/2006/main" xmlns:r="http://schemas.openxmlformats.org/officeDocument/2006/relationships" xmlns:p="http://schemas.openxmlformats.org/presentationml/2006/main">
   <p:cSld>
     <p:spTree>
@@ -18907,7 +25056,7 @@
 </p:sld>
 </file>
 
-<file path=ppt/slides/slide8.xml><?xml version="1.0" encoding="utf-8"?>
+<file path=ppt/slides/slide9.xml><?xml version="1.0" encoding="utf-8"?>
 <p:sld xmlns:a="http://schemas.openxmlformats.org/drawingml/2006/main" xmlns:r="http://schemas.openxmlformats.org/officeDocument/2006/relationships" xmlns:p="http://schemas.openxmlformats.org/presentationml/2006/main">
   <p:cSld>
     <p:spTree>
@@ -20808,48 +26957,12 @@
           </a:p>
         </p:txBody>
       </p:sp>
-    </p:spTree>
-    <p:extLst>
-      <p:ext uri="{BB962C8B-B14F-4D97-AF65-F5344CB8AC3E}">
-        <p14:creationId xmlns:p14="http://schemas.microsoft.com/office/powerpoint/2010/main" val="57246447"/>
-      </p:ext>
-    </p:extLst>
-  </p:cSld>
-  <p:clrMapOvr>
-    <a:masterClrMapping/>
-  </p:clrMapOvr>
-</p:sld>
-</file>
-
-<file path=ppt/slides/slide9.xml><?xml version="1.0" encoding="utf-8"?>
-<p:sld xmlns:a="http://schemas.openxmlformats.org/drawingml/2006/main" xmlns:r="http://schemas.openxmlformats.org/officeDocument/2006/relationships" xmlns:p="http://schemas.openxmlformats.org/presentationml/2006/main">
-  <p:cSld>
-    <p:spTree>
-      <p:nvGrpSpPr>
-        <p:cNvPr id="1" name="">
-          <a:extLst>
-            <a:ext uri="{FF2B5EF4-FFF2-40B4-BE49-F238E27FC236}">
-              <a16:creationId xmlns:a16="http://schemas.microsoft.com/office/drawing/2014/main" id="{BFDFEBF6-6123-F23D-E3BA-16294BE10BD2}"/>
-            </a:ext>
-          </a:extLst>
-        </p:cNvPr>
-        <p:cNvGrpSpPr/>
-        <p:nvPr/>
-      </p:nvGrpSpPr>
-      <p:grpSpPr>
-        <a:xfrm>
-          <a:off x="0" y="0"/>
-          <a:ext cx="0" cy="0"/>
-          <a:chOff x="0" y="0"/>
-          <a:chExt cx="0" cy="0"/>
-        </a:xfrm>
-      </p:grpSpPr>
       <p:sp>
         <p:nvSpPr>
-          <p:cNvPr id="2" name="Rectangle 1">
+          <p:cNvPr id="9" name="Speech Bubble: Rectangle 8">
             <a:extLst>
               <a:ext uri="{FF2B5EF4-FFF2-40B4-BE49-F238E27FC236}">
-                <a16:creationId xmlns:a16="http://schemas.microsoft.com/office/drawing/2014/main" id="{FD129EE1-0034-D0B8-72AC-6281F6A5E473}"/>
+                <a16:creationId xmlns:a16="http://schemas.microsoft.com/office/drawing/2014/main" id="{E198E339-08EE-09C4-E2AF-2273F3E94B5A}"/>
               </a:ext>
             </a:extLst>
           </p:cNvPr>
@@ -20858,24 +26971,27 @@
         </p:nvSpPr>
         <p:spPr>
           <a:xfrm>
-            <a:off x="-1" y="0"/>
-            <a:ext cx="846667" cy="6858000"/>
+            <a:off x="3904619" y="724637"/>
+            <a:ext cx="1841801" cy="515704"/>
           </a:xfrm>
-          <a:prstGeom prst="rect">
-            <a:avLst/>
+          <a:prstGeom prst="wedgeRectCallout">
+            <a:avLst>
+              <a:gd name="adj1" fmla="val -22245"/>
+              <a:gd name="adj2" fmla="val 77626"/>
+            </a:avLst>
           </a:prstGeom>
         </p:spPr>
         <p:style>
           <a:lnRef idx="2">
-            <a:schemeClr val="accent1">
+            <a:schemeClr val="accent6">
               <a:shade val="15000"/>
             </a:schemeClr>
           </a:lnRef>
           <a:fillRef idx="1">
-            <a:schemeClr val="accent1"/>
+            <a:schemeClr val="accent6"/>
           </a:fillRef>
           <a:effectRef idx="0">
-            <a:schemeClr val="accent1"/>
+            <a:schemeClr val="accent6"/>
           </a:effectRef>
           <a:fontRef idx="minor">
             <a:schemeClr val="lt1"/>
@@ -20885,17 +27001,29 @@
           <a:bodyPr rtlCol="0" anchor="ctr"/>
           <a:lstStyle/>
           <a:p>
-            <a:pPr algn="ctr"/>
-            <a:endParaRPr lang="en-US"/>
+            <a:pPr>
+              <a:lnSpc>
+                <a:spcPts val="1425"/>
+              </a:lnSpc>
+            </a:pPr>
+            <a:r>
+              <a:rPr lang="en-US" sz="1400">
+                <a:solidFill>
+                  <a:srgbClr val="D6D6DD"/>
+                </a:solidFill>
+                <a:latin typeface="Consolas" panose="020B0609020204030204" pitchFamily="49" charset="0"/>
+              </a:rPr>
+              <a:t>GET /rules</a:t>
+            </a:r>
           </a:p>
         </p:txBody>
       </p:sp>
       <p:sp>
         <p:nvSpPr>
-          <p:cNvPr id="3" name="Rectangle 2">
+          <p:cNvPr id="17" name="Speech Bubble: Rectangle 16">
             <a:extLst>
               <a:ext uri="{FF2B5EF4-FFF2-40B4-BE49-F238E27FC236}">
-                <a16:creationId xmlns:a16="http://schemas.microsoft.com/office/drawing/2014/main" id="{9EF0A877-A610-CFE8-0FBB-F3465F129A0D}"/>
+                <a16:creationId xmlns:a16="http://schemas.microsoft.com/office/drawing/2014/main" id="{EE388C81-9E28-9C50-388B-724F500EA68E}"/>
               </a:ext>
             </a:extLst>
           </p:cNvPr>
@@ -20904,24 +27032,27 @@
         </p:nvSpPr>
         <p:spPr>
           <a:xfrm>
-            <a:off x="846666" y="0"/>
-            <a:ext cx="11345334" cy="566057"/>
+            <a:off x="8837873" y="2708533"/>
+            <a:ext cx="1841801" cy="515704"/>
           </a:xfrm>
-          <a:prstGeom prst="rect">
-            <a:avLst/>
+          <a:prstGeom prst="wedgeRectCallout">
+            <a:avLst>
+              <a:gd name="adj1" fmla="val 44343"/>
+              <a:gd name="adj2" fmla="val -91282"/>
+            </a:avLst>
           </a:prstGeom>
         </p:spPr>
         <p:style>
           <a:lnRef idx="2">
-            <a:schemeClr val="accent1">
+            <a:schemeClr val="accent6">
               <a:shade val="15000"/>
             </a:schemeClr>
           </a:lnRef>
           <a:fillRef idx="1">
-            <a:schemeClr val="accent1"/>
+            <a:schemeClr val="accent6"/>
           </a:fillRef>
           <a:effectRef idx="0">
-            <a:schemeClr val="accent1"/>
+            <a:schemeClr val="accent6"/>
           </a:effectRef>
           <a:fontRef idx="minor">
             <a:schemeClr val="lt1"/>
@@ -20931,2660 +27062,48 @@
           <a:bodyPr rtlCol="0" anchor="ctr"/>
           <a:lstStyle/>
           <a:p>
-            <a:pPr algn="ctr"/>
-            <a:endParaRPr lang="en-US"/>
-          </a:p>
-        </p:txBody>
-      </p:sp>
-      <p:sp>
-        <p:nvSpPr>
-          <p:cNvPr id="4" name="home-black-shape_37489">
-            <a:extLst>
-              <a:ext uri="{FF2B5EF4-FFF2-40B4-BE49-F238E27FC236}">
-                <a16:creationId xmlns:a16="http://schemas.microsoft.com/office/drawing/2014/main" id="{37A5937E-8617-3BFA-6C7B-B3D09BF9245E}"/>
-              </a:ext>
-            </a:extLst>
-          </p:cNvPr>
-          <p:cNvSpPr/>
-          <p:nvPr/>
-        </p:nvSpPr>
-        <p:spPr>
-          <a:xfrm>
-            <a:off x="193741" y="794660"/>
-            <a:ext cx="456199" cy="435472"/>
-          </a:xfrm>
-          <a:custGeom>
-            <a:avLst/>
-            <a:gdLst>
-              <a:gd name="T0" fmla="*/ 3512 w 6292"/>
-              <a:gd name="T1" fmla="*/ 203 h 6774"/>
-              <a:gd name="T2" fmla="*/ 2779 w 6292"/>
-              <a:gd name="T3" fmla="*/ 203 h 6774"/>
-              <a:gd name="T4" fmla="*/ 202 w 6292"/>
-              <a:gd name="T5" fmla="*/ 2780 h 6774"/>
-              <a:gd name="T6" fmla="*/ 354 w 6292"/>
-              <a:gd name="T7" fmla="*/ 3146 h 6774"/>
-              <a:gd name="T8" fmla="*/ 548 w 6292"/>
-              <a:gd name="T9" fmla="*/ 3146 h 6774"/>
-              <a:gd name="T10" fmla="*/ 548 w 6292"/>
-              <a:gd name="T11" fmla="*/ 6611 h 6774"/>
-              <a:gd name="T12" fmla="*/ 711 w 6292"/>
-              <a:gd name="T13" fmla="*/ 6774 h 6774"/>
-              <a:gd name="T14" fmla="*/ 2398 w 6292"/>
-              <a:gd name="T15" fmla="*/ 6774 h 6774"/>
-              <a:gd name="T16" fmla="*/ 2398 w 6292"/>
-              <a:gd name="T17" fmla="*/ 4979 h 6774"/>
-              <a:gd name="T18" fmla="*/ 2561 w 6292"/>
-              <a:gd name="T19" fmla="*/ 4816 h 6774"/>
-              <a:gd name="T20" fmla="*/ 3731 w 6292"/>
-              <a:gd name="T21" fmla="*/ 4816 h 6774"/>
-              <a:gd name="T22" fmla="*/ 3894 w 6292"/>
-              <a:gd name="T23" fmla="*/ 4979 h 6774"/>
-              <a:gd name="T24" fmla="*/ 3894 w 6292"/>
-              <a:gd name="T25" fmla="*/ 6774 h 6774"/>
-              <a:gd name="T26" fmla="*/ 5580 w 6292"/>
-              <a:gd name="T27" fmla="*/ 6774 h 6774"/>
-              <a:gd name="T28" fmla="*/ 5743 w 6292"/>
-              <a:gd name="T29" fmla="*/ 6611 h 6774"/>
-              <a:gd name="T30" fmla="*/ 5743 w 6292"/>
-              <a:gd name="T31" fmla="*/ 3146 h 6774"/>
-              <a:gd name="T32" fmla="*/ 5937 w 6292"/>
-              <a:gd name="T33" fmla="*/ 3146 h 6774"/>
-              <a:gd name="T34" fmla="*/ 6089 w 6292"/>
-              <a:gd name="T35" fmla="*/ 2780 h 6774"/>
-              <a:gd name="T36" fmla="*/ 3512 w 6292"/>
-              <a:gd name="T37" fmla="*/ 203 h 6774"/>
-            </a:gdLst>
-            <a:ahLst/>
-            <a:cxnLst>
-              <a:cxn ang="0">
-                <a:pos x="T0" y="T1"/>
-              </a:cxn>
-              <a:cxn ang="0">
-                <a:pos x="T2" y="T3"/>
-              </a:cxn>
-              <a:cxn ang="0">
-                <a:pos x="T4" y="T5"/>
-              </a:cxn>
-              <a:cxn ang="0">
-                <a:pos x="T6" y="T7"/>
-              </a:cxn>
-              <a:cxn ang="0">
-                <a:pos x="T8" y="T9"/>
-              </a:cxn>
-              <a:cxn ang="0">
-                <a:pos x="T10" y="T11"/>
-              </a:cxn>
-              <a:cxn ang="0">
-                <a:pos x="T12" y="T13"/>
-              </a:cxn>
-              <a:cxn ang="0">
-                <a:pos x="T14" y="T15"/>
-              </a:cxn>
-              <a:cxn ang="0">
-                <a:pos x="T16" y="T17"/>
-              </a:cxn>
-              <a:cxn ang="0">
-                <a:pos x="T18" y="T19"/>
-              </a:cxn>
-              <a:cxn ang="0">
-                <a:pos x="T20" y="T21"/>
-              </a:cxn>
-              <a:cxn ang="0">
-                <a:pos x="T22" y="T23"/>
-              </a:cxn>
-              <a:cxn ang="0">
-                <a:pos x="T24" y="T25"/>
-              </a:cxn>
-              <a:cxn ang="0">
-                <a:pos x="T26" y="T27"/>
-              </a:cxn>
-              <a:cxn ang="0">
-                <a:pos x="T28" y="T29"/>
-              </a:cxn>
-              <a:cxn ang="0">
-                <a:pos x="T30" y="T31"/>
-              </a:cxn>
-              <a:cxn ang="0">
-                <a:pos x="T32" y="T33"/>
-              </a:cxn>
-              <a:cxn ang="0">
-                <a:pos x="T34" y="T35"/>
-              </a:cxn>
-              <a:cxn ang="0">
-                <a:pos x="T36" y="T37"/>
-              </a:cxn>
-            </a:cxnLst>
-            <a:rect l="0" t="0" r="r" b="b"/>
-            <a:pathLst>
-              <a:path w="6292" h="6774">
-                <a:moveTo>
-                  <a:pt x="3512" y="203"/>
-                </a:moveTo>
-                <a:cubicBezTo>
-                  <a:pt x="3310" y="0"/>
-                  <a:pt x="2982" y="0"/>
-                  <a:pt x="2779" y="203"/>
-                </a:cubicBezTo>
-                <a:lnTo>
-                  <a:pt x="202" y="2780"/>
-                </a:lnTo>
-                <a:cubicBezTo>
-                  <a:pt x="0" y="2982"/>
-                  <a:pt x="68" y="3146"/>
-                  <a:pt x="354" y="3146"/>
-                </a:cubicBezTo>
-                <a:lnTo>
-                  <a:pt x="548" y="3146"/>
-                </a:lnTo>
-                <a:lnTo>
-                  <a:pt x="548" y="6611"/>
-                </a:lnTo>
-                <a:cubicBezTo>
-                  <a:pt x="548" y="6701"/>
-                  <a:pt x="621" y="6774"/>
-                  <a:pt x="711" y="6774"/>
-                </a:cubicBezTo>
-                <a:lnTo>
-                  <a:pt x="2398" y="6774"/>
-                </a:lnTo>
-                <a:lnTo>
-                  <a:pt x="2398" y="4979"/>
-                </a:lnTo>
-                <a:cubicBezTo>
-                  <a:pt x="2398" y="4889"/>
-                  <a:pt x="2471" y="4816"/>
-                  <a:pt x="2561" y="4816"/>
-                </a:cubicBezTo>
-                <a:lnTo>
-                  <a:pt x="3731" y="4816"/>
-                </a:lnTo>
-                <a:cubicBezTo>
-                  <a:pt x="3821" y="4816"/>
-                  <a:pt x="3894" y="4889"/>
-                  <a:pt x="3894" y="4979"/>
-                </a:cubicBezTo>
-                <a:lnTo>
-                  <a:pt x="3894" y="6774"/>
-                </a:lnTo>
-                <a:lnTo>
-                  <a:pt x="5580" y="6774"/>
-                </a:lnTo>
-                <a:cubicBezTo>
-                  <a:pt x="5670" y="6774"/>
-                  <a:pt x="5743" y="6701"/>
-                  <a:pt x="5743" y="6611"/>
-                </a:cubicBezTo>
-                <a:lnTo>
-                  <a:pt x="5743" y="3146"/>
-                </a:lnTo>
-                <a:lnTo>
-                  <a:pt x="5937" y="3146"/>
-                </a:lnTo>
-                <a:cubicBezTo>
-                  <a:pt x="6224" y="3146"/>
-                  <a:pt x="6292" y="2982"/>
-                  <a:pt x="6089" y="2780"/>
-                </a:cubicBezTo>
-                <a:lnTo>
-                  <a:pt x="3512" y="203"/>
-                </a:lnTo>
-                <a:close/>
-              </a:path>
-            </a:pathLst>
-          </a:custGeom>
-          <a:solidFill>
-            <a:schemeClr val="bg1"/>
-          </a:solidFill>
-          <a:ln>
-            <a:noFill/>
-          </a:ln>
-        </p:spPr>
-        <p:style>
-          <a:lnRef idx="2">
-            <a:schemeClr val="accent1">
-              <a:shade val="50000"/>
-            </a:schemeClr>
-          </a:lnRef>
-          <a:fillRef idx="1">
-            <a:schemeClr val="accent1"/>
-          </a:fillRef>
-          <a:effectRef idx="0">
-            <a:schemeClr val="accent1"/>
-          </a:effectRef>
-          <a:fontRef idx="minor">
-            <a:schemeClr val="lt1"/>
-          </a:fontRef>
-        </p:style>
-        <p:txBody>
-          <a:bodyPr rtlCol="0" anchor="ctr"/>
-          <a:lstStyle/>
-          <a:p>
-            <a:pPr algn="ctr"/>
-            <a:endParaRPr lang="en-US"/>
-          </a:p>
-        </p:txBody>
-      </p:sp>
-      <p:sp>
-        <p:nvSpPr>
-          <p:cNvPr id="5" name="settings_101770">
-            <a:extLst>
-              <a:ext uri="{FF2B5EF4-FFF2-40B4-BE49-F238E27FC236}">
-                <a16:creationId xmlns:a16="http://schemas.microsoft.com/office/drawing/2014/main" id="{A24ED78D-36B0-7BA5-C9A0-CEF2350011CD}"/>
-              </a:ext>
-            </a:extLst>
-          </p:cNvPr>
-          <p:cNvSpPr/>
-          <p:nvPr/>
-        </p:nvSpPr>
-        <p:spPr>
-          <a:xfrm>
-            <a:off x="193741" y="2253729"/>
-            <a:ext cx="456199" cy="435472"/>
-          </a:xfrm>
-          <a:custGeom>
-            <a:avLst/>
-            <a:gdLst>
-              <a:gd name="T0" fmla="*/ 447 w 3046"/>
-              <a:gd name="T1" fmla="*/ 2203 h 3046"/>
-              <a:gd name="T2" fmla="*/ 248 w 3046"/>
-              <a:gd name="T3" fmla="*/ 2402 h 3046"/>
-              <a:gd name="T4" fmla="*/ 644 w 3046"/>
-              <a:gd name="T5" fmla="*/ 2798 h 3046"/>
-              <a:gd name="T6" fmla="*/ 843 w 3046"/>
-              <a:gd name="T7" fmla="*/ 2599 h 3046"/>
-              <a:gd name="T8" fmla="*/ 1243 w 3046"/>
-              <a:gd name="T9" fmla="*/ 2765 h 3046"/>
-              <a:gd name="T10" fmla="*/ 1243 w 3046"/>
-              <a:gd name="T11" fmla="*/ 3046 h 3046"/>
-              <a:gd name="T12" fmla="*/ 1803 w 3046"/>
-              <a:gd name="T13" fmla="*/ 3046 h 3046"/>
-              <a:gd name="T14" fmla="*/ 1803 w 3046"/>
-              <a:gd name="T15" fmla="*/ 2765 h 3046"/>
-              <a:gd name="T16" fmla="*/ 2203 w 3046"/>
-              <a:gd name="T17" fmla="*/ 2599 h 3046"/>
-              <a:gd name="T18" fmla="*/ 2402 w 3046"/>
-              <a:gd name="T19" fmla="*/ 2798 h 3046"/>
-              <a:gd name="T20" fmla="*/ 2798 w 3046"/>
-              <a:gd name="T21" fmla="*/ 2402 h 3046"/>
-              <a:gd name="T22" fmla="*/ 2599 w 3046"/>
-              <a:gd name="T23" fmla="*/ 2203 h 3046"/>
-              <a:gd name="T24" fmla="*/ 2765 w 3046"/>
-              <a:gd name="T25" fmla="*/ 1803 h 3046"/>
-              <a:gd name="T26" fmla="*/ 3046 w 3046"/>
-              <a:gd name="T27" fmla="*/ 1803 h 3046"/>
-              <a:gd name="T28" fmla="*/ 3046 w 3046"/>
-              <a:gd name="T29" fmla="*/ 1243 h 3046"/>
-              <a:gd name="T30" fmla="*/ 2765 w 3046"/>
-              <a:gd name="T31" fmla="*/ 1243 h 3046"/>
-              <a:gd name="T32" fmla="*/ 2599 w 3046"/>
-              <a:gd name="T33" fmla="*/ 843 h 3046"/>
-              <a:gd name="T34" fmla="*/ 2798 w 3046"/>
-              <a:gd name="T35" fmla="*/ 644 h 3046"/>
-              <a:gd name="T36" fmla="*/ 2402 w 3046"/>
-              <a:gd name="T37" fmla="*/ 248 h 3046"/>
-              <a:gd name="T38" fmla="*/ 2203 w 3046"/>
-              <a:gd name="T39" fmla="*/ 447 h 3046"/>
-              <a:gd name="T40" fmla="*/ 1803 w 3046"/>
-              <a:gd name="T41" fmla="*/ 281 h 3046"/>
-              <a:gd name="T42" fmla="*/ 1803 w 3046"/>
-              <a:gd name="T43" fmla="*/ 0 h 3046"/>
-              <a:gd name="T44" fmla="*/ 1243 w 3046"/>
-              <a:gd name="T45" fmla="*/ 0 h 3046"/>
-              <a:gd name="T46" fmla="*/ 1243 w 3046"/>
-              <a:gd name="T47" fmla="*/ 281 h 3046"/>
-              <a:gd name="T48" fmla="*/ 843 w 3046"/>
-              <a:gd name="T49" fmla="*/ 447 h 3046"/>
-              <a:gd name="T50" fmla="*/ 644 w 3046"/>
-              <a:gd name="T51" fmla="*/ 248 h 3046"/>
-              <a:gd name="T52" fmla="*/ 248 w 3046"/>
-              <a:gd name="T53" fmla="*/ 644 h 3046"/>
-              <a:gd name="T54" fmla="*/ 447 w 3046"/>
-              <a:gd name="T55" fmla="*/ 843 h 3046"/>
-              <a:gd name="T56" fmla="*/ 281 w 3046"/>
-              <a:gd name="T57" fmla="*/ 1243 h 3046"/>
-              <a:gd name="T58" fmla="*/ 0 w 3046"/>
-              <a:gd name="T59" fmla="*/ 1243 h 3046"/>
-              <a:gd name="T60" fmla="*/ 0 w 3046"/>
-              <a:gd name="T61" fmla="*/ 1803 h 3046"/>
-              <a:gd name="T62" fmla="*/ 281 w 3046"/>
-              <a:gd name="T63" fmla="*/ 1803 h 3046"/>
-              <a:gd name="T64" fmla="*/ 447 w 3046"/>
-              <a:gd name="T65" fmla="*/ 2203 h 3046"/>
-              <a:gd name="T66" fmla="*/ 1523 w 3046"/>
-              <a:gd name="T67" fmla="*/ 782 h 3046"/>
-              <a:gd name="T68" fmla="*/ 2264 w 3046"/>
-              <a:gd name="T69" fmla="*/ 1523 h 3046"/>
-              <a:gd name="T70" fmla="*/ 1523 w 3046"/>
-              <a:gd name="T71" fmla="*/ 2264 h 3046"/>
-              <a:gd name="T72" fmla="*/ 782 w 3046"/>
-              <a:gd name="T73" fmla="*/ 1523 h 3046"/>
-              <a:gd name="T74" fmla="*/ 1523 w 3046"/>
-              <a:gd name="T75" fmla="*/ 782 h 3046"/>
-            </a:gdLst>
-            <a:ahLst/>
-            <a:cxnLst>
-              <a:cxn ang="0">
-                <a:pos x="T0" y="T1"/>
-              </a:cxn>
-              <a:cxn ang="0">
-                <a:pos x="T2" y="T3"/>
-              </a:cxn>
-              <a:cxn ang="0">
-                <a:pos x="T4" y="T5"/>
-              </a:cxn>
-              <a:cxn ang="0">
-                <a:pos x="T6" y="T7"/>
-              </a:cxn>
-              <a:cxn ang="0">
-                <a:pos x="T8" y="T9"/>
-              </a:cxn>
-              <a:cxn ang="0">
-                <a:pos x="T10" y="T11"/>
-              </a:cxn>
-              <a:cxn ang="0">
-                <a:pos x="T12" y="T13"/>
-              </a:cxn>
-              <a:cxn ang="0">
-                <a:pos x="T14" y="T15"/>
-              </a:cxn>
-              <a:cxn ang="0">
-                <a:pos x="T16" y="T17"/>
-              </a:cxn>
-              <a:cxn ang="0">
-                <a:pos x="T18" y="T19"/>
-              </a:cxn>
-              <a:cxn ang="0">
-                <a:pos x="T20" y="T21"/>
-              </a:cxn>
-              <a:cxn ang="0">
-                <a:pos x="T22" y="T23"/>
-              </a:cxn>
-              <a:cxn ang="0">
-                <a:pos x="T24" y="T25"/>
-              </a:cxn>
-              <a:cxn ang="0">
-                <a:pos x="T26" y="T27"/>
-              </a:cxn>
-              <a:cxn ang="0">
-                <a:pos x="T28" y="T29"/>
-              </a:cxn>
-              <a:cxn ang="0">
-                <a:pos x="T30" y="T31"/>
-              </a:cxn>
-              <a:cxn ang="0">
-                <a:pos x="T32" y="T33"/>
-              </a:cxn>
-              <a:cxn ang="0">
-                <a:pos x="T34" y="T35"/>
-              </a:cxn>
-              <a:cxn ang="0">
-                <a:pos x="T36" y="T37"/>
-              </a:cxn>
-              <a:cxn ang="0">
-                <a:pos x="T38" y="T39"/>
-              </a:cxn>
-              <a:cxn ang="0">
-                <a:pos x="T40" y="T41"/>
-              </a:cxn>
-              <a:cxn ang="0">
-                <a:pos x="T42" y="T43"/>
-              </a:cxn>
-              <a:cxn ang="0">
-                <a:pos x="T44" y="T45"/>
-              </a:cxn>
-              <a:cxn ang="0">
-                <a:pos x="T46" y="T47"/>
-              </a:cxn>
-              <a:cxn ang="0">
-                <a:pos x="T48" y="T49"/>
-              </a:cxn>
-              <a:cxn ang="0">
-                <a:pos x="T50" y="T51"/>
-              </a:cxn>
-              <a:cxn ang="0">
-                <a:pos x="T52" y="T53"/>
-              </a:cxn>
-              <a:cxn ang="0">
-                <a:pos x="T54" y="T55"/>
-              </a:cxn>
-              <a:cxn ang="0">
-                <a:pos x="T56" y="T57"/>
-              </a:cxn>
-              <a:cxn ang="0">
-                <a:pos x="T58" y="T59"/>
-              </a:cxn>
-              <a:cxn ang="0">
-                <a:pos x="T60" y="T61"/>
-              </a:cxn>
-              <a:cxn ang="0">
-                <a:pos x="T62" y="T63"/>
-              </a:cxn>
-              <a:cxn ang="0">
-                <a:pos x="T64" y="T65"/>
-              </a:cxn>
-              <a:cxn ang="0">
-                <a:pos x="T66" y="T67"/>
-              </a:cxn>
-              <a:cxn ang="0">
-                <a:pos x="T68" y="T69"/>
-              </a:cxn>
-              <a:cxn ang="0">
-                <a:pos x="T70" y="T71"/>
-              </a:cxn>
-              <a:cxn ang="0">
-                <a:pos x="T72" y="T73"/>
-              </a:cxn>
-              <a:cxn ang="0">
-                <a:pos x="T74" y="T75"/>
-              </a:cxn>
-            </a:cxnLst>
-            <a:rect l="0" t="0" r="r" b="b"/>
-            <a:pathLst>
-              <a:path w="3046" h="3046">
-                <a:moveTo>
-                  <a:pt x="447" y="2203"/>
-                </a:moveTo>
-                <a:lnTo>
-                  <a:pt x="248" y="2402"/>
-                </a:lnTo>
-                <a:lnTo>
-                  <a:pt x="644" y="2798"/>
-                </a:lnTo>
-                <a:lnTo>
-                  <a:pt x="843" y="2599"/>
-                </a:lnTo>
-                <a:cubicBezTo>
-                  <a:pt x="964" y="2676"/>
-                  <a:pt x="1099" y="2733"/>
-                  <a:pt x="1243" y="2765"/>
-                </a:cubicBezTo>
-                <a:lnTo>
-                  <a:pt x="1243" y="3046"/>
-                </a:lnTo>
-                <a:lnTo>
-                  <a:pt x="1803" y="3046"/>
-                </a:lnTo>
-                <a:lnTo>
-                  <a:pt x="1803" y="2765"/>
-                </a:lnTo>
-                <a:cubicBezTo>
-                  <a:pt x="1947" y="2733"/>
-                  <a:pt x="2082" y="2676"/>
-                  <a:pt x="2203" y="2599"/>
-                </a:cubicBezTo>
-                <a:lnTo>
-                  <a:pt x="2402" y="2798"/>
-                </a:lnTo>
-                <a:lnTo>
-                  <a:pt x="2798" y="2402"/>
-                </a:lnTo>
-                <a:lnTo>
-                  <a:pt x="2599" y="2203"/>
-                </a:lnTo>
-                <a:cubicBezTo>
-                  <a:pt x="2676" y="2082"/>
-                  <a:pt x="2733" y="1947"/>
-                  <a:pt x="2765" y="1803"/>
-                </a:cubicBezTo>
-                <a:lnTo>
-                  <a:pt x="3046" y="1803"/>
-                </a:lnTo>
-                <a:lnTo>
-                  <a:pt x="3046" y="1243"/>
-                </a:lnTo>
-                <a:lnTo>
-                  <a:pt x="2765" y="1243"/>
-                </a:lnTo>
-                <a:cubicBezTo>
-                  <a:pt x="2733" y="1099"/>
-                  <a:pt x="2676" y="964"/>
-                  <a:pt x="2599" y="843"/>
-                </a:cubicBezTo>
-                <a:lnTo>
-                  <a:pt x="2798" y="644"/>
-                </a:lnTo>
-                <a:lnTo>
-                  <a:pt x="2402" y="248"/>
-                </a:lnTo>
-                <a:lnTo>
-                  <a:pt x="2203" y="447"/>
-                </a:lnTo>
-                <a:cubicBezTo>
-                  <a:pt x="2082" y="370"/>
-                  <a:pt x="1947" y="313"/>
-                  <a:pt x="1803" y="281"/>
-                </a:cubicBezTo>
-                <a:lnTo>
-                  <a:pt x="1803" y="0"/>
-                </a:lnTo>
-                <a:lnTo>
-                  <a:pt x="1243" y="0"/>
-                </a:lnTo>
-                <a:lnTo>
-                  <a:pt x="1243" y="281"/>
-                </a:lnTo>
-                <a:cubicBezTo>
-                  <a:pt x="1099" y="313"/>
-                  <a:pt x="964" y="370"/>
-                  <a:pt x="843" y="447"/>
-                </a:cubicBezTo>
-                <a:lnTo>
-                  <a:pt x="644" y="248"/>
-                </a:lnTo>
-                <a:lnTo>
-                  <a:pt x="248" y="644"/>
-                </a:lnTo>
-                <a:lnTo>
-                  <a:pt x="447" y="843"/>
-                </a:lnTo>
-                <a:cubicBezTo>
-                  <a:pt x="370" y="964"/>
-                  <a:pt x="313" y="1099"/>
-                  <a:pt x="281" y="1243"/>
-                </a:cubicBezTo>
-                <a:lnTo>
-                  <a:pt x="0" y="1243"/>
-                </a:lnTo>
-                <a:lnTo>
-                  <a:pt x="0" y="1803"/>
-                </a:lnTo>
-                <a:lnTo>
-                  <a:pt x="281" y="1803"/>
-                </a:lnTo>
-                <a:cubicBezTo>
-                  <a:pt x="313" y="1947"/>
-                  <a:pt x="370" y="2082"/>
-                  <a:pt x="447" y="2203"/>
-                </a:cubicBezTo>
-                <a:close/>
-                <a:moveTo>
-                  <a:pt x="1523" y="782"/>
-                </a:moveTo>
-                <a:cubicBezTo>
-                  <a:pt x="1932" y="782"/>
-                  <a:pt x="2264" y="1114"/>
-                  <a:pt x="2264" y="1523"/>
-                </a:cubicBezTo>
-                <a:cubicBezTo>
-                  <a:pt x="2264" y="1932"/>
-                  <a:pt x="1932" y="2264"/>
-                  <a:pt x="1523" y="2264"/>
-                </a:cubicBezTo>
-                <a:cubicBezTo>
-                  <a:pt x="1114" y="2264"/>
-                  <a:pt x="782" y="1932"/>
-                  <a:pt x="782" y="1523"/>
-                </a:cubicBezTo>
-                <a:cubicBezTo>
-                  <a:pt x="782" y="1114"/>
-                  <a:pt x="1114" y="782"/>
-                  <a:pt x="1523" y="782"/>
-                </a:cubicBezTo>
-                <a:close/>
-              </a:path>
-            </a:pathLst>
-          </a:custGeom>
-          <a:solidFill>
-            <a:schemeClr val="bg1"/>
-          </a:solidFill>
-          <a:ln>
-            <a:noFill/>
-          </a:ln>
-        </p:spPr>
-        <p:style>
-          <a:lnRef idx="2">
-            <a:schemeClr val="accent1">
-              <a:shade val="50000"/>
-            </a:schemeClr>
-          </a:lnRef>
-          <a:fillRef idx="1">
-            <a:schemeClr val="accent1"/>
-          </a:fillRef>
-          <a:effectRef idx="0">
-            <a:schemeClr val="accent1"/>
-          </a:effectRef>
-          <a:fontRef idx="minor">
-            <a:schemeClr val="lt1"/>
-          </a:fontRef>
-        </p:style>
-        <p:txBody>
-          <a:bodyPr rtlCol="0" anchor="ctr"/>
-          <a:lstStyle/>
-          <a:p>
-            <a:pPr algn="ctr"/>
-            <a:endParaRPr lang="en-US"/>
-          </a:p>
-        </p:txBody>
-      </p:sp>
-      <p:sp>
-        <p:nvSpPr>
-          <p:cNvPr id="6" name="iconfont-1091-826620">
-            <a:extLst>
-              <a:ext uri="{FF2B5EF4-FFF2-40B4-BE49-F238E27FC236}">
-                <a16:creationId xmlns:a16="http://schemas.microsoft.com/office/drawing/2014/main" id="{88FA44BB-6A2C-352A-1B8B-EA04CFDE644A}"/>
-              </a:ext>
-            </a:extLst>
-          </p:cNvPr>
-          <p:cNvSpPr/>
-          <p:nvPr/>
-        </p:nvSpPr>
-        <p:spPr>
-          <a:xfrm>
-            <a:off x="193741" y="1524194"/>
-            <a:ext cx="456199" cy="435472"/>
-          </a:xfrm>
-          <a:custGeom>
-            <a:avLst/>
-            <a:gdLst>
-              <a:gd name="T0" fmla="*/ 2800 w 11200"/>
-              <a:gd name="T1" fmla="*/ 3603 h 11200"/>
-              <a:gd name="T2" fmla="*/ 8400 w 11200"/>
-              <a:gd name="T3" fmla="*/ 3603 h 11200"/>
-              <a:gd name="T4" fmla="*/ 8800 w 11200"/>
-              <a:gd name="T5" fmla="*/ 3203 h 11200"/>
-              <a:gd name="T6" fmla="*/ 8400 w 11200"/>
-              <a:gd name="T7" fmla="*/ 2803 h 11200"/>
-              <a:gd name="T8" fmla="*/ 2800 w 11200"/>
-              <a:gd name="T9" fmla="*/ 2803 h 11200"/>
-              <a:gd name="T10" fmla="*/ 2400 w 11200"/>
-              <a:gd name="T11" fmla="*/ 3203 h 11200"/>
-              <a:gd name="T12" fmla="*/ 2800 w 11200"/>
-              <a:gd name="T13" fmla="*/ 3603 h 11200"/>
-              <a:gd name="T14" fmla="*/ 8400 w 11200"/>
-              <a:gd name="T15" fmla="*/ 5197 h 11200"/>
-              <a:gd name="T16" fmla="*/ 2800 w 11200"/>
-              <a:gd name="T17" fmla="*/ 5197 h 11200"/>
-              <a:gd name="T18" fmla="*/ 2400 w 11200"/>
-              <a:gd name="T19" fmla="*/ 5597 h 11200"/>
-              <a:gd name="T20" fmla="*/ 2800 w 11200"/>
-              <a:gd name="T21" fmla="*/ 5997 h 11200"/>
-              <a:gd name="T22" fmla="*/ 8400 w 11200"/>
-              <a:gd name="T23" fmla="*/ 5997 h 11200"/>
-              <a:gd name="T24" fmla="*/ 8800 w 11200"/>
-              <a:gd name="T25" fmla="*/ 5597 h 11200"/>
-              <a:gd name="T26" fmla="*/ 8400 w 11200"/>
-              <a:gd name="T27" fmla="*/ 5197 h 11200"/>
-              <a:gd name="T28" fmla="*/ 8400 w 11200"/>
-              <a:gd name="T29" fmla="*/ 7597 h 11200"/>
-              <a:gd name="T30" fmla="*/ 2800 w 11200"/>
-              <a:gd name="T31" fmla="*/ 7597 h 11200"/>
-              <a:gd name="T32" fmla="*/ 2400 w 11200"/>
-              <a:gd name="T33" fmla="*/ 7997 h 11200"/>
-              <a:gd name="T34" fmla="*/ 2800 w 11200"/>
-              <a:gd name="T35" fmla="*/ 8397 h 11200"/>
-              <a:gd name="T36" fmla="*/ 8400 w 11200"/>
-              <a:gd name="T37" fmla="*/ 8397 h 11200"/>
-              <a:gd name="T38" fmla="*/ 8800 w 11200"/>
-              <a:gd name="T39" fmla="*/ 7997 h 11200"/>
-              <a:gd name="T40" fmla="*/ 8400 w 11200"/>
-              <a:gd name="T41" fmla="*/ 7597 h 11200"/>
-              <a:gd name="T42" fmla="*/ 4434 w 11200"/>
-              <a:gd name="T43" fmla="*/ 1200 h 11200"/>
-              <a:gd name="T44" fmla="*/ 6434 w 11200"/>
-              <a:gd name="T45" fmla="*/ 1200 h 11200"/>
-              <a:gd name="T46" fmla="*/ 7034 w 11200"/>
-              <a:gd name="T47" fmla="*/ 600 h 11200"/>
-              <a:gd name="T48" fmla="*/ 6434 w 11200"/>
-              <a:gd name="T49" fmla="*/ 0 h 11200"/>
-              <a:gd name="T50" fmla="*/ 4434 w 11200"/>
-              <a:gd name="T51" fmla="*/ 0 h 11200"/>
-              <a:gd name="T52" fmla="*/ 3834 w 11200"/>
-              <a:gd name="T53" fmla="*/ 600 h 11200"/>
-              <a:gd name="T54" fmla="*/ 4434 w 11200"/>
-              <a:gd name="T55" fmla="*/ 1200 h 11200"/>
-              <a:gd name="T56" fmla="*/ 9600 w 11200"/>
-              <a:gd name="T57" fmla="*/ 400 h 11200"/>
-              <a:gd name="T58" fmla="*/ 9200 w 11200"/>
-              <a:gd name="T59" fmla="*/ 400 h 11200"/>
-              <a:gd name="T60" fmla="*/ 8800 w 11200"/>
-              <a:gd name="T61" fmla="*/ 800 h 11200"/>
-              <a:gd name="T62" fmla="*/ 9200 w 11200"/>
-              <a:gd name="T63" fmla="*/ 1200 h 11200"/>
-              <a:gd name="T64" fmla="*/ 9600 w 11200"/>
-              <a:gd name="T65" fmla="*/ 1200 h 11200"/>
-              <a:gd name="T66" fmla="*/ 10400 w 11200"/>
-              <a:gd name="T67" fmla="*/ 2000 h 11200"/>
-              <a:gd name="T68" fmla="*/ 10400 w 11200"/>
-              <a:gd name="T69" fmla="*/ 9600 h 11200"/>
-              <a:gd name="T70" fmla="*/ 9600 w 11200"/>
-              <a:gd name="T71" fmla="*/ 10400 h 11200"/>
-              <a:gd name="T72" fmla="*/ 1600 w 11200"/>
-              <a:gd name="T73" fmla="*/ 10400 h 11200"/>
-              <a:gd name="T74" fmla="*/ 800 w 11200"/>
-              <a:gd name="T75" fmla="*/ 9600 h 11200"/>
-              <a:gd name="T76" fmla="*/ 800 w 11200"/>
-              <a:gd name="T77" fmla="*/ 2000 h 11200"/>
-              <a:gd name="T78" fmla="*/ 1600 w 11200"/>
-              <a:gd name="T79" fmla="*/ 1200 h 11200"/>
-              <a:gd name="T80" fmla="*/ 2000 w 11200"/>
-              <a:gd name="T81" fmla="*/ 1200 h 11200"/>
-              <a:gd name="T82" fmla="*/ 2400 w 11200"/>
-              <a:gd name="T83" fmla="*/ 800 h 11200"/>
-              <a:gd name="T84" fmla="*/ 2000 w 11200"/>
-              <a:gd name="T85" fmla="*/ 400 h 11200"/>
-              <a:gd name="T86" fmla="*/ 1600 w 11200"/>
-              <a:gd name="T87" fmla="*/ 400 h 11200"/>
-              <a:gd name="T88" fmla="*/ 0 w 11200"/>
-              <a:gd name="T89" fmla="*/ 2000 h 11200"/>
-              <a:gd name="T90" fmla="*/ 0 w 11200"/>
-              <a:gd name="T91" fmla="*/ 9600 h 11200"/>
-              <a:gd name="T92" fmla="*/ 1600 w 11200"/>
-              <a:gd name="T93" fmla="*/ 11200 h 11200"/>
-              <a:gd name="T94" fmla="*/ 9600 w 11200"/>
-              <a:gd name="T95" fmla="*/ 11200 h 11200"/>
-              <a:gd name="T96" fmla="*/ 11200 w 11200"/>
-              <a:gd name="T97" fmla="*/ 9600 h 11200"/>
-              <a:gd name="T98" fmla="*/ 11200 w 11200"/>
-              <a:gd name="T99" fmla="*/ 2000 h 11200"/>
-              <a:gd name="T100" fmla="*/ 9600 w 11200"/>
-              <a:gd name="T101" fmla="*/ 400 h 11200"/>
-              <a:gd name="T102" fmla="*/ 9600 w 11200"/>
-              <a:gd name="T103" fmla="*/ 400 h 11200"/>
-            </a:gdLst>
-            <a:ahLst/>
-            <a:cxnLst>
-              <a:cxn ang="0">
-                <a:pos x="T0" y="T1"/>
-              </a:cxn>
-              <a:cxn ang="0">
-                <a:pos x="T2" y="T3"/>
-              </a:cxn>
-              <a:cxn ang="0">
-                <a:pos x="T4" y="T5"/>
-              </a:cxn>
-              <a:cxn ang="0">
-                <a:pos x="T6" y="T7"/>
-              </a:cxn>
-              <a:cxn ang="0">
-                <a:pos x="T8" y="T9"/>
-              </a:cxn>
-              <a:cxn ang="0">
-                <a:pos x="T10" y="T11"/>
-              </a:cxn>
-              <a:cxn ang="0">
-                <a:pos x="T12" y="T13"/>
-              </a:cxn>
-              <a:cxn ang="0">
-                <a:pos x="T14" y="T15"/>
-              </a:cxn>
-              <a:cxn ang="0">
-                <a:pos x="T16" y="T17"/>
-              </a:cxn>
-              <a:cxn ang="0">
-                <a:pos x="T18" y="T19"/>
-              </a:cxn>
-              <a:cxn ang="0">
-                <a:pos x="T20" y="T21"/>
-              </a:cxn>
-              <a:cxn ang="0">
-                <a:pos x="T22" y="T23"/>
-              </a:cxn>
-              <a:cxn ang="0">
-                <a:pos x="T24" y="T25"/>
-              </a:cxn>
-              <a:cxn ang="0">
-                <a:pos x="T26" y="T27"/>
-              </a:cxn>
-              <a:cxn ang="0">
-                <a:pos x="T28" y="T29"/>
-              </a:cxn>
-              <a:cxn ang="0">
-                <a:pos x="T30" y="T31"/>
-              </a:cxn>
-              <a:cxn ang="0">
-                <a:pos x="T32" y="T33"/>
-              </a:cxn>
-              <a:cxn ang="0">
-                <a:pos x="T34" y="T35"/>
-              </a:cxn>
-              <a:cxn ang="0">
-                <a:pos x="T36" y="T37"/>
-              </a:cxn>
-              <a:cxn ang="0">
-                <a:pos x="T38" y="T39"/>
-              </a:cxn>
-              <a:cxn ang="0">
-                <a:pos x="T40" y="T41"/>
-              </a:cxn>
-              <a:cxn ang="0">
-                <a:pos x="T42" y="T43"/>
-              </a:cxn>
-              <a:cxn ang="0">
-                <a:pos x="T44" y="T45"/>
-              </a:cxn>
-              <a:cxn ang="0">
-                <a:pos x="T46" y="T47"/>
-              </a:cxn>
-              <a:cxn ang="0">
-                <a:pos x="T48" y="T49"/>
-              </a:cxn>
-              <a:cxn ang="0">
-                <a:pos x="T50" y="T51"/>
-              </a:cxn>
-              <a:cxn ang="0">
-                <a:pos x="T52" y="T53"/>
-              </a:cxn>
-              <a:cxn ang="0">
-                <a:pos x="T54" y="T55"/>
-              </a:cxn>
-              <a:cxn ang="0">
-                <a:pos x="T56" y="T57"/>
-              </a:cxn>
-              <a:cxn ang="0">
-                <a:pos x="T58" y="T59"/>
-              </a:cxn>
-              <a:cxn ang="0">
-                <a:pos x="T60" y="T61"/>
-              </a:cxn>
-              <a:cxn ang="0">
-                <a:pos x="T62" y="T63"/>
-              </a:cxn>
-              <a:cxn ang="0">
-                <a:pos x="T64" y="T65"/>
-              </a:cxn>
-              <a:cxn ang="0">
-                <a:pos x="T66" y="T67"/>
-              </a:cxn>
-              <a:cxn ang="0">
-                <a:pos x="T68" y="T69"/>
-              </a:cxn>
-              <a:cxn ang="0">
-                <a:pos x="T70" y="T71"/>
-              </a:cxn>
-              <a:cxn ang="0">
-                <a:pos x="T72" y="T73"/>
-              </a:cxn>
-              <a:cxn ang="0">
-                <a:pos x="T74" y="T75"/>
-              </a:cxn>
-              <a:cxn ang="0">
-                <a:pos x="T76" y="T77"/>
-              </a:cxn>
-              <a:cxn ang="0">
-                <a:pos x="T78" y="T79"/>
-              </a:cxn>
-              <a:cxn ang="0">
-                <a:pos x="T80" y="T81"/>
-              </a:cxn>
-              <a:cxn ang="0">
-                <a:pos x="T82" y="T83"/>
-              </a:cxn>
-              <a:cxn ang="0">
-                <a:pos x="T84" y="T85"/>
-              </a:cxn>
-              <a:cxn ang="0">
-                <a:pos x="T86" y="T87"/>
-              </a:cxn>
-              <a:cxn ang="0">
-                <a:pos x="T88" y="T89"/>
-              </a:cxn>
-              <a:cxn ang="0">
-                <a:pos x="T90" y="T91"/>
-              </a:cxn>
-              <a:cxn ang="0">
-                <a:pos x="T92" y="T93"/>
-              </a:cxn>
-              <a:cxn ang="0">
-                <a:pos x="T94" y="T95"/>
-              </a:cxn>
-              <a:cxn ang="0">
-                <a:pos x="T96" y="T97"/>
-              </a:cxn>
-              <a:cxn ang="0">
-                <a:pos x="T98" y="T99"/>
-              </a:cxn>
-              <a:cxn ang="0">
-                <a:pos x="T100" y="T101"/>
-              </a:cxn>
-              <a:cxn ang="0">
-                <a:pos x="T102" y="T103"/>
-              </a:cxn>
-            </a:cxnLst>
-            <a:rect l="0" t="0" r="r" b="b"/>
-            <a:pathLst>
-              <a:path w="11200" h="11200">
-                <a:moveTo>
-                  <a:pt x="2800" y="3603"/>
-                </a:moveTo>
-                <a:lnTo>
-                  <a:pt x="8400" y="3603"/>
-                </a:lnTo>
-                <a:cubicBezTo>
-                  <a:pt x="8621" y="3603"/>
-                  <a:pt x="8800" y="3424"/>
-                  <a:pt x="8800" y="3203"/>
-                </a:cubicBezTo>
-                <a:cubicBezTo>
-                  <a:pt x="8800" y="2982"/>
-                  <a:pt x="8621" y="2803"/>
-                  <a:pt x="8400" y="2803"/>
-                </a:cubicBezTo>
-                <a:lnTo>
-                  <a:pt x="2800" y="2803"/>
-                </a:lnTo>
-                <a:cubicBezTo>
-                  <a:pt x="2579" y="2803"/>
-                  <a:pt x="2400" y="2982"/>
-                  <a:pt x="2400" y="3203"/>
-                </a:cubicBezTo>
-                <a:cubicBezTo>
-                  <a:pt x="2400" y="3424"/>
-                  <a:pt x="2579" y="3603"/>
-                  <a:pt x="2800" y="3603"/>
-                </a:cubicBezTo>
-                <a:close/>
-                <a:moveTo>
-                  <a:pt x="8400" y="5197"/>
-                </a:moveTo>
-                <a:lnTo>
-                  <a:pt x="2800" y="5197"/>
-                </a:lnTo>
-                <a:cubicBezTo>
-                  <a:pt x="2579" y="5197"/>
-                  <a:pt x="2400" y="5376"/>
-                  <a:pt x="2400" y="5597"/>
-                </a:cubicBezTo>
-                <a:cubicBezTo>
-                  <a:pt x="2400" y="5818"/>
-                  <a:pt x="2579" y="5997"/>
-                  <a:pt x="2800" y="5997"/>
-                </a:cubicBezTo>
-                <a:lnTo>
-                  <a:pt x="8400" y="5997"/>
-                </a:lnTo>
-                <a:cubicBezTo>
-                  <a:pt x="8621" y="5997"/>
-                  <a:pt x="8800" y="5818"/>
-                  <a:pt x="8800" y="5597"/>
-                </a:cubicBezTo>
-                <a:cubicBezTo>
-                  <a:pt x="8800" y="5376"/>
-                  <a:pt x="8621" y="5197"/>
-                  <a:pt x="8400" y="5197"/>
-                </a:cubicBezTo>
-                <a:close/>
-                <a:moveTo>
-                  <a:pt x="8400" y="7597"/>
-                </a:moveTo>
-                <a:lnTo>
-                  <a:pt x="2800" y="7597"/>
-                </a:lnTo>
-                <a:cubicBezTo>
-                  <a:pt x="2579" y="7597"/>
-                  <a:pt x="2400" y="7776"/>
-                  <a:pt x="2400" y="7997"/>
-                </a:cubicBezTo>
-                <a:cubicBezTo>
-                  <a:pt x="2400" y="8218"/>
-                  <a:pt x="2579" y="8397"/>
-                  <a:pt x="2800" y="8397"/>
-                </a:cubicBezTo>
-                <a:lnTo>
-                  <a:pt x="8400" y="8397"/>
-                </a:lnTo>
-                <a:cubicBezTo>
-                  <a:pt x="8621" y="8397"/>
-                  <a:pt x="8800" y="8218"/>
-                  <a:pt x="8800" y="7997"/>
-                </a:cubicBezTo>
-                <a:cubicBezTo>
-                  <a:pt x="8800" y="7776"/>
-                  <a:pt x="8621" y="7597"/>
-                  <a:pt x="8400" y="7597"/>
-                </a:cubicBezTo>
-                <a:close/>
-                <a:moveTo>
-                  <a:pt x="4434" y="1200"/>
-                </a:moveTo>
-                <a:lnTo>
-                  <a:pt x="6434" y="1200"/>
-                </a:lnTo>
-                <a:cubicBezTo>
-                  <a:pt x="6765" y="1200"/>
-                  <a:pt x="7034" y="931"/>
-                  <a:pt x="7034" y="600"/>
-                </a:cubicBezTo>
-                <a:cubicBezTo>
-                  <a:pt x="7034" y="269"/>
-                  <a:pt x="6765" y="0"/>
-                  <a:pt x="6434" y="0"/>
-                </a:cubicBezTo>
-                <a:lnTo>
-                  <a:pt x="4434" y="0"/>
-                </a:lnTo>
-                <a:cubicBezTo>
-                  <a:pt x="4102" y="0"/>
-                  <a:pt x="3834" y="269"/>
-                  <a:pt x="3834" y="600"/>
-                </a:cubicBezTo>
-                <a:cubicBezTo>
-                  <a:pt x="3834" y="931"/>
-                  <a:pt x="4102" y="1200"/>
-                  <a:pt x="4434" y="1200"/>
-                </a:cubicBezTo>
-                <a:close/>
-                <a:moveTo>
-                  <a:pt x="9600" y="400"/>
-                </a:moveTo>
-                <a:lnTo>
-                  <a:pt x="9200" y="400"/>
-                </a:lnTo>
-                <a:cubicBezTo>
-                  <a:pt x="8979" y="400"/>
-                  <a:pt x="8800" y="579"/>
-                  <a:pt x="8800" y="800"/>
-                </a:cubicBezTo>
-                <a:cubicBezTo>
-                  <a:pt x="8800" y="1021"/>
-                  <a:pt x="8979" y="1200"/>
-                  <a:pt x="9200" y="1200"/>
-                </a:cubicBezTo>
-                <a:lnTo>
-                  <a:pt x="9600" y="1200"/>
-                </a:lnTo>
-                <a:cubicBezTo>
-                  <a:pt x="10041" y="1200"/>
-                  <a:pt x="10400" y="1559"/>
-                  <a:pt x="10400" y="2000"/>
-                </a:cubicBezTo>
-                <a:lnTo>
-                  <a:pt x="10400" y="9600"/>
-                </a:lnTo>
-                <a:cubicBezTo>
-                  <a:pt x="10400" y="10041"/>
-                  <a:pt x="10041" y="10400"/>
-                  <a:pt x="9600" y="10400"/>
-                </a:cubicBezTo>
-                <a:lnTo>
-                  <a:pt x="1600" y="10400"/>
-                </a:lnTo>
-                <a:cubicBezTo>
-                  <a:pt x="1159" y="10400"/>
-                  <a:pt x="800" y="10041"/>
-                  <a:pt x="800" y="9600"/>
-                </a:cubicBezTo>
-                <a:lnTo>
-                  <a:pt x="800" y="2000"/>
-                </a:lnTo>
-                <a:cubicBezTo>
-                  <a:pt x="800" y="1559"/>
-                  <a:pt x="1159" y="1200"/>
-                  <a:pt x="1600" y="1200"/>
-                </a:cubicBezTo>
-                <a:lnTo>
-                  <a:pt x="2000" y="1200"/>
-                </a:lnTo>
-                <a:cubicBezTo>
-                  <a:pt x="2221" y="1200"/>
-                  <a:pt x="2400" y="1021"/>
-                  <a:pt x="2400" y="800"/>
-                </a:cubicBezTo>
-                <a:cubicBezTo>
-                  <a:pt x="2400" y="579"/>
-                  <a:pt x="2221" y="400"/>
-                  <a:pt x="2000" y="400"/>
-                </a:cubicBezTo>
-                <a:lnTo>
-                  <a:pt x="1600" y="400"/>
-                </a:lnTo>
-                <a:cubicBezTo>
-                  <a:pt x="716" y="400"/>
-                  <a:pt x="0" y="1116"/>
-                  <a:pt x="0" y="2000"/>
-                </a:cubicBezTo>
-                <a:lnTo>
-                  <a:pt x="0" y="9600"/>
-                </a:lnTo>
-                <a:cubicBezTo>
-                  <a:pt x="0" y="10484"/>
-                  <a:pt x="716" y="11200"/>
-                  <a:pt x="1600" y="11200"/>
-                </a:cubicBezTo>
-                <a:lnTo>
-                  <a:pt x="9600" y="11200"/>
-                </a:lnTo>
-                <a:cubicBezTo>
-                  <a:pt x="10484" y="11200"/>
-                  <a:pt x="11200" y="10484"/>
-                  <a:pt x="11200" y="9600"/>
-                </a:cubicBezTo>
-                <a:lnTo>
-                  <a:pt x="11200" y="2000"/>
-                </a:lnTo>
-                <a:cubicBezTo>
-                  <a:pt x="11200" y="1116"/>
-                  <a:pt x="10484" y="400"/>
-                  <a:pt x="9600" y="400"/>
-                </a:cubicBezTo>
-                <a:close/>
-                <a:moveTo>
-                  <a:pt x="9600" y="400"/>
-                </a:moveTo>
-                <a:close/>
-              </a:path>
-            </a:pathLst>
-          </a:custGeom>
-          <a:solidFill>
-            <a:schemeClr val="bg1"/>
-          </a:solidFill>
-          <a:ln>
-            <a:noFill/>
-          </a:ln>
-        </p:spPr>
-        <p:style>
-          <a:lnRef idx="2">
-            <a:schemeClr val="accent1">
-              <a:shade val="50000"/>
-            </a:schemeClr>
-          </a:lnRef>
-          <a:fillRef idx="1">
-            <a:schemeClr val="accent1"/>
-          </a:fillRef>
-          <a:effectRef idx="0">
-            <a:schemeClr val="accent1"/>
-          </a:effectRef>
-          <a:fontRef idx="minor">
-            <a:schemeClr val="lt1"/>
-          </a:fontRef>
-        </p:style>
-        <p:txBody>
-          <a:bodyPr rtlCol="0" anchor="ctr"/>
-          <a:lstStyle/>
-          <a:p>
-            <a:pPr algn="ctr"/>
-            <a:endParaRPr lang="en-US"/>
-          </a:p>
-        </p:txBody>
-      </p:sp>
-      <p:sp>
-        <p:nvSpPr>
-          <p:cNvPr id="7" name="person-shape_44463">
-            <a:extLst>
-              <a:ext uri="{FF2B5EF4-FFF2-40B4-BE49-F238E27FC236}">
-                <a16:creationId xmlns:a16="http://schemas.microsoft.com/office/drawing/2014/main" id="{155AF099-1574-EEB8-EC9D-5DE34A91DEA3}"/>
-              </a:ext>
-            </a:extLst>
-          </p:cNvPr>
-          <p:cNvSpPr/>
-          <p:nvPr/>
-        </p:nvSpPr>
-        <p:spPr>
-          <a:xfrm>
-            <a:off x="11696699" y="67920"/>
-            <a:ext cx="336183" cy="430215"/>
-          </a:xfrm>
-          <a:custGeom>
-            <a:avLst/>
-            <a:gdLst>
-              <a:gd name="connsiteX0" fmla="*/ 118658 w 474552"/>
-              <a:gd name="connsiteY0" fmla="*/ 330881 h 607286"/>
-              <a:gd name="connsiteX1" fmla="*/ 128808 w 474552"/>
-              <a:gd name="connsiteY1" fmla="*/ 330881 h 607286"/>
-              <a:gd name="connsiteX2" fmla="*/ 138880 w 474552"/>
-              <a:gd name="connsiteY2" fmla="*/ 340467 h 607286"/>
-              <a:gd name="connsiteX3" fmla="*/ 237316 w 474552"/>
-              <a:gd name="connsiteY3" fmla="*/ 429642 h 607286"/>
-              <a:gd name="connsiteX4" fmla="*/ 335672 w 474552"/>
-              <a:gd name="connsiteY4" fmla="*/ 340467 h 607286"/>
-              <a:gd name="connsiteX5" fmla="*/ 345823 w 474552"/>
-              <a:gd name="connsiteY5" fmla="*/ 330881 h 607286"/>
-              <a:gd name="connsiteX6" fmla="*/ 355973 w 474552"/>
-              <a:gd name="connsiteY6" fmla="*/ 330881 h 607286"/>
-              <a:gd name="connsiteX7" fmla="*/ 474552 w 474552"/>
-              <a:gd name="connsiteY7" fmla="*/ 449363 h 607286"/>
-              <a:gd name="connsiteX8" fmla="*/ 474552 w 474552"/>
-              <a:gd name="connsiteY8" fmla="*/ 567845 h 607286"/>
-              <a:gd name="connsiteX9" fmla="*/ 435052 w 474552"/>
-              <a:gd name="connsiteY9" fmla="*/ 607286 h 607286"/>
-              <a:gd name="connsiteX10" fmla="*/ 39579 w 474552"/>
-              <a:gd name="connsiteY10" fmla="*/ 607286 h 607286"/>
-              <a:gd name="connsiteX11" fmla="*/ 0 w 474552"/>
-              <a:gd name="connsiteY11" fmla="*/ 567845 h 607286"/>
-              <a:gd name="connsiteX12" fmla="*/ 0 w 474552"/>
-              <a:gd name="connsiteY12" fmla="*/ 449363 h 607286"/>
-              <a:gd name="connsiteX13" fmla="*/ 118658 w 474552"/>
-              <a:gd name="connsiteY13" fmla="*/ 330881 h 607286"/>
-              <a:gd name="connsiteX14" fmla="*/ 315130 w 474552"/>
-              <a:gd name="connsiteY14" fmla="*/ 118095 h 607286"/>
-              <a:gd name="connsiteX15" fmla="*/ 237312 w 474552"/>
-              <a:gd name="connsiteY15" fmla="*/ 162332 h 607286"/>
-              <a:gd name="connsiteX16" fmla="*/ 135653 w 474552"/>
-              <a:gd name="connsiteY16" fmla="*/ 182682 h 607286"/>
-              <a:gd name="connsiteX17" fmla="*/ 237312 w 474552"/>
-              <a:gd name="connsiteY17" fmla="*/ 284120 h 607286"/>
-              <a:gd name="connsiteX18" fmla="*/ 338893 w 474552"/>
-              <a:gd name="connsiteY18" fmla="*/ 182682 h 607286"/>
-              <a:gd name="connsiteX19" fmla="*/ 315130 w 474552"/>
-              <a:gd name="connsiteY19" fmla="*/ 118095 h 607286"/>
-              <a:gd name="connsiteX20" fmla="*/ 237312 w 474552"/>
-              <a:gd name="connsiteY20" fmla="*/ 0 h 607286"/>
-              <a:gd name="connsiteX21" fmla="*/ 379572 w 474552"/>
-              <a:gd name="connsiteY21" fmla="*/ 162332 h 607286"/>
-              <a:gd name="connsiteX22" fmla="*/ 237312 w 474552"/>
-              <a:gd name="connsiteY22" fmla="*/ 324742 h 607286"/>
-              <a:gd name="connsiteX23" fmla="*/ 95052 w 474552"/>
-              <a:gd name="connsiteY23" fmla="*/ 162332 h 607286"/>
-              <a:gd name="connsiteX24" fmla="*/ 237312 w 474552"/>
-              <a:gd name="connsiteY24" fmla="*/ 0 h 607286"/>
-            </a:gdLst>
-            <a:ahLst/>
-            <a:cxnLst>
-              <a:cxn ang="0">
-                <a:pos x="connsiteX0" y="connsiteY0"/>
-              </a:cxn>
-              <a:cxn ang="0">
-                <a:pos x="connsiteX1" y="connsiteY1"/>
-              </a:cxn>
-              <a:cxn ang="0">
-                <a:pos x="connsiteX2" y="connsiteY2"/>
-              </a:cxn>
-              <a:cxn ang="0">
-                <a:pos x="connsiteX3" y="connsiteY3"/>
-              </a:cxn>
-              <a:cxn ang="0">
-                <a:pos x="connsiteX4" y="connsiteY4"/>
-              </a:cxn>
-              <a:cxn ang="0">
-                <a:pos x="connsiteX5" y="connsiteY5"/>
-              </a:cxn>
-              <a:cxn ang="0">
-                <a:pos x="connsiteX6" y="connsiteY6"/>
-              </a:cxn>
-              <a:cxn ang="0">
-                <a:pos x="connsiteX7" y="connsiteY7"/>
-              </a:cxn>
-              <a:cxn ang="0">
-                <a:pos x="connsiteX8" y="connsiteY8"/>
-              </a:cxn>
-              <a:cxn ang="0">
-                <a:pos x="connsiteX9" y="connsiteY9"/>
-              </a:cxn>
-              <a:cxn ang="0">
-                <a:pos x="connsiteX10" y="connsiteY10"/>
-              </a:cxn>
-              <a:cxn ang="0">
-                <a:pos x="connsiteX11" y="connsiteY11"/>
-              </a:cxn>
-              <a:cxn ang="0">
-                <a:pos x="connsiteX12" y="connsiteY12"/>
-              </a:cxn>
-              <a:cxn ang="0">
-                <a:pos x="connsiteX13" y="connsiteY13"/>
-              </a:cxn>
-              <a:cxn ang="0">
-                <a:pos x="connsiteX14" y="connsiteY14"/>
-              </a:cxn>
-              <a:cxn ang="0">
-                <a:pos x="connsiteX15" y="connsiteY15"/>
-              </a:cxn>
-              <a:cxn ang="0">
-                <a:pos x="connsiteX16" y="connsiteY16"/>
-              </a:cxn>
-              <a:cxn ang="0">
-                <a:pos x="connsiteX17" y="connsiteY17"/>
-              </a:cxn>
-              <a:cxn ang="0">
-                <a:pos x="connsiteX18" y="connsiteY18"/>
-              </a:cxn>
-              <a:cxn ang="0">
-                <a:pos x="connsiteX19" y="connsiteY19"/>
-              </a:cxn>
-              <a:cxn ang="0">
-                <a:pos x="connsiteX20" y="connsiteY20"/>
-              </a:cxn>
-              <a:cxn ang="0">
-                <a:pos x="connsiteX21" y="connsiteY21"/>
-              </a:cxn>
-              <a:cxn ang="0">
-                <a:pos x="connsiteX22" y="connsiteY22"/>
-              </a:cxn>
-              <a:cxn ang="0">
-                <a:pos x="connsiteX23" y="connsiteY23"/>
-              </a:cxn>
-              <a:cxn ang="0">
-                <a:pos x="connsiteX24" y="connsiteY24"/>
-              </a:cxn>
-            </a:cxnLst>
-            <a:rect l="l" t="t" r="r" b="b"/>
-            <a:pathLst>
-              <a:path w="474552" h="607286">
-                <a:moveTo>
-                  <a:pt x="118658" y="330881"/>
-                </a:moveTo>
-                <a:lnTo>
-                  <a:pt x="128808" y="330881"/>
-                </a:lnTo>
-                <a:cubicBezTo>
-                  <a:pt x="134080" y="330881"/>
-                  <a:pt x="138329" y="335203"/>
-                  <a:pt x="138880" y="340467"/>
-                </a:cubicBezTo>
-                <a:cubicBezTo>
-                  <a:pt x="143680" y="390515"/>
-                  <a:pt x="185934" y="429642"/>
-                  <a:pt x="237316" y="429642"/>
-                </a:cubicBezTo>
-                <a:cubicBezTo>
-                  <a:pt x="288618" y="429642"/>
-                  <a:pt x="330873" y="390515"/>
-                  <a:pt x="335672" y="340467"/>
-                </a:cubicBezTo>
-                <a:cubicBezTo>
-                  <a:pt x="336223" y="335203"/>
-                  <a:pt x="340472" y="330881"/>
-                  <a:pt x="345823" y="330881"/>
-                </a:cubicBezTo>
-                <a:lnTo>
-                  <a:pt x="355973" y="330881"/>
-                </a:lnTo>
-                <a:cubicBezTo>
-                  <a:pt x="421518" y="330881"/>
-                  <a:pt x="474552" y="383915"/>
-                  <a:pt x="474552" y="449363"/>
-                </a:cubicBezTo>
-                <a:lnTo>
-                  <a:pt x="474552" y="567845"/>
-                </a:lnTo>
-                <a:cubicBezTo>
-                  <a:pt x="474552" y="589687"/>
-                  <a:pt x="456927" y="607286"/>
-                  <a:pt x="435052" y="607286"/>
-                </a:cubicBezTo>
-                <a:lnTo>
-                  <a:pt x="39579" y="607286"/>
-                </a:lnTo>
-                <a:cubicBezTo>
-                  <a:pt x="17704" y="607286"/>
-                  <a:pt x="0" y="589687"/>
-                  <a:pt x="0" y="567845"/>
-                </a:cubicBezTo>
-                <a:lnTo>
-                  <a:pt x="0" y="449363"/>
-                </a:lnTo>
-                <a:cubicBezTo>
-                  <a:pt x="0" y="383915"/>
-                  <a:pt x="53112" y="330881"/>
-                  <a:pt x="118658" y="330881"/>
-                </a:cubicBezTo>
-                <a:close/>
-                <a:moveTo>
-                  <a:pt x="315130" y="118095"/>
-                </a:moveTo>
-                <a:cubicBezTo>
-                  <a:pt x="305374" y="143632"/>
-                  <a:pt x="274372" y="162332"/>
-                  <a:pt x="237312" y="162332"/>
-                </a:cubicBezTo>
-                <a:cubicBezTo>
-                  <a:pt x="200174" y="162332"/>
-                  <a:pt x="135653" y="158010"/>
-                  <a:pt x="135653" y="182682"/>
-                </a:cubicBezTo>
-                <a:cubicBezTo>
-                  <a:pt x="135653" y="238705"/>
-                  <a:pt x="181132" y="284120"/>
-                  <a:pt x="237312" y="284120"/>
-                </a:cubicBezTo>
-                <a:cubicBezTo>
-                  <a:pt x="293335" y="284120"/>
-                  <a:pt x="338893" y="238705"/>
-                  <a:pt x="338893" y="182682"/>
-                </a:cubicBezTo>
-                <a:cubicBezTo>
-                  <a:pt x="338893" y="158010"/>
-                  <a:pt x="329766" y="135696"/>
-                  <a:pt x="315130" y="118095"/>
-                </a:cubicBezTo>
-                <a:close/>
-                <a:moveTo>
-                  <a:pt x="237312" y="0"/>
-                </a:moveTo>
-                <a:cubicBezTo>
-                  <a:pt x="315839" y="0"/>
-                  <a:pt x="379572" y="72680"/>
-                  <a:pt x="379572" y="162332"/>
-                </a:cubicBezTo>
-                <a:cubicBezTo>
-                  <a:pt x="379572" y="251984"/>
-                  <a:pt x="315839" y="324742"/>
-                  <a:pt x="237312" y="324742"/>
-                </a:cubicBezTo>
-                <a:cubicBezTo>
-                  <a:pt x="158707" y="324742"/>
-                  <a:pt x="95052" y="251984"/>
-                  <a:pt x="95052" y="162332"/>
-                </a:cubicBezTo>
-                <a:cubicBezTo>
-                  <a:pt x="95052" y="72680"/>
-                  <a:pt x="158707" y="0"/>
-                  <a:pt x="237312" y="0"/>
-                </a:cubicBezTo>
-                <a:close/>
-              </a:path>
-            </a:pathLst>
-          </a:custGeom>
-          <a:solidFill>
-            <a:schemeClr val="bg1"/>
-          </a:solidFill>
-          <a:ln>
-            <a:noFill/>
-          </a:ln>
-        </p:spPr>
-        <p:style>
-          <a:lnRef idx="2">
-            <a:schemeClr val="accent1">
-              <a:shade val="50000"/>
-            </a:schemeClr>
-          </a:lnRef>
-          <a:fillRef idx="1">
-            <a:schemeClr val="accent1"/>
-          </a:fillRef>
-          <a:effectRef idx="0">
-            <a:schemeClr val="accent1"/>
-          </a:effectRef>
-          <a:fontRef idx="minor">
-            <a:schemeClr val="lt1"/>
-          </a:fontRef>
-        </p:style>
-        <p:txBody>
-          <a:bodyPr rtlCol="0" anchor="ctr"/>
-          <a:lstStyle/>
-          <a:p>
-            <a:pPr algn="ctr"/>
-            <a:endParaRPr lang="en-US"/>
-          </a:p>
-        </p:txBody>
-      </p:sp>
-      <p:sp>
-        <p:nvSpPr>
-          <p:cNvPr id="8" name="Rectangle: Rounded Corners 7">
-            <a:extLst>
-              <a:ext uri="{FF2B5EF4-FFF2-40B4-BE49-F238E27FC236}">
-                <a16:creationId xmlns:a16="http://schemas.microsoft.com/office/drawing/2014/main" id="{D62A4970-50DA-3D6A-A142-FC27D6E56087}"/>
-              </a:ext>
-            </a:extLst>
-          </p:cNvPr>
-          <p:cNvSpPr/>
-          <p:nvPr/>
-        </p:nvSpPr>
-        <p:spPr>
-          <a:xfrm>
-            <a:off x="9889670" y="108857"/>
-            <a:ext cx="1577152" cy="332014"/>
-          </a:xfrm>
-          <a:prstGeom prst="roundRect">
-            <a:avLst/>
-          </a:prstGeom>
-        </p:spPr>
-        <p:style>
-          <a:lnRef idx="2">
-            <a:schemeClr val="accent2">
-              <a:shade val="15000"/>
-            </a:schemeClr>
-          </a:lnRef>
-          <a:fillRef idx="1">
-            <a:schemeClr val="accent2"/>
-          </a:fillRef>
-          <a:effectRef idx="0">
-            <a:schemeClr val="accent2"/>
-          </a:effectRef>
-          <a:fontRef idx="minor">
-            <a:schemeClr val="lt1"/>
-          </a:fontRef>
-        </p:style>
-        <p:txBody>
-          <a:bodyPr rtlCol="0" anchor="ctr"/>
-          <a:lstStyle/>
-          <a:p>
-            <a:pPr algn="ctr"/>
-            <a:r>
-              <a:rPr lang="en-US" sz="1100" dirty="0"/>
-              <a:t>Auto Refreshing: On/Off</a:t>
-            </a:r>
-          </a:p>
-        </p:txBody>
-      </p:sp>
-      <p:grpSp>
-        <p:nvGrpSpPr>
-          <p:cNvPr id="31" name="Group 30">
-            <a:extLst>
-              <a:ext uri="{FF2B5EF4-FFF2-40B4-BE49-F238E27FC236}">
-                <a16:creationId xmlns:a16="http://schemas.microsoft.com/office/drawing/2014/main" id="{CF606B78-8A58-78CC-3C7C-87AD940D00F6}"/>
-              </a:ext>
-            </a:extLst>
-          </p:cNvPr>
-          <p:cNvGrpSpPr/>
-          <p:nvPr/>
-        </p:nvGrpSpPr>
-        <p:grpSpPr>
-          <a:xfrm>
-            <a:off x="5150295" y="6173659"/>
-            <a:ext cx="2117272" cy="375658"/>
-            <a:chOff x="5213046" y="6173659"/>
-            <a:chExt cx="2117272" cy="375658"/>
-          </a:xfrm>
-        </p:grpSpPr>
-        <p:sp>
-          <p:nvSpPr>
-            <p:cNvPr id="11" name="Rectangle: Rounded Corners 10">
-              <a:extLst>
-                <a:ext uri="{FF2B5EF4-FFF2-40B4-BE49-F238E27FC236}">
-                  <a16:creationId xmlns:a16="http://schemas.microsoft.com/office/drawing/2014/main" id="{3ABB0B64-8EB9-B669-E088-4B7F222D5808}"/>
-                </a:ext>
-              </a:extLst>
-            </p:cNvPr>
-            <p:cNvSpPr/>
-            <p:nvPr/>
-          </p:nvSpPr>
-          <p:spPr>
-            <a:xfrm>
-              <a:off x="5213046" y="6173659"/>
-              <a:ext cx="947058" cy="375658"/>
-            </a:xfrm>
-            <a:prstGeom prst="roundRect">
-              <a:avLst/>
-            </a:prstGeom>
-          </p:spPr>
-          <p:style>
-            <a:lnRef idx="2">
-              <a:schemeClr val="accent2">
-                <a:shade val="15000"/>
-              </a:schemeClr>
-            </a:lnRef>
-            <a:fillRef idx="1">
-              <a:schemeClr val="accent2"/>
-            </a:fillRef>
-            <a:effectRef idx="0">
-              <a:schemeClr val="accent2"/>
-            </a:effectRef>
-            <a:fontRef idx="minor">
-              <a:schemeClr val="lt1"/>
-            </a:fontRef>
-          </p:style>
-          <p:txBody>
-            <a:bodyPr rtlCol="0" anchor="ctr"/>
-            <a:lstStyle/>
-            <a:p>
-              <a:pPr algn="ctr"/>
-              <a:r>
-                <a:rPr lang="en-US" altLang="zh-CN" dirty="0"/>
-                <a:t>Save</a:t>
-              </a:r>
-              <a:endParaRPr lang="en-US" dirty="0"/>
-            </a:p>
-          </p:txBody>
-        </p:sp>
-        <p:sp>
-          <p:nvSpPr>
-            <p:cNvPr id="12" name="Rectangle: Rounded Corners 11">
-              <a:extLst>
-                <a:ext uri="{FF2B5EF4-FFF2-40B4-BE49-F238E27FC236}">
-                  <a16:creationId xmlns:a16="http://schemas.microsoft.com/office/drawing/2014/main" id="{FD74393C-D3F0-581D-6308-AC4E4CC27C46}"/>
-                </a:ext>
-              </a:extLst>
-            </p:cNvPr>
-            <p:cNvSpPr/>
-            <p:nvPr/>
-          </p:nvSpPr>
-          <p:spPr>
-            <a:xfrm>
-              <a:off x="6383260" y="6173659"/>
-              <a:ext cx="947058" cy="375658"/>
-            </a:xfrm>
-            <a:prstGeom prst="roundRect">
-              <a:avLst/>
-            </a:prstGeom>
-          </p:spPr>
-          <p:style>
-            <a:lnRef idx="2">
-              <a:schemeClr val="accent5">
-                <a:shade val="15000"/>
-              </a:schemeClr>
-            </a:lnRef>
-            <a:fillRef idx="1">
-              <a:schemeClr val="accent5"/>
-            </a:fillRef>
-            <a:effectRef idx="0">
-              <a:schemeClr val="accent5"/>
-            </a:effectRef>
-            <a:fontRef idx="minor">
-              <a:schemeClr val="lt1"/>
-            </a:fontRef>
-          </p:style>
-          <p:txBody>
-            <a:bodyPr rtlCol="0" anchor="ctr"/>
-            <a:lstStyle/>
-            <a:p>
-              <a:pPr algn="ctr"/>
-              <a:r>
-                <a:rPr lang="en-US" dirty="0"/>
-                <a:t>Cancel</a:t>
-              </a:r>
-            </a:p>
-          </p:txBody>
-        </p:sp>
-      </p:grpSp>
-      <p:sp>
-        <p:nvSpPr>
-          <p:cNvPr id="9" name="TextBox 8">
-            <a:extLst>
-              <a:ext uri="{FF2B5EF4-FFF2-40B4-BE49-F238E27FC236}">
-                <a16:creationId xmlns:a16="http://schemas.microsoft.com/office/drawing/2014/main" id="{FE82888C-484E-8088-DA7D-3C35CD9DDABA}"/>
-              </a:ext>
-            </a:extLst>
-          </p:cNvPr>
-          <p:cNvSpPr txBox="1"/>
-          <p:nvPr/>
-        </p:nvSpPr>
-        <p:spPr>
-          <a:xfrm>
-            <a:off x="2030186" y="794660"/>
-            <a:ext cx="1638590" cy="369332"/>
-          </a:xfrm>
-          <a:prstGeom prst="rect">
-            <a:avLst/>
-          </a:prstGeom>
-          <a:noFill/>
-        </p:spPr>
-        <p:txBody>
-          <a:bodyPr wrap="none" rtlCol="0">
-            <a:spAutoFit/>
-          </a:bodyPr>
-          <a:lstStyle/>
-          <a:p>
-            <a:r>
-              <a:rPr lang="en-US" b="1" dirty="0"/>
-              <a:t>Add New Rule</a:t>
-            </a:r>
-          </a:p>
-        </p:txBody>
-      </p:sp>
-      <p:sp>
-        <p:nvSpPr>
-          <p:cNvPr id="13" name="Arrow: Left 12">
-            <a:extLst>
-              <a:ext uri="{FF2B5EF4-FFF2-40B4-BE49-F238E27FC236}">
-                <a16:creationId xmlns:a16="http://schemas.microsoft.com/office/drawing/2014/main" id="{5FFDF730-711C-BEC2-FC21-41E1CEA97D94}"/>
-              </a:ext>
-            </a:extLst>
-          </p:cNvPr>
-          <p:cNvSpPr/>
-          <p:nvPr/>
-        </p:nvSpPr>
-        <p:spPr>
-          <a:xfrm>
-            <a:off x="1137559" y="794660"/>
-            <a:ext cx="680357" cy="369332"/>
-          </a:xfrm>
-          <a:prstGeom prst="leftArrow">
-            <a:avLst/>
-          </a:prstGeom>
-        </p:spPr>
-        <p:style>
-          <a:lnRef idx="2">
-            <a:schemeClr val="accent1">
-              <a:shade val="15000"/>
-            </a:schemeClr>
-          </a:lnRef>
-          <a:fillRef idx="1">
-            <a:schemeClr val="accent1"/>
-          </a:fillRef>
-          <a:effectRef idx="0">
-            <a:schemeClr val="accent1"/>
-          </a:effectRef>
-          <a:fontRef idx="minor">
-            <a:schemeClr val="lt1"/>
-          </a:fontRef>
-        </p:style>
-        <p:txBody>
-          <a:bodyPr rtlCol="0" anchor="ctr"/>
-          <a:lstStyle/>
-          <a:p>
-            <a:pPr algn="ctr"/>
-            <a:r>
-              <a:rPr lang="en-US" sz="1200" dirty="0"/>
-              <a:t>Back</a:t>
-            </a:r>
-          </a:p>
-        </p:txBody>
-      </p:sp>
-      <p:sp>
-        <p:nvSpPr>
-          <p:cNvPr id="16" name="TextBox 15">
-            <a:extLst>
-              <a:ext uri="{FF2B5EF4-FFF2-40B4-BE49-F238E27FC236}">
-                <a16:creationId xmlns:a16="http://schemas.microsoft.com/office/drawing/2014/main" id="{17D4F5EB-791B-88E2-7677-FAEC3F25BDDF}"/>
-              </a:ext>
-            </a:extLst>
-          </p:cNvPr>
-          <p:cNvSpPr txBox="1"/>
-          <p:nvPr/>
-        </p:nvSpPr>
-        <p:spPr>
-          <a:xfrm>
-            <a:off x="3502761" y="1447800"/>
-            <a:ext cx="1286186" cy="369332"/>
-          </a:xfrm>
-          <a:prstGeom prst="rect">
-            <a:avLst/>
-          </a:prstGeom>
-          <a:noFill/>
-        </p:spPr>
-        <p:txBody>
-          <a:bodyPr wrap="none" rtlCol="0">
-            <a:spAutoFit/>
-          </a:bodyPr>
-          <a:lstStyle/>
-          <a:p>
-            <a:pPr algn="r"/>
-            <a:r>
-              <a:rPr lang="en-US" dirty="0"/>
-              <a:t>Rule Name</a:t>
-            </a:r>
-          </a:p>
-        </p:txBody>
-      </p:sp>
-      <p:sp>
-        <p:nvSpPr>
-          <p:cNvPr id="17" name="Rectangle 16">
-            <a:extLst>
-              <a:ext uri="{FF2B5EF4-FFF2-40B4-BE49-F238E27FC236}">
-                <a16:creationId xmlns:a16="http://schemas.microsoft.com/office/drawing/2014/main" id="{0D5FDE20-D486-D6C4-9857-92A997871EC1}"/>
-              </a:ext>
-            </a:extLst>
-          </p:cNvPr>
-          <p:cNvSpPr/>
-          <p:nvPr/>
-        </p:nvSpPr>
-        <p:spPr>
-          <a:xfrm>
-            <a:off x="4891760" y="1430689"/>
-            <a:ext cx="2634343" cy="386443"/>
-          </a:xfrm>
-          <a:prstGeom prst="rect">
-            <a:avLst/>
-          </a:prstGeom>
-        </p:spPr>
-        <p:style>
-          <a:lnRef idx="2">
-            <a:schemeClr val="accent1">
-              <a:shade val="15000"/>
-            </a:schemeClr>
-          </a:lnRef>
-          <a:fillRef idx="1">
-            <a:schemeClr val="accent1"/>
-          </a:fillRef>
-          <a:effectRef idx="0">
-            <a:schemeClr val="accent1"/>
-          </a:effectRef>
-          <a:fontRef idx="minor">
-            <a:schemeClr val="lt1"/>
-          </a:fontRef>
-        </p:style>
-        <p:txBody>
-          <a:bodyPr rtlCol="0" anchor="ctr"/>
-          <a:lstStyle/>
-          <a:p>
-            <a:pPr algn="ctr"/>
-            <a:r>
-              <a:rPr lang="en-US" dirty="0"/>
-              <a:t>Input Rule Name</a:t>
-            </a:r>
-          </a:p>
-        </p:txBody>
-      </p:sp>
-      <p:sp>
-        <p:nvSpPr>
-          <p:cNvPr id="18" name="TextBox 17">
-            <a:extLst>
-              <a:ext uri="{FF2B5EF4-FFF2-40B4-BE49-F238E27FC236}">
-                <a16:creationId xmlns:a16="http://schemas.microsoft.com/office/drawing/2014/main" id="{8AE7B3E2-E3AD-1438-BE03-009C7BB97032}"/>
-              </a:ext>
-            </a:extLst>
-          </p:cNvPr>
-          <p:cNvSpPr txBox="1"/>
-          <p:nvPr/>
-        </p:nvSpPr>
-        <p:spPr>
-          <a:xfrm>
-            <a:off x="3210502" y="2257991"/>
-            <a:ext cx="1578445" cy="369332"/>
-          </a:xfrm>
-          <a:prstGeom prst="rect">
-            <a:avLst/>
-          </a:prstGeom>
-          <a:noFill/>
-        </p:spPr>
-        <p:txBody>
-          <a:bodyPr wrap="none" rtlCol="0">
-            <a:spAutoFit/>
-          </a:bodyPr>
-          <a:lstStyle/>
-          <a:p>
-            <a:pPr algn="r"/>
-            <a:r>
-              <a:rPr lang="en-US" dirty="0"/>
-              <a:t>Trigger Sensor</a:t>
-            </a:r>
-          </a:p>
-        </p:txBody>
-      </p:sp>
-      <p:sp>
-        <p:nvSpPr>
-          <p:cNvPr id="19" name="TextBox 18">
-            <a:extLst>
-              <a:ext uri="{FF2B5EF4-FFF2-40B4-BE49-F238E27FC236}">
-                <a16:creationId xmlns:a16="http://schemas.microsoft.com/office/drawing/2014/main" id="{9EB19CE4-4F7A-71E1-62FF-DB83EC419514}"/>
-              </a:ext>
-            </a:extLst>
-          </p:cNvPr>
-          <p:cNvSpPr txBox="1"/>
-          <p:nvPr/>
-        </p:nvSpPr>
-        <p:spPr>
-          <a:xfrm>
-            <a:off x="4145949" y="3085294"/>
-            <a:ext cx="642998" cy="369332"/>
-          </a:xfrm>
-          <a:prstGeom prst="rect">
-            <a:avLst/>
-          </a:prstGeom>
-          <a:noFill/>
-        </p:spPr>
-        <p:txBody>
-          <a:bodyPr wrap="none" rtlCol="0">
-            <a:spAutoFit/>
-          </a:bodyPr>
-          <a:lstStyle/>
-          <a:p>
-            <a:pPr algn="r"/>
-            <a:r>
-              <a:rPr lang="en-US" altLang="zh-CN" dirty="0"/>
-              <a:t>Type</a:t>
-            </a:r>
-            <a:endParaRPr lang="en-US" dirty="0"/>
-          </a:p>
-        </p:txBody>
-      </p:sp>
-      <p:sp>
-        <p:nvSpPr>
-          <p:cNvPr id="21" name="TextBox 20">
-            <a:extLst>
-              <a:ext uri="{FF2B5EF4-FFF2-40B4-BE49-F238E27FC236}">
-                <a16:creationId xmlns:a16="http://schemas.microsoft.com/office/drawing/2014/main" id="{D0A2898B-86C0-FA86-9AD1-17801FE977E3}"/>
-              </a:ext>
-            </a:extLst>
-          </p:cNvPr>
-          <p:cNvSpPr txBox="1"/>
-          <p:nvPr/>
-        </p:nvSpPr>
-        <p:spPr>
-          <a:xfrm>
-            <a:off x="2896120" y="4705675"/>
-            <a:ext cx="1892827" cy="369332"/>
-          </a:xfrm>
-          <a:prstGeom prst="rect">
-            <a:avLst/>
-          </a:prstGeom>
-          <a:noFill/>
-        </p:spPr>
-        <p:txBody>
-          <a:bodyPr wrap="none" rtlCol="0">
-            <a:spAutoFit/>
-          </a:bodyPr>
-          <a:lstStyle/>
-          <a:p>
-            <a:pPr algn="r"/>
-            <a:r>
-              <a:rPr lang="en-US" dirty="0"/>
-              <a:t>Linked Controller</a:t>
-            </a:r>
-          </a:p>
-        </p:txBody>
-      </p:sp>
-      <p:sp>
-        <p:nvSpPr>
-          <p:cNvPr id="22" name="Rectangle 21">
-            <a:extLst>
-              <a:ext uri="{FF2B5EF4-FFF2-40B4-BE49-F238E27FC236}">
-                <a16:creationId xmlns:a16="http://schemas.microsoft.com/office/drawing/2014/main" id="{ED180787-8226-AC57-D81B-41F47EA3EA3F}"/>
-              </a:ext>
-            </a:extLst>
-          </p:cNvPr>
-          <p:cNvSpPr/>
-          <p:nvPr/>
-        </p:nvSpPr>
-        <p:spPr>
-          <a:xfrm>
-            <a:off x="4891760" y="3068183"/>
-            <a:ext cx="2634343" cy="386443"/>
-          </a:xfrm>
-          <a:prstGeom prst="rect">
-            <a:avLst/>
-          </a:prstGeom>
-        </p:spPr>
-        <p:style>
-          <a:lnRef idx="2">
-            <a:schemeClr val="accent1">
-              <a:shade val="15000"/>
-            </a:schemeClr>
-          </a:lnRef>
-          <a:fillRef idx="1">
-            <a:schemeClr val="accent1"/>
-          </a:fillRef>
-          <a:effectRef idx="0">
-            <a:schemeClr val="accent1"/>
-          </a:effectRef>
-          <a:fontRef idx="minor">
-            <a:schemeClr val="lt1"/>
-          </a:fontRef>
-        </p:style>
-        <p:txBody>
-          <a:bodyPr rtlCol="0" anchor="ctr"/>
-          <a:lstStyle/>
-          <a:p>
-            <a:pPr algn="ctr"/>
-            <a:r>
-              <a:rPr lang="en-US" dirty="0"/>
-              <a:t>Threshold</a:t>
-            </a:r>
-          </a:p>
-        </p:txBody>
-      </p:sp>
-      <p:sp>
-        <p:nvSpPr>
-          <p:cNvPr id="23" name="Rectangle 22">
-            <a:extLst>
-              <a:ext uri="{FF2B5EF4-FFF2-40B4-BE49-F238E27FC236}">
-                <a16:creationId xmlns:a16="http://schemas.microsoft.com/office/drawing/2014/main" id="{28981B0F-4656-D2C6-595C-119CF2073CCF}"/>
-              </a:ext>
-            </a:extLst>
-          </p:cNvPr>
-          <p:cNvSpPr/>
-          <p:nvPr/>
-        </p:nvSpPr>
-        <p:spPr>
-          <a:xfrm>
-            <a:off x="4894639" y="3886929"/>
-            <a:ext cx="1201361" cy="386443"/>
-          </a:xfrm>
-          <a:prstGeom prst="rect">
-            <a:avLst/>
-          </a:prstGeom>
-        </p:spPr>
-        <p:style>
-          <a:lnRef idx="2">
-            <a:schemeClr val="accent1">
-              <a:shade val="15000"/>
-            </a:schemeClr>
-          </a:lnRef>
-          <a:fillRef idx="1">
-            <a:schemeClr val="accent1"/>
-          </a:fillRef>
-          <a:effectRef idx="0">
-            <a:schemeClr val="accent1"/>
-          </a:effectRef>
-          <a:fontRef idx="minor">
-            <a:schemeClr val="lt1"/>
-          </a:fontRef>
-        </p:style>
-        <p:txBody>
-          <a:bodyPr rtlCol="0" anchor="ctr"/>
-          <a:lstStyle/>
-          <a:p>
-            <a:pPr algn="ctr"/>
-            <a:r>
-              <a:rPr lang="en-US" dirty="0"/>
-              <a:t>OP</a:t>
-            </a:r>
-          </a:p>
-        </p:txBody>
-      </p:sp>
-      <p:sp>
-        <p:nvSpPr>
-          <p:cNvPr id="24" name="Rectangle 23">
-            <a:extLst>
-              <a:ext uri="{FF2B5EF4-FFF2-40B4-BE49-F238E27FC236}">
-                <a16:creationId xmlns:a16="http://schemas.microsoft.com/office/drawing/2014/main" id="{440EB541-CF5C-DF4D-C9FB-F78793F1286F}"/>
-              </a:ext>
-            </a:extLst>
-          </p:cNvPr>
-          <p:cNvSpPr/>
-          <p:nvPr/>
-        </p:nvSpPr>
-        <p:spPr>
-          <a:xfrm>
-            <a:off x="4891760" y="4705675"/>
-            <a:ext cx="2634343" cy="386443"/>
-          </a:xfrm>
-          <a:prstGeom prst="rect">
-            <a:avLst/>
-          </a:prstGeom>
-        </p:spPr>
-        <p:style>
-          <a:lnRef idx="2">
-            <a:schemeClr val="accent1">
-              <a:shade val="15000"/>
-            </a:schemeClr>
-          </a:lnRef>
-          <a:fillRef idx="1">
-            <a:schemeClr val="accent1"/>
-          </a:fillRef>
-          <a:effectRef idx="0">
-            <a:schemeClr val="accent1"/>
-          </a:effectRef>
-          <a:fontRef idx="minor">
-            <a:schemeClr val="lt1"/>
-          </a:fontRef>
-        </p:style>
-        <p:txBody>
-          <a:bodyPr rtlCol="0" anchor="ctr"/>
-          <a:lstStyle/>
-          <a:p>
-            <a:pPr algn="ctr"/>
-            <a:r>
-              <a:rPr lang="en-US" dirty="0"/>
-              <a:t>Select Controller</a:t>
-            </a:r>
-          </a:p>
-        </p:txBody>
-      </p:sp>
-      <p:sp>
-        <p:nvSpPr>
-          <p:cNvPr id="25" name="Rectangle 24">
-            <a:extLst>
-              <a:ext uri="{FF2B5EF4-FFF2-40B4-BE49-F238E27FC236}">
-                <a16:creationId xmlns:a16="http://schemas.microsoft.com/office/drawing/2014/main" id="{EB4AD78D-E23B-B82A-A36E-359BD288E1B7}"/>
-              </a:ext>
-            </a:extLst>
-          </p:cNvPr>
-          <p:cNvSpPr/>
-          <p:nvPr/>
-        </p:nvSpPr>
-        <p:spPr>
-          <a:xfrm>
-            <a:off x="4891760" y="2249436"/>
-            <a:ext cx="2634343" cy="386443"/>
-          </a:xfrm>
-          <a:prstGeom prst="rect">
-            <a:avLst/>
-          </a:prstGeom>
-        </p:spPr>
-        <p:style>
-          <a:lnRef idx="2">
-            <a:schemeClr val="accent1">
-              <a:shade val="15000"/>
-            </a:schemeClr>
-          </a:lnRef>
-          <a:fillRef idx="1">
-            <a:schemeClr val="accent1"/>
-          </a:fillRef>
-          <a:effectRef idx="0">
-            <a:schemeClr val="accent1"/>
-          </a:effectRef>
-          <a:fontRef idx="minor">
-            <a:schemeClr val="lt1"/>
-          </a:fontRef>
-        </p:style>
-        <p:txBody>
-          <a:bodyPr rtlCol="0" anchor="ctr"/>
-          <a:lstStyle/>
-          <a:p>
-            <a:pPr algn="ctr"/>
-            <a:r>
-              <a:rPr lang="en-US" dirty="0"/>
-              <a:t>Select Sensor</a:t>
-            </a:r>
-          </a:p>
-        </p:txBody>
-      </p:sp>
-      <p:sp>
-        <p:nvSpPr>
-          <p:cNvPr id="26" name="Isosceles Triangle 25">
-            <a:extLst>
-              <a:ext uri="{FF2B5EF4-FFF2-40B4-BE49-F238E27FC236}">
-                <a16:creationId xmlns:a16="http://schemas.microsoft.com/office/drawing/2014/main" id="{EB94F089-A4B4-5134-2ED2-B5AD0E073FF1}"/>
-              </a:ext>
-            </a:extLst>
-          </p:cNvPr>
-          <p:cNvSpPr/>
-          <p:nvPr/>
-        </p:nvSpPr>
-        <p:spPr>
-          <a:xfrm flipV="1">
-            <a:off x="7206343" y="2350128"/>
-            <a:ext cx="214666" cy="185057"/>
-          </a:xfrm>
-          <a:prstGeom prst="triangle">
-            <a:avLst/>
-          </a:prstGeom>
-          <a:solidFill>
-            <a:schemeClr val="bg1"/>
-          </a:solidFill>
-          <a:ln>
-            <a:noFill/>
-          </a:ln>
-        </p:spPr>
-        <p:style>
-          <a:lnRef idx="2">
-            <a:schemeClr val="accent1">
-              <a:shade val="15000"/>
-            </a:schemeClr>
-          </a:lnRef>
-          <a:fillRef idx="1">
-            <a:schemeClr val="accent1"/>
-          </a:fillRef>
-          <a:effectRef idx="0">
-            <a:schemeClr val="accent1"/>
-          </a:effectRef>
-          <a:fontRef idx="minor">
-            <a:schemeClr val="lt1"/>
-          </a:fontRef>
-        </p:style>
-        <p:txBody>
-          <a:bodyPr rtlCol="0" anchor="ctr"/>
-          <a:lstStyle/>
-          <a:p>
-            <a:pPr algn="ctr"/>
-            <a:endParaRPr lang="en-US"/>
-          </a:p>
-        </p:txBody>
-      </p:sp>
-      <p:sp>
-        <p:nvSpPr>
-          <p:cNvPr id="27" name="Isosceles Triangle 26">
-            <a:extLst>
-              <a:ext uri="{FF2B5EF4-FFF2-40B4-BE49-F238E27FC236}">
-                <a16:creationId xmlns:a16="http://schemas.microsoft.com/office/drawing/2014/main" id="{3B383223-123E-DDE6-1A1A-16D7FDC3F89C}"/>
-              </a:ext>
-            </a:extLst>
-          </p:cNvPr>
-          <p:cNvSpPr/>
-          <p:nvPr/>
-        </p:nvSpPr>
-        <p:spPr>
-          <a:xfrm flipV="1">
-            <a:off x="5785757" y="3987622"/>
-            <a:ext cx="214666" cy="185057"/>
-          </a:xfrm>
-          <a:prstGeom prst="triangle">
-            <a:avLst/>
-          </a:prstGeom>
-          <a:solidFill>
-            <a:schemeClr val="bg1"/>
-          </a:solidFill>
-          <a:ln>
-            <a:noFill/>
-          </a:ln>
-        </p:spPr>
-        <p:style>
-          <a:lnRef idx="2">
-            <a:schemeClr val="accent1">
-              <a:shade val="15000"/>
-            </a:schemeClr>
-          </a:lnRef>
-          <a:fillRef idx="1">
-            <a:schemeClr val="accent1"/>
-          </a:fillRef>
-          <a:effectRef idx="0">
-            <a:schemeClr val="accent1"/>
-          </a:effectRef>
-          <a:fontRef idx="minor">
-            <a:schemeClr val="lt1"/>
-          </a:fontRef>
-        </p:style>
-        <p:txBody>
-          <a:bodyPr rtlCol="0" anchor="ctr"/>
-          <a:lstStyle/>
-          <a:p>
-            <a:pPr algn="ctr"/>
-            <a:endParaRPr lang="en-US"/>
-          </a:p>
-        </p:txBody>
-      </p:sp>
-      <p:sp>
-        <p:nvSpPr>
-          <p:cNvPr id="28" name="Isosceles Triangle 27">
-            <a:extLst>
-              <a:ext uri="{FF2B5EF4-FFF2-40B4-BE49-F238E27FC236}">
-                <a16:creationId xmlns:a16="http://schemas.microsoft.com/office/drawing/2014/main" id="{A376A9B9-3B5F-DF1E-B9CF-770B05CE8289}"/>
-              </a:ext>
-            </a:extLst>
-          </p:cNvPr>
-          <p:cNvSpPr/>
-          <p:nvPr/>
-        </p:nvSpPr>
-        <p:spPr>
-          <a:xfrm flipV="1">
-            <a:off x="7206343" y="4811810"/>
-            <a:ext cx="214666" cy="185057"/>
-          </a:xfrm>
-          <a:prstGeom prst="triangle">
-            <a:avLst/>
-          </a:prstGeom>
-          <a:solidFill>
-            <a:schemeClr val="bg1"/>
-          </a:solidFill>
-          <a:ln>
-            <a:noFill/>
-          </a:ln>
-        </p:spPr>
-        <p:style>
-          <a:lnRef idx="2">
-            <a:schemeClr val="accent1">
-              <a:shade val="15000"/>
-            </a:schemeClr>
-          </a:lnRef>
-          <a:fillRef idx="1">
-            <a:schemeClr val="accent1"/>
-          </a:fillRef>
-          <a:effectRef idx="0">
-            <a:schemeClr val="accent1"/>
-          </a:effectRef>
-          <a:fontRef idx="minor">
-            <a:schemeClr val="lt1"/>
-          </a:fontRef>
-        </p:style>
-        <p:txBody>
-          <a:bodyPr rtlCol="0" anchor="ctr"/>
-          <a:lstStyle/>
-          <a:p>
-            <a:pPr algn="ctr"/>
-            <a:endParaRPr lang="en-US"/>
-          </a:p>
-        </p:txBody>
-      </p:sp>
-      <p:sp>
-        <p:nvSpPr>
-          <p:cNvPr id="29" name="Rectangle 28">
-            <a:extLst>
-              <a:ext uri="{FF2B5EF4-FFF2-40B4-BE49-F238E27FC236}">
-                <a16:creationId xmlns:a16="http://schemas.microsoft.com/office/drawing/2014/main" id="{C0C02BE6-DA37-926D-B61B-D2DBAC77EDD1}"/>
-              </a:ext>
-            </a:extLst>
-          </p:cNvPr>
-          <p:cNvSpPr/>
-          <p:nvPr/>
-        </p:nvSpPr>
-        <p:spPr>
-          <a:xfrm>
-            <a:off x="6324742" y="3886929"/>
-            <a:ext cx="1997387" cy="386443"/>
-          </a:xfrm>
-          <a:prstGeom prst="rect">
-            <a:avLst/>
-          </a:prstGeom>
-        </p:spPr>
-        <p:style>
-          <a:lnRef idx="2">
-            <a:schemeClr val="accent1">
-              <a:shade val="15000"/>
-            </a:schemeClr>
-          </a:lnRef>
-          <a:fillRef idx="1">
-            <a:schemeClr val="accent1"/>
-          </a:fillRef>
-          <a:effectRef idx="0">
-            <a:schemeClr val="accent1"/>
-          </a:effectRef>
-          <a:fontRef idx="minor">
-            <a:schemeClr val="lt1"/>
-          </a:fontRef>
-        </p:style>
-        <p:txBody>
-          <a:bodyPr rtlCol="0" anchor="ctr"/>
-          <a:lstStyle/>
-          <a:p>
-            <a:pPr algn="ctr"/>
-            <a:r>
-              <a:rPr lang="en-US" sz="1400" dirty="0"/>
-              <a:t>Input Threshold Value</a:t>
-            </a:r>
-          </a:p>
-        </p:txBody>
-      </p:sp>
-      <p:sp>
-        <p:nvSpPr>
-          <p:cNvPr id="30" name="Rectangle 29">
-            <a:extLst>
-              <a:ext uri="{FF2B5EF4-FFF2-40B4-BE49-F238E27FC236}">
-                <a16:creationId xmlns:a16="http://schemas.microsoft.com/office/drawing/2014/main" id="{5288E69A-D64E-6A6A-140B-EF78BBD8654D}"/>
-              </a:ext>
-            </a:extLst>
-          </p:cNvPr>
-          <p:cNvSpPr/>
-          <p:nvPr/>
-        </p:nvSpPr>
-        <p:spPr>
-          <a:xfrm>
-            <a:off x="4891760" y="5423728"/>
-            <a:ext cx="2634343" cy="386443"/>
-          </a:xfrm>
-          <a:prstGeom prst="rect">
-            <a:avLst/>
-          </a:prstGeom>
-        </p:spPr>
-        <p:style>
-          <a:lnRef idx="2">
-            <a:schemeClr val="accent1">
-              <a:shade val="15000"/>
-            </a:schemeClr>
-          </a:lnRef>
-          <a:fillRef idx="1">
-            <a:schemeClr val="accent1"/>
-          </a:fillRef>
-          <a:effectRef idx="0">
-            <a:schemeClr val="accent1"/>
-          </a:effectRef>
-          <a:fontRef idx="minor">
-            <a:schemeClr val="lt1"/>
-          </a:fontRef>
-        </p:style>
-        <p:txBody>
-          <a:bodyPr rtlCol="0" anchor="ctr"/>
-          <a:lstStyle/>
-          <a:p>
-            <a:pPr algn="ctr"/>
-            <a:r>
-              <a:rPr lang="en-US" dirty="0"/>
-              <a:t>Select Action</a:t>
-            </a:r>
-          </a:p>
-        </p:txBody>
-      </p:sp>
-      <p:sp>
-        <p:nvSpPr>
-          <p:cNvPr id="32" name="Rectangle 31">
-            <a:extLst>
-              <a:ext uri="{FF2B5EF4-FFF2-40B4-BE49-F238E27FC236}">
-                <a16:creationId xmlns:a16="http://schemas.microsoft.com/office/drawing/2014/main" id="{166BCC63-49A6-E93D-245A-13FB59B80495}"/>
-              </a:ext>
-            </a:extLst>
-          </p:cNvPr>
-          <p:cNvSpPr/>
-          <p:nvPr/>
-        </p:nvSpPr>
-        <p:spPr>
-          <a:xfrm>
-            <a:off x="87086" y="1393371"/>
-            <a:ext cx="674915" cy="674915"/>
-          </a:xfrm>
-          <a:prstGeom prst="rect">
-            <a:avLst/>
-          </a:prstGeom>
-          <a:noFill/>
-          <a:ln>
-            <a:solidFill>
-              <a:srgbClr val="FF0000"/>
-            </a:solidFill>
-          </a:ln>
-        </p:spPr>
-        <p:style>
-          <a:lnRef idx="2">
-            <a:schemeClr val="accent1">
-              <a:shade val="15000"/>
-            </a:schemeClr>
-          </a:lnRef>
-          <a:fillRef idx="1">
-            <a:schemeClr val="accent1"/>
-          </a:fillRef>
-          <a:effectRef idx="0">
-            <a:schemeClr val="accent1"/>
-          </a:effectRef>
-          <a:fontRef idx="minor">
-            <a:schemeClr val="lt1"/>
-          </a:fontRef>
-        </p:style>
-        <p:txBody>
-          <a:bodyPr rtlCol="0" anchor="ctr"/>
-          <a:lstStyle/>
-          <a:p>
-            <a:pPr algn="ctr"/>
-            <a:endParaRPr lang="en-US"/>
-          </a:p>
-        </p:txBody>
-      </p:sp>
-      <p:sp>
-        <p:nvSpPr>
-          <p:cNvPr id="33" name="TextBox 32">
-            <a:extLst>
-              <a:ext uri="{FF2B5EF4-FFF2-40B4-BE49-F238E27FC236}">
-                <a16:creationId xmlns:a16="http://schemas.microsoft.com/office/drawing/2014/main" id="{18D25E66-B5A0-B268-C0AE-405A76282CA7}"/>
-              </a:ext>
-            </a:extLst>
-          </p:cNvPr>
-          <p:cNvSpPr txBox="1"/>
-          <p:nvPr/>
-        </p:nvSpPr>
-        <p:spPr>
-          <a:xfrm>
-            <a:off x="910607" y="173308"/>
-            <a:ext cx="6104164" cy="286360"/>
-          </a:xfrm>
-          <a:prstGeom prst="rect">
-            <a:avLst/>
-          </a:prstGeom>
-          <a:noFill/>
-        </p:spPr>
-        <p:txBody>
-          <a:bodyPr wrap="square">
-            <a:spAutoFit/>
-          </a:bodyPr>
-          <a:lstStyle/>
-          <a:p>
             <a:pPr>
               <a:lnSpc>
                 <a:spcPts val="1425"/>
               </a:lnSpc>
             </a:pPr>
             <a:r>
-              <a:rPr lang="en-US" b="1" dirty="0">
+              <a:rPr lang="en-US" sz="1400" b="0" dirty="0">
                 <a:solidFill>
-                  <a:schemeClr val="bg1"/>
+                  <a:srgbClr val="D6D6DD"/>
                 </a:solidFill>
                 <a:effectLst/>
                 <a:latin typeface="Consolas" panose="020B0609020204030204" pitchFamily="49" charset="0"/>
               </a:rPr>
-              <a:t>Intelligent Control System</a:t>
+              <a:t>DELETE /rules/{</a:t>
             </a:r>
-            <a:endParaRPr lang="en-US" b="0" dirty="0">
-              <a:solidFill>
-                <a:schemeClr val="bg1"/>
-              </a:solidFill>
-              <a:effectLst/>
-              <a:latin typeface="Consolas" panose="020B0609020204030204" pitchFamily="49" charset="0"/>
-            </a:endParaRPr>
-          </a:p>
-        </p:txBody>
-      </p:sp>
-      <p:sp>
-        <p:nvSpPr>
-          <p:cNvPr id="34" name="TextBox 33">
-            <a:extLst>
-              <a:ext uri="{FF2B5EF4-FFF2-40B4-BE49-F238E27FC236}">
-                <a16:creationId xmlns:a16="http://schemas.microsoft.com/office/drawing/2014/main" id="{3C58696B-7892-5362-34E7-2E3C899AD1E9}"/>
-              </a:ext>
-            </a:extLst>
-          </p:cNvPr>
-          <p:cNvSpPr txBox="1"/>
-          <p:nvPr/>
-        </p:nvSpPr>
-        <p:spPr>
-          <a:xfrm>
-            <a:off x="8322129" y="1289957"/>
-            <a:ext cx="3483428" cy="3970318"/>
-          </a:xfrm>
-          <a:prstGeom prst="rect">
-            <a:avLst/>
-          </a:prstGeom>
-          <a:noFill/>
-        </p:spPr>
-        <p:txBody>
-          <a:bodyPr wrap="square" rtlCol="0">
-            <a:spAutoFit/>
-          </a:bodyPr>
-          <a:lstStyle/>
-          <a:p>
-            <a:pPr marL="285750" indent="-285750">
-              <a:buFont typeface="Arial" panose="020B0604020202020204" pitchFamily="34" charset="0"/>
-              <a:buChar char="•"/>
-            </a:pPr>
             <a:r>
-              <a:rPr lang="en-US" dirty="0"/>
-              <a:t>All option/inputs is required on this page</a:t>
+              <a:rPr lang="en-US" sz="1400" b="0" dirty="0" err="1">
+                <a:solidFill>
+                  <a:srgbClr val="D6D6DD"/>
+                </a:solidFill>
+                <a:effectLst/>
+                <a:latin typeface="Consolas" panose="020B0609020204030204" pitchFamily="49" charset="0"/>
+              </a:rPr>
+              <a:t>rule_id</a:t>
             </a:r>
-          </a:p>
-          <a:p>
-            <a:pPr marL="285750" indent="-285750">
-              <a:buFont typeface="Arial" panose="020B0604020202020204" pitchFamily="34" charset="0"/>
-              <a:buChar char="•"/>
-            </a:pPr>
             <a:r>
-              <a:rPr lang="en-US" dirty="0"/>
-              <a:t>Box with triangle icon means this is a dropdown list, user must select from a few options instead of typing</a:t>
+              <a:rPr lang="en-US" sz="1400" b="0" dirty="0">
+                <a:solidFill>
+                  <a:srgbClr val="D6D6DD"/>
+                </a:solidFill>
+                <a:effectLst/>
+                <a:latin typeface="Consolas" panose="020B0609020204030204" pitchFamily="49" charset="0"/>
+              </a:rPr>
+              <a:t>}</a:t>
             </a:r>
-          </a:p>
-          <a:p>
-            <a:pPr marL="285750" indent="-285750">
-              <a:buFont typeface="Arial" panose="020B0604020202020204" pitchFamily="34" charset="0"/>
-              <a:buChar char="•"/>
-            </a:pPr>
-            <a:r>
-              <a:rPr lang="en-US" dirty="0"/>
-              <a:t>If user selected a trigger sensor, the ‘Type’ will be automatically changed accordingly</a:t>
-            </a:r>
-          </a:p>
-          <a:p>
-            <a:pPr marL="285750" indent="-285750">
-              <a:buFont typeface="Arial" panose="020B0604020202020204" pitchFamily="34" charset="0"/>
-              <a:buChar char="•"/>
-            </a:pPr>
-            <a:r>
-              <a:rPr lang="en-US" dirty="0"/>
-              <a:t>‘Event’ type will have ‘OP’ but no ‘Input Threshold Value’</a:t>
-            </a:r>
-          </a:p>
-          <a:p>
-            <a:pPr marL="285750" indent="-285750">
-              <a:buFont typeface="Arial" panose="020B0604020202020204" pitchFamily="34" charset="0"/>
-              <a:buChar char="•"/>
-            </a:pPr>
-            <a:r>
-              <a:rPr lang="en-US" dirty="0"/>
-              <a:t>Detailed relationship diagram attached in the next slide</a:t>
-            </a:r>
-          </a:p>
-        </p:txBody>
-      </p:sp>
-      <p:sp>
-        <p:nvSpPr>
-          <p:cNvPr id="35" name="Isosceles Triangle 34">
-            <a:extLst>
-              <a:ext uri="{FF2B5EF4-FFF2-40B4-BE49-F238E27FC236}">
-                <a16:creationId xmlns:a16="http://schemas.microsoft.com/office/drawing/2014/main" id="{9AC354B2-FAF1-D12C-6E95-0EE37F65FBE4}"/>
-              </a:ext>
-            </a:extLst>
-          </p:cNvPr>
-          <p:cNvSpPr/>
-          <p:nvPr/>
-        </p:nvSpPr>
-        <p:spPr>
-          <a:xfrm flipV="1">
-            <a:off x="7206343" y="3177431"/>
-            <a:ext cx="214666" cy="185057"/>
-          </a:xfrm>
-          <a:prstGeom prst="triangle">
-            <a:avLst/>
-          </a:prstGeom>
-          <a:solidFill>
-            <a:schemeClr val="bg1"/>
-          </a:solidFill>
-          <a:ln>
-            <a:noFill/>
-          </a:ln>
-        </p:spPr>
-        <p:style>
-          <a:lnRef idx="2">
-            <a:schemeClr val="accent1">
-              <a:shade val="15000"/>
-            </a:schemeClr>
-          </a:lnRef>
-          <a:fillRef idx="1">
-            <a:schemeClr val="accent1"/>
-          </a:fillRef>
-          <a:effectRef idx="0">
-            <a:schemeClr val="accent1"/>
-          </a:effectRef>
-          <a:fontRef idx="minor">
-            <a:schemeClr val="lt1"/>
-          </a:fontRef>
-        </p:style>
-        <p:txBody>
-          <a:bodyPr rtlCol="0" anchor="ctr"/>
-          <a:lstStyle/>
-          <a:p>
-            <a:pPr algn="ctr"/>
-            <a:endParaRPr lang="en-US"/>
-          </a:p>
-        </p:txBody>
-      </p:sp>
-      <p:sp>
-        <p:nvSpPr>
-          <p:cNvPr id="36" name="Isosceles Triangle 35">
-            <a:extLst>
-              <a:ext uri="{FF2B5EF4-FFF2-40B4-BE49-F238E27FC236}">
-                <a16:creationId xmlns:a16="http://schemas.microsoft.com/office/drawing/2014/main" id="{1A890D22-35F0-D117-3698-8F729898B8D7}"/>
-              </a:ext>
-            </a:extLst>
-          </p:cNvPr>
-          <p:cNvSpPr/>
-          <p:nvPr/>
-        </p:nvSpPr>
-        <p:spPr>
-          <a:xfrm flipV="1">
-            <a:off x="7206343" y="5524420"/>
-            <a:ext cx="214666" cy="185057"/>
-          </a:xfrm>
-          <a:prstGeom prst="triangle">
-            <a:avLst/>
-          </a:prstGeom>
-          <a:solidFill>
-            <a:schemeClr val="bg1"/>
-          </a:solidFill>
-          <a:ln>
-            <a:noFill/>
-          </a:ln>
-        </p:spPr>
-        <p:style>
-          <a:lnRef idx="2">
-            <a:schemeClr val="accent1">
-              <a:shade val="15000"/>
-            </a:schemeClr>
-          </a:lnRef>
-          <a:fillRef idx="1">
-            <a:schemeClr val="accent1"/>
-          </a:fillRef>
-          <a:effectRef idx="0">
-            <a:schemeClr val="accent1"/>
-          </a:effectRef>
-          <a:fontRef idx="minor">
-            <a:schemeClr val="lt1"/>
-          </a:fontRef>
-        </p:style>
-        <p:txBody>
-          <a:bodyPr rtlCol="0" anchor="ctr"/>
-          <a:lstStyle/>
-          <a:p>
-            <a:pPr algn="ctr"/>
-            <a:endParaRPr lang="en-US"/>
           </a:p>
         </p:txBody>
       </p:sp>
     </p:spTree>
     <p:extLst>
       <p:ext uri="{BB962C8B-B14F-4D97-AF65-F5344CB8AC3E}">
-        <p14:creationId xmlns:p14="http://schemas.microsoft.com/office/powerpoint/2010/main" val="3014797150"/>
+        <p14:creationId xmlns:p14="http://schemas.microsoft.com/office/powerpoint/2010/main" val="57246447"/>
       </p:ext>
     </p:extLst>
   </p:cSld>
